--- a/Presentations/Dati Sintetici di telefonia_V2-FUSION.pptx
+++ b/Presentations/Dati Sintetici di telefonia_V2-FUSION.pptx
@@ -5,7 +5,7 @@
     <p:sldMasterId id="2147483648" r:id="rId5"/>
   </p:sldMasterIdLst>
   <p:notesMasterIdLst>
-    <p:notesMasterId r:id="rId26"/>
+    <p:notesMasterId r:id="rId28"/>
   </p:notesMasterIdLst>
   <p:sldIdLst>
     <p:sldId id="315" r:id="rId6"/>
@@ -17,17 +17,19 @@
     <p:sldId id="351" r:id="rId12"/>
     <p:sldId id="354" r:id="rId13"/>
     <p:sldId id="352" r:id="rId14"/>
-    <p:sldId id="336" r:id="rId15"/>
-    <p:sldId id="328" r:id="rId16"/>
-    <p:sldId id="348" r:id="rId17"/>
-    <p:sldId id="349" r:id="rId18"/>
-    <p:sldId id="342" r:id="rId19"/>
-    <p:sldId id="343" r:id="rId20"/>
-    <p:sldId id="344" r:id="rId21"/>
-    <p:sldId id="350" r:id="rId22"/>
-    <p:sldId id="346" r:id="rId23"/>
-    <p:sldId id="353" r:id="rId24"/>
-    <p:sldId id="347" r:id="rId25"/>
+    <p:sldId id="355" r:id="rId15"/>
+    <p:sldId id="336" r:id="rId16"/>
+    <p:sldId id="328" r:id="rId17"/>
+    <p:sldId id="348" r:id="rId18"/>
+    <p:sldId id="349" r:id="rId19"/>
+    <p:sldId id="342" r:id="rId20"/>
+    <p:sldId id="343" r:id="rId21"/>
+    <p:sldId id="344" r:id="rId22"/>
+    <p:sldId id="350" r:id="rId23"/>
+    <p:sldId id="346" r:id="rId24"/>
+    <p:sldId id="356" r:id="rId25"/>
+    <p:sldId id="353" r:id="rId26"/>
+    <p:sldId id="347" r:id="rId27"/>
   </p:sldIdLst>
   <p:sldSz cx="12192000" cy="6858000"/>
   <p:notesSz cx="6858000" cy="9144000"/>
@@ -311,7 +313,7 @@
               <a:pPr>
                 <a:defRPr/>
               </a:pPr>
-              <a:t>5/30/2022</a:t>
+              <a:t>5/31/2022</a:t>
             </a:fld>
             <a:endParaRPr lang="en-US"/>
           </a:p>
@@ -1397,7 +1399,7 @@
               <a:pPr>
                 <a:defRPr/>
               </a:pPr>
-              <a:t>14</a:t>
+              <a:t>9</a:t>
             </a:fld>
             <a:endParaRPr lang="en-US"/>
           </a:p>
@@ -1406,7 +1408,7 @@
     </p:spTree>
     <p:extLst>
       <p:ext uri="{BB962C8B-B14F-4D97-AF65-F5344CB8AC3E}">
-        <p14:creationId xmlns:p14="http://schemas.microsoft.com/office/powerpoint/2010/main" val="1699559311"/>
+        <p14:creationId xmlns:p14="http://schemas.microsoft.com/office/powerpoint/2010/main" val="3518613887"/>
       </p:ext>
     </p:extLst>
   </p:cSld>
@@ -1487,7 +1489,7 @@
               <a:pPr>
                 <a:defRPr/>
               </a:pPr>
-              <a:t>15</a:t>
+              <a:t>10</a:t>
             </a:fld>
             <a:endParaRPr lang="en-US"/>
           </a:p>
@@ -1496,7 +1498,7 @@
     </p:spTree>
     <p:extLst>
       <p:ext uri="{BB962C8B-B14F-4D97-AF65-F5344CB8AC3E}">
-        <p14:creationId xmlns:p14="http://schemas.microsoft.com/office/powerpoint/2010/main" val="2734944327"/>
+        <p14:creationId xmlns:p14="http://schemas.microsoft.com/office/powerpoint/2010/main" val="1470480891"/>
       </p:ext>
     </p:extLst>
   </p:cSld>
@@ -1577,7 +1579,7 @@
               <a:pPr>
                 <a:defRPr/>
               </a:pPr>
-              <a:t>16</a:t>
+              <a:t>15</a:t>
             </a:fld>
             <a:endParaRPr lang="en-US"/>
           </a:p>
@@ -1586,7 +1588,7 @@
     </p:spTree>
     <p:extLst>
       <p:ext uri="{BB962C8B-B14F-4D97-AF65-F5344CB8AC3E}">
-        <p14:creationId xmlns:p14="http://schemas.microsoft.com/office/powerpoint/2010/main" val="251614302"/>
+        <p14:creationId xmlns:p14="http://schemas.microsoft.com/office/powerpoint/2010/main" val="1699559311"/>
       </p:ext>
     </p:extLst>
   </p:cSld>
@@ -1667,7 +1669,187 @@
               <a:pPr>
                 <a:defRPr/>
               </a:pPr>
-              <a:t>18</a:t>
+              <a:t>16</a:t>
+            </a:fld>
+            <a:endParaRPr lang="en-US"/>
+          </a:p>
+        </p:txBody>
+      </p:sp>
+    </p:spTree>
+    <p:extLst>
+      <p:ext uri="{BB962C8B-B14F-4D97-AF65-F5344CB8AC3E}">
+        <p14:creationId xmlns:p14="http://schemas.microsoft.com/office/powerpoint/2010/main" val="2734944327"/>
+      </p:ext>
+    </p:extLst>
+  </p:cSld>
+  <p:clrMapOvr>
+    <a:masterClrMapping/>
+  </p:clrMapOvr>
+</p:notes>
+</file>
+
+<file path=ppt/notesSlides/notesSlide8.xml><?xml version="1.0" encoding="utf-8"?>
+<p:notes xmlns:a="http://schemas.openxmlformats.org/drawingml/2006/main" xmlns:r="http://schemas.openxmlformats.org/officeDocument/2006/relationships" xmlns:p="http://schemas.openxmlformats.org/presentationml/2006/main">
+  <p:cSld>
+    <p:spTree>
+      <p:nvGrpSpPr>
+        <p:cNvPr id="1" name=""/>
+        <p:cNvGrpSpPr/>
+        <p:nvPr/>
+      </p:nvGrpSpPr>
+      <p:grpSpPr>
+        <a:xfrm>
+          <a:off x="0" y="0"/>
+          <a:ext cx="0" cy="0"/>
+          <a:chOff x="0" y="0"/>
+          <a:chExt cx="0" cy="0"/>
+        </a:xfrm>
+      </p:grpSpPr>
+      <p:sp>
+        <p:nvSpPr>
+          <p:cNvPr id="2" name="Segnaposto immagine diapositiva 1"/>
+          <p:cNvSpPr>
+            <a:spLocks noGrp="1" noRot="1" noChangeAspect="1"/>
+          </p:cNvSpPr>
+          <p:nvPr>
+            <p:ph type="sldImg"/>
+          </p:nvPr>
+        </p:nvSpPr>
+        <p:spPr/>
+      </p:sp>
+      <p:sp>
+        <p:nvSpPr>
+          <p:cNvPr id="3" name="Segnaposto note 2"/>
+          <p:cNvSpPr>
+            <a:spLocks noGrp="1"/>
+          </p:cNvSpPr>
+          <p:nvPr>
+            <p:ph type="body" idx="1"/>
+          </p:nvPr>
+        </p:nvSpPr>
+        <p:spPr/>
+        <p:txBody>
+          <a:bodyPr/>
+          <a:lstStyle/>
+          <a:p>
+            <a:endParaRPr lang="it-IT" dirty="0"/>
+          </a:p>
+        </p:txBody>
+      </p:sp>
+      <p:sp>
+        <p:nvSpPr>
+          <p:cNvPr id="4" name="Segnaposto numero diapositiva 3"/>
+          <p:cNvSpPr>
+            <a:spLocks noGrp="1"/>
+          </p:cNvSpPr>
+          <p:nvPr>
+            <p:ph type="sldNum" sz="quarter" idx="10"/>
+          </p:nvPr>
+        </p:nvSpPr>
+        <p:spPr/>
+        <p:txBody>
+          <a:bodyPr/>
+          <a:lstStyle/>
+          <a:p>
+            <a:pPr>
+              <a:defRPr/>
+            </a:pPr>
+            <a:fld id="{F5F5882C-B867-4FE7-97C9-87FBF93DC802}" type="slidenum">
+              <a:rPr lang="en-US" smtClean="0"/>
+              <a:pPr>
+                <a:defRPr/>
+              </a:pPr>
+              <a:t>17</a:t>
+            </a:fld>
+            <a:endParaRPr lang="en-US"/>
+          </a:p>
+        </p:txBody>
+      </p:sp>
+    </p:spTree>
+    <p:extLst>
+      <p:ext uri="{BB962C8B-B14F-4D97-AF65-F5344CB8AC3E}">
+        <p14:creationId xmlns:p14="http://schemas.microsoft.com/office/powerpoint/2010/main" val="251614302"/>
+      </p:ext>
+    </p:extLst>
+  </p:cSld>
+  <p:clrMapOvr>
+    <a:masterClrMapping/>
+  </p:clrMapOvr>
+</p:notes>
+</file>
+
+<file path=ppt/notesSlides/notesSlide9.xml><?xml version="1.0" encoding="utf-8"?>
+<p:notes xmlns:a="http://schemas.openxmlformats.org/drawingml/2006/main" xmlns:r="http://schemas.openxmlformats.org/officeDocument/2006/relationships" xmlns:p="http://schemas.openxmlformats.org/presentationml/2006/main">
+  <p:cSld>
+    <p:spTree>
+      <p:nvGrpSpPr>
+        <p:cNvPr id="1" name=""/>
+        <p:cNvGrpSpPr/>
+        <p:nvPr/>
+      </p:nvGrpSpPr>
+      <p:grpSpPr>
+        <a:xfrm>
+          <a:off x="0" y="0"/>
+          <a:ext cx="0" cy="0"/>
+          <a:chOff x="0" y="0"/>
+          <a:chExt cx="0" cy="0"/>
+        </a:xfrm>
+      </p:grpSpPr>
+      <p:sp>
+        <p:nvSpPr>
+          <p:cNvPr id="2" name="Segnaposto immagine diapositiva 1"/>
+          <p:cNvSpPr>
+            <a:spLocks noGrp="1" noRot="1" noChangeAspect="1"/>
+          </p:cNvSpPr>
+          <p:nvPr>
+            <p:ph type="sldImg"/>
+          </p:nvPr>
+        </p:nvSpPr>
+        <p:spPr/>
+      </p:sp>
+      <p:sp>
+        <p:nvSpPr>
+          <p:cNvPr id="3" name="Segnaposto note 2"/>
+          <p:cNvSpPr>
+            <a:spLocks noGrp="1"/>
+          </p:cNvSpPr>
+          <p:nvPr>
+            <p:ph type="body" idx="1"/>
+          </p:nvPr>
+        </p:nvSpPr>
+        <p:spPr/>
+        <p:txBody>
+          <a:bodyPr/>
+          <a:lstStyle/>
+          <a:p>
+            <a:endParaRPr lang="it-IT" dirty="0"/>
+          </a:p>
+        </p:txBody>
+      </p:sp>
+      <p:sp>
+        <p:nvSpPr>
+          <p:cNvPr id="4" name="Segnaposto numero diapositiva 3"/>
+          <p:cNvSpPr>
+            <a:spLocks noGrp="1"/>
+          </p:cNvSpPr>
+          <p:nvPr>
+            <p:ph type="sldNum" sz="quarter" idx="10"/>
+          </p:nvPr>
+        </p:nvSpPr>
+        <p:spPr/>
+        <p:txBody>
+          <a:bodyPr/>
+          <a:lstStyle/>
+          <a:p>
+            <a:pPr>
+              <a:defRPr/>
+            </a:pPr>
+            <a:fld id="{F5F5882C-B867-4FE7-97C9-87FBF93DC802}" type="slidenum">
+              <a:rPr lang="en-US" smtClean="0"/>
+              <a:pPr>
+                <a:defRPr/>
+              </a:pPr>
+              <a:t>19</a:t>
             </a:fld>
             <a:endParaRPr lang="en-US"/>
           </a:p>
@@ -9596,216 +9778,6 @@
       </p:grpSpPr>
       <p:sp>
         <p:nvSpPr>
-          <p:cNvPr id="2" name="Segnaposto testo 1"/>
-          <p:cNvSpPr>
-            <a:spLocks noGrp="1"/>
-          </p:cNvSpPr>
-          <p:nvPr>
-            <p:ph type="body" idx="1"/>
-          </p:nvPr>
-        </p:nvSpPr>
-        <p:spPr>
-          <a:xfrm>
-            <a:off x="474201" y="1277420"/>
-            <a:ext cx="11264002" cy="5117333"/>
-          </a:xfrm>
-        </p:spPr>
-        <p:txBody>
-          <a:bodyPr/>
-          <a:lstStyle/>
-          <a:p>
-            <a:pPr marL="0" indent="0">
-              <a:buNone/>
-            </a:pPr>
-            <a:r>
-              <a:rPr lang="it-IT" b="1" dirty="0"/>
-              <a:t>Dataset</a:t>
-            </a:r>
-          </a:p>
-          <a:p>
-            <a:r>
-              <a:rPr lang="en-US" dirty="0"/>
-              <a:t>A random sample of WIND's CDR</a:t>
-            </a:r>
-          </a:p>
-          <a:p>
-            <a:r>
-              <a:rPr lang="en-US" dirty="0"/>
-              <a:t>Dimension: 10,000 rows – 4 attributes</a:t>
-            </a:r>
-          </a:p>
-          <a:p>
-            <a:r>
-              <a:rPr lang="en-US" dirty="0"/>
-              <a:t>Attributes: </a:t>
-            </a:r>
-            <a:r>
-              <a:rPr lang="en-US" dirty="0" smtClean="0"/>
-              <a:t>SIM Code</a:t>
-            </a:r>
-            <a:r>
-              <a:rPr lang="en-US" dirty="0"/>
-              <a:t/>
-            </a:r>
-            <a:br>
-              <a:rPr lang="en-US" dirty="0"/>
-            </a:br>
-            <a:r>
-              <a:rPr lang="en-US" dirty="0"/>
-              <a:t>                 </a:t>
-            </a:r>
-            <a:r>
-              <a:rPr lang="en-US" dirty="0" smtClean="0"/>
-              <a:t>Call Date </a:t>
-            </a:r>
-            <a:r>
-              <a:rPr lang="en-US" dirty="0"/>
-              <a:t/>
-            </a:r>
-            <a:br>
-              <a:rPr lang="en-US" dirty="0"/>
-            </a:br>
-            <a:r>
-              <a:rPr lang="en-US" dirty="0"/>
-              <a:t>                 </a:t>
-            </a:r>
-            <a:r>
-              <a:rPr lang="en-US" dirty="0" smtClean="0"/>
-              <a:t>Time call</a:t>
-            </a:r>
-            <a:r>
-              <a:rPr lang="en-US" dirty="0"/>
-              <a:t/>
-            </a:r>
-            <a:br>
-              <a:rPr lang="en-US" dirty="0"/>
-            </a:br>
-            <a:r>
-              <a:rPr lang="en-US" dirty="0"/>
-              <a:t>                 </a:t>
-            </a:r>
-            <a:r>
-              <a:rPr lang="en-US" dirty="0" err="1" smtClean="0"/>
-              <a:t>Cell_Call_Code</a:t>
-            </a:r>
-            <a:r>
-              <a:rPr lang="en-US" dirty="0" smtClean="0"/>
-              <a:t> (Sector/Antenna </a:t>
-            </a:r>
-            <a:r>
-              <a:rPr lang="en-US" dirty="0"/>
-              <a:t>code)</a:t>
-            </a:r>
-          </a:p>
-          <a:p>
-            <a:pPr marL="0" indent="0">
-              <a:buNone/>
-            </a:pPr>
-            <a:r>
-              <a:rPr lang="en-US" b="1" dirty="0"/>
-              <a:t>Pre-</a:t>
-            </a:r>
-            <a:r>
-              <a:rPr lang="en-US" b="1" dirty="0" err="1"/>
-              <a:t>proceesing</a:t>
-            </a:r>
-            <a:r>
-              <a:rPr lang="en-US" b="1" dirty="0"/>
-              <a:t> (steps)</a:t>
-            </a:r>
-          </a:p>
-          <a:p>
-            <a:r>
-              <a:rPr lang="en-US" dirty="0" smtClean="0"/>
-              <a:t>Pseudo-anonymization</a:t>
-            </a:r>
-          </a:p>
-          <a:p>
-            <a:r>
-              <a:rPr lang="en-US" dirty="0" smtClean="0"/>
-              <a:t>Setting </a:t>
-            </a:r>
-            <a:r>
-              <a:rPr lang="en-US" dirty="0"/>
-              <a:t>of data-type: </a:t>
-            </a:r>
-            <a:r>
-              <a:rPr lang="en-US" b="1" i="1" dirty="0"/>
-              <a:t>categorical</a:t>
-            </a:r>
-            <a:r>
-              <a:rPr lang="en-US" dirty="0"/>
-              <a:t> (SIM code, Antenna </a:t>
-            </a:r>
-            <a:r>
-              <a:rPr lang="en-US" dirty="0" smtClean="0"/>
-              <a:t>code) </a:t>
-            </a:r>
-            <a:r>
-              <a:rPr lang="en-US" dirty="0"/>
-              <a:t>or </a:t>
-            </a:r>
-            <a:r>
-              <a:rPr lang="en-US" b="1" i="1" dirty="0"/>
-              <a:t>continuous</a:t>
-            </a:r>
-            <a:r>
-              <a:rPr lang="en-US" dirty="0"/>
-              <a:t>(date and time of </a:t>
-            </a:r>
-            <a:r>
-              <a:rPr lang="en-US" dirty="0" smtClean="0"/>
-              <a:t>call)</a:t>
-            </a:r>
-            <a:endParaRPr lang="en-US" b="1" dirty="0"/>
-          </a:p>
-          <a:p>
-            <a:pPr marL="0" indent="0">
-              <a:buNone/>
-            </a:pPr>
-            <a:endParaRPr lang="en-US" dirty="0"/>
-          </a:p>
-          <a:p>
-            <a:pPr marL="0" indent="0">
-              <a:buNone/>
-            </a:pPr>
-            <a:endParaRPr lang="it-IT" dirty="0"/>
-          </a:p>
-        </p:txBody>
-      </p:sp>
-      <p:sp>
-        <p:nvSpPr>
-          <p:cNvPr id="3" name="Titolo 2"/>
-          <p:cNvSpPr>
-            <a:spLocks noGrp="1"/>
-          </p:cNvSpPr>
-          <p:nvPr>
-            <p:ph type="title"/>
-          </p:nvPr>
-        </p:nvSpPr>
-        <p:spPr/>
-        <p:txBody>
-          <a:bodyPr/>
-          <a:lstStyle/>
-          <a:p>
-            <a:r>
-              <a:rPr lang="it-IT" altLang="it-IT" dirty="0"/>
-              <a:t>The </a:t>
-            </a:r>
-            <a:r>
-              <a:rPr lang="it-IT" altLang="it-IT" dirty="0" err="1"/>
-              <a:t>experimentation</a:t>
-            </a:r>
-            <a:r>
-              <a:rPr lang="it-IT" altLang="it-IT" dirty="0"/>
-              <a:t> (1/2)</a:t>
-            </a:r>
-            <a:endParaRPr lang="it-IT" dirty="0"/>
-          </a:p>
-        </p:txBody>
-      </p:sp>
-      <p:sp>
-        <p:nvSpPr>
           <p:cNvPr id="4" name="Segnaposto piè di pagina 3"/>
           <p:cNvSpPr>
             <a:spLocks noGrp="1"/>
@@ -9858,10 +9830,609 @@
           </a:p>
         </p:txBody>
       </p:sp>
+      <p:sp>
+        <p:nvSpPr>
+          <p:cNvPr id="6" name="Rettangolo 5"/>
+          <p:cNvSpPr/>
+          <p:nvPr/>
+        </p:nvSpPr>
+        <p:spPr>
+          <a:xfrm>
+            <a:off x="111363" y="1169423"/>
+            <a:ext cx="6509421" cy="5078313"/>
+          </a:xfrm>
+          <a:prstGeom prst="rect">
+            <a:avLst/>
+          </a:prstGeom>
+        </p:spPr>
+        <p:txBody>
+          <a:bodyPr wrap="square">
+            <a:spAutoFit/>
+          </a:bodyPr>
+          <a:lstStyle/>
+          <a:p>
+            <a:pPr marL="285750" indent="-285750">
+              <a:buClr>
+                <a:srgbClr val="FF0000"/>
+              </a:buClr>
+              <a:buFont typeface="Courier New" panose="02070309020205020404" pitchFamily="49" charset="0"/>
+              <a:buChar char="o"/>
+            </a:pPr>
+            <a:r>
+              <a:rPr lang="en-US" b="1" dirty="0" err="1" smtClean="0">
+                <a:latin typeface="Arial" panose="020B0604020202020204" pitchFamily="34" charset="0"/>
+                <a:cs typeface="Arial" panose="020B0604020202020204" pitchFamily="34" charset="0"/>
+              </a:rPr>
+              <a:t>SDGym’s</a:t>
+            </a:r>
+            <a:r>
+              <a:rPr lang="en-US" b="1" dirty="0" smtClean="0">
+                <a:latin typeface="Arial" panose="020B0604020202020204" pitchFamily="34" charset="0"/>
+                <a:cs typeface="Arial" panose="020B0604020202020204" pitchFamily="34" charset="0"/>
+              </a:rPr>
+              <a:t> CTGANs </a:t>
+            </a:r>
+            <a:r>
+              <a:rPr lang="en-US" dirty="0" smtClean="0">
+                <a:latin typeface="Arial" panose="020B0604020202020204" pitchFamily="34" charset="0"/>
+                <a:cs typeface="Arial" panose="020B0604020202020204" pitchFamily="34" charset="0"/>
+              </a:rPr>
+              <a:t>are a combination of Conditional and Tabular GANs. </a:t>
+            </a:r>
+          </a:p>
+          <a:p>
+            <a:pPr marL="285750" indent="-285750">
+              <a:buClr>
+                <a:srgbClr val="FF0000"/>
+              </a:buClr>
+              <a:buFont typeface="Courier New" panose="02070309020205020404" pitchFamily="49" charset="0"/>
+              <a:buChar char="o"/>
+            </a:pPr>
+            <a:endParaRPr lang="en-US" b="1" dirty="0">
+              <a:latin typeface="Arial" panose="020B0604020202020204" pitchFamily="34" charset="0"/>
+              <a:cs typeface="Arial" panose="020B0604020202020204" pitchFamily="34" charset="0"/>
+            </a:endParaRPr>
+          </a:p>
+          <a:p>
+            <a:pPr marL="285750" indent="-285750">
+              <a:buClr>
+                <a:srgbClr val="FF0000"/>
+              </a:buClr>
+              <a:buFont typeface="Courier New" panose="02070309020205020404" pitchFamily="49" charset="0"/>
+              <a:buChar char="o"/>
+            </a:pPr>
+            <a:r>
+              <a:rPr lang="en-US" b="1" dirty="0" smtClean="0">
+                <a:latin typeface="Arial" panose="020B0604020202020204" pitchFamily="34" charset="0"/>
+                <a:cs typeface="Arial" panose="020B0604020202020204" pitchFamily="34" charset="0"/>
+              </a:rPr>
+              <a:t>Conditional GAN:</a:t>
+            </a:r>
+            <a:r>
+              <a:rPr lang="en-US" dirty="0" smtClean="0">
+                <a:latin typeface="Arial" panose="020B0604020202020204" pitchFamily="34" charset="0"/>
+                <a:cs typeface="Arial" panose="020B0604020202020204" pitchFamily="34" charset="0"/>
+              </a:rPr>
+              <a:t> </a:t>
+            </a:r>
+            <a:r>
+              <a:rPr lang="en-US" dirty="0">
+                <a:latin typeface="Arial" panose="020B0604020202020204" pitchFamily="34" charset="0"/>
+                <a:cs typeface="Arial" panose="020B0604020202020204" pitchFamily="34" charset="0"/>
+              </a:rPr>
+              <a:t>Although </a:t>
+            </a:r>
+            <a:r>
+              <a:rPr lang="en-US" b="1" dirty="0" smtClean="0">
+                <a:latin typeface="Arial" panose="020B0604020202020204" pitchFamily="34" charset="0"/>
+                <a:cs typeface="Arial" panose="020B0604020202020204" pitchFamily="34" charset="0"/>
+              </a:rPr>
+              <a:t>GANs</a:t>
+            </a:r>
+            <a:r>
+              <a:rPr lang="en-US" dirty="0" smtClean="0">
+                <a:latin typeface="Arial" panose="020B0604020202020204" pitchFamily="34" charset="0"/>
+                <a:cs typeface="Arial" panose="020B0604020202020204" pitchFamily="34" charset="0"/>
+              </a:rPr>
+              <a:t> are </a:t>
+            </a:r>
+            <a:r>
+              <a:rPr lang="en-US" dirty="0">
+                <a:latin typeface="Arial" panose="020B0604020202020204" pitchFamily="34" charset="0"/>
+                <a:cs typeface="Arial" panose="020B0604020202020204" pitchFamily="34" charset="0"/>
+              </a:rPr>
+              <a:t>able to generate some good </a:t>
+            </a:r>
+            <a:r>
+              <a:rPr lang="en-US" dirty="0" smtClean="0">
+                <a:latin typeface="Arial" panose="020B0604020202020204" pitchFamily="34" charset="0"/>
+                <a:cs typeface="Arial" panose="020B0604020202020204" pitchFamily="34" charset="0"/>
+              </a:rPr>
+              <a:t>samples </a:t>
+            </a:r>
+            <a:r>
+              <a:rPr lang="en-US" dirty="0">
+                <a:latin typeface="Arial" panose="020B0604020202020204" pitchFamily="34" charset="0"/>
+                <a:cs typeface="Arial" panose="020B0604020202020204" pitchFamily="34" charset="0"/>
+              </a:rPr>
+              <a:t>of data points, </a:t>
+            </a:r>
+            <a:r>
+              <a:rPr lang="en-US" dirty="0" smtClean="0">
+                <a:latin typeface="Arial" panose="020B0604020202020204" pitchFamily="34" charset="0"/>
+                <a:cs typeface="Arial" panose="020B0604020202020204" pitchFamily="34" charset="0"/>
+              </a:rPr>
+              <a:t>they are </a:t>
+            </a:r>
+            <a:r>
+              <a:rPr lang="en-US" dirty="0">
+                <a:latin typeface="Arial" panose="020B0604020202020204" pitchFamily="34" charset="0"/>
+                <a:cs typeface="Arial" panose="020B0604020202020204" pitchFamily="34" charset="0"/>
+              </a:rPr>
+              <a:t>not able to generate </a:t>
+            </a:r>
+            <a:r>
+              <a:rPr lang="en-US" dirty="0" smtClean="0">
+                <a:latin typeface="Arial" panose="020B0604020202020204" pitchFamily="34" charset="0"/>
+                <a:cs typeface="Arial" panose="020B0604020202020204" pitchFamily="34" charset="0"/>
+              </a:rPr>
+              <a:t>data points with </a:t>
+            </a:r>
+            <a:r>
+              <a:rPr lang="en-US" dirty="0">
+                <a:latin typeface="Arial" panose="020B0604020202020204" pitchFamily="34" charset="0"/>
+                <a:cs typeface="Arial" panose="020B0604020202020204" pitchFamily="34" charset="0"/>
+              </a:rPr>
+              <a:t>the target </a:t>
+            </a:r>
+            <a:r>
+              <a:rPr lang="en-US" dirty="0" smtClean="0">
+                <a:latin typeface="Arial" panose="020B0604020202020204" pitchFamily="34" charset="0"/>
+                <a:cs typeface="Arial" panose="020B0604020202020204" pitchFamily="34" charset="0"/>
+              </a:rPr>
+              <a:t>labels (i.e. categorical targets) and if generated these data lack diversity. </a:t>
+            </a:r>
+            <a:r>
+              <a:rPr lang="en-US" b="1" dirty="0" smtClean="0">
+                <a:latin typeface="Arial" panose="020B0604020202020204" pitchFamily="34" charset="0"/>
+                <a:cs typeface="Arial" panose="020B0604020202020204" pitchFamily="34" charset="0"/>
+              </a:rPr>
+              <a:t>Conditional </a:t>
+            </a:r>
+            <a:r>
+              <a:rPr lang="en-US" b="1" dirty="0">
+                <a:latin typeface="Arial" panose="020B0604020202020204" pitchFamily="34" charset="0"/>
+                <a:cs typeface="Arial" panose="020B0604020202020204" pitchFamily="34" charset="0"/>
+              </a:rPr>
+              <a:t>GAN </a:t>
+            </a:r>
+            <a:r>
+              <a:rPr lang="en-US" dirty="0">
+                <a:latin typeface="Arial" panose="020B0604020202020204" pitchFamily="34" charset="0"/>
+                <a:cs typeface="Arial" panose="020B0604020202020204" pitchFamily="34" charset="0"/>
+              </a:rPr>
+              <a:t>was proposed by </a:t>
+            </a:r>
+            <a:r>
+              <a:rPr lang="en-US" i="1" dirty="0">
+                <a:latin typeface="Arial" panose="020B0604020202020204" pitchFamily="34" charset="0"/>
+                <a:cs typeface="Arial" panose="020B0604020202020204" pitchFamily="34" charset="0"/>
+              </a:rPr>
+              <a:t>M. </a:t>
+            </a:r>
+            <a:r>
+              <a:rPr lang="en-US" i="1" dirty="0" smtClean="0">
+                <a:latin typeface="Arial" panose="020B0604020202020204" pitchFamily="34" charset="0"/>
+                <a:cs typeface="Arial" panose="020B0604020202020204" pitchFamily="34" charset="0"/>
+              </a:rPr>
+              <a:t>Mirza</a:t>
+            </a:r>
+            <a:r>
+              <a:rPr lang="en-US" dirty="0" smtClean="0">
+                <a:latin typeface="Arial" panose="020B0604020202020204" pitchFamily="34" charset="0"/>
+                <a:cs typeface="Arial" panose="020B0604020202020204" pitchFamily="34" charset="0"/>
+              </a:rPr>
+              <a:t> </a:t>
+            </a:r>
+            <a:r>
+              <a:rPr lang="en-US" dirty="0">
+                <a:latin typeface="Arial" panose="020B0604020202020204" pitchFamily="34" charset="0"/>
+                <a:cs typeface="Arial" panose="020B0604020202020204" pitchFamily="34" charset="0"/>
+              </a:rPr>
+              <a:t>in late 2014. </a:t>
+            </a:r>
+            <a:r>
+              <a:rPr lang="en-US" dirty="0" smtClean="0">
+                <a:latin typeface="Arial" panose="020B0604020202020204" pitchFamily="34" charset="0"/>
+                <a:cs typeface="Arial" panose="020B0604020202020204" pitchFamily="34" charset="0"/>
+              </a:rPr>
+              <a:t>He </a:t>
+            </a:r>
+            <a:r>
+              <a:rPr lang="en-US" dirty="0">
+                <a:latin typeface="Arial" panose="020B0604020202020204" pitchFamily="34" charset="0"/>
+                <a:cs typeface="Arial" panose="020B0604020202020204" pitchFamily="34" charset="0"/>
+              </a:rPr>
+              <a:t>modified the architecture by adding the label </a:t>
+            </a:r>
+            <a:r>
+              <a:rPr lang="en-US" b="1" i="1" dirty="0">
+                <a:latin typeface="Arial" panose="020B0604020202020204" pitchFamily="34" charset="0"/>
+                <a:cs typeface="Arial" panose="020B0604020202020204" pitchFamily="34" charset="0"/>
+              </a:rPr>
+              <a:t>y </a:t>
+            </a:r>
+            <a:r>
+              <a:rPr lang="en-US" dirty="0">
+                <a:latin typeface="Arial" panose="020B0604020202020204" pitchFamily="34" charset="0"/>
+                <a:cs typeface="Arial" panose="020B0604020202020204" pitchFamily="34" charset="0"/>
+              </a:rPr>
+              <a:t>as a parameter to the input of the generator and try to generate the corresponding data point. It also adds labels to the discriminator input to distinguish real data better</a:t>
+            </a:r>
+            <a:r>
+              <a:rPr lang="en-US" dirty="0" smtClean="0">
+                <a:latin typeface="Arial" panose="020B0604020202020204" pitchFamily="34" charset="0"/>
+                <a:cs typeface="Arial" panose="020B0604020202020204" pitchFamily="34" charset="0"/>
+              </a:rPr>
+              <a:t>. </a:t>
+            </a:r>
+            <a:r>
+              <a:rPr lang="en-US" dirty="0">
+                <a:latin typeface="Arial" panose="020B0604020202020204" pitchFamily="34" charset="0"/>
+                <a:cs typeface="Arial" panose="020B0604020202020204" pitchFamily="34" charset="0"/>
+              </a:rPr>
+              <a:t>In this architecture, the random input noise </a:t>
+            </a:r>
+            <a:r>
+              <a:rPr lang="en-US" b="1" i="1" dirty="0">
+                <a:latin typeface="Arial" panose="020B0604020202020204" pitchFamily="34" charset="0"/>
+                <a:cs typeface="Arial" panose="020B0604020202020204" pitchFamily="34" charset="0"/>
+              </a:rPr>
+              <a:t>Z</a:t>
+            </a:r>
+            <a:r>
+              <a:rPr lang="en-US" dirty="0">
+                <a:latin typeface="Arial" panose="020B0604020202020204" pitchFamily="34" charset="0"/>
+                <a:cs typeface="Arial" panose="020B0604020202020204" pitchFamily="34" charset="0"/>
+              </a:rPr>
+              <a:t> is combined with the label </a:t>
+            </a:r>
+            <a:r>
+              <a:rPr lang="en-US" b="1" i="1" dirty="0">
+                <a:latin typeface="Arial" panose="020B0604020202020204" pitchFamily="34" charset="0"/>
+                <a:cs typeface="Arial" panose="020B0604020202020204" pitchFamily="34" charset="0"/>
+              </a:rPr>
+              <a:t>Y</a:t>
+            </a:r>
+            <a:r>
+              <a:rPr lang="en-US" dirty="0">
+                <a:latin typeface="Arial" panose="020B0604020202020204" pitchFamily="34" charset="0"/>
+                <a:cs typeface="Arial" panose="020B0604020202020204" pitchFamily="34" charset="0"/>
+              </a:rPr>
+              <a:t> in the joint hidden </a:t>
+            </a:r>
+            <a:r>
+              <a:rPr lang="en-US" dirty="0" smtClean="0">
+                <a:latin typeface="Arial" panose="020B0604020202020204" pitchFamily="34" charset="0"/>
+                <a:cs typeface="Arial" panose="020B0604020202020204" pitchFamily="34" charset="0"/>
+              </a:rPr>
+              <a:t>representation.</a:t>
+            </a:r>
+          </a:p>
+          <a:p>
+            <a:pPr marL="285750" indent="-285750">
+              <a:buClr>
+                <a:srgbClr val="FF0000"/>
+              </a:buClr>
+              <a:buFont typeface="Courier New" panose="02070309020205020404" pitchFamily="49" charset="0"/>
+              <a:buChar char="o"/>
+            </a:pPr>
+            <a:endParaRPr lang="en-US" b="1" dirty="0" smtClean="0">
+              <a:latin typeface="Arial" panose="020B0604020202020204" pitchFamily="34" charset="0"/>
+              <a:cs typeface="Arial" panose="020B0604020202020204" pitchFamily="34" charset="0"/>
+            </a:endParaRPr>
+          </a:p>
+          <a:p>
+            <a:pPr marL="285750" indent="-285750">
+              <a:buClr>
+                <a:srgbClr val="FF0000"/>
+              </a:buClr>
+              <a:buFont typeface="Courier New" panose="02070309020205020404" pitchFamily="49" charset="0"/>
+              <a:buChar char="o"/>
+            </a:pPr>
+            <a:r>
+              <a:rPr lang="en-US" b="1" dirty="0" smtClean="0">
+                <a:latin typeface="Arial" panose="020B0604020202020204" pitchFamily="34" charset="0"/>
+                <a:cs typeface="Arial" panose="020B0604020202020204" pitchFamily="34" charset="0"/>
+              </a:rPr>
+              <a:t>Tabular GAN: </a:t>
+            </a:r>
+            <a:r>
+              <a:rPr lang="en-US" dirty="0" smtClean="0">
+                <a:latin typeface="Arial" panose="020B0604020202020204" pitchFamily="34" charset="0"/>
+                <a:cs typeface="Arial" panose="020B0604020202020204" pitchFamily="34" charset="0"/>
+              </a:rPr>
+              <a:t>These are a class of </a:t>
+            </a:r>
+            <a:r>
+              <a:rPr lang="en-US" b="1" dirty="0" smtClean="0">
+                <a:latin typeface="Arial" panose="020B0604020202020204" pitchFamily="34" charset="0"/>
+                <a:cs typeface="Arial" panose="020B0604020202020204" pitchFamily="34" charset="0"/>
+              </a:rPr>
+              <a:t>GANs</a:t>
+            </a:r>
+            <a:r>
+              <a:rPr lang="en-US" dirty="0" smtClean="0">
+                <a:latin typeface="Arial" panose="020B0604020202020204" pitchFamily="34" charset="0"/>
+                <a:cs typeface="Arial" panose="020B0604020202020204" pitchFamily="34" charset="0"/>
+              </a:rPr>
+              <a:t> able to generate </a:t>
+            </a:r>
+            <a:r>
+              <a:rPr lang="en-US" dirty="0" smtClean="0"/>
+              <a:t>tabular data such as: with various </a:t>
+            </a:r>
+            <a:r>
+              <a:rPr lang="en-US" dirty="0"/>
+              <a:t>data types (</a:t>
+            </a:r>
+            <a:r>
+              <a:rPr lang="en-US" dirty="0" err="1"/>
+              <a:t>int</a:t>
+            </a:r>
+            <a:r>
+              <a:rPr lang="en-US" dirty="0"/>
+              <a:t>, decimals, categories, time, text</a:t>
+            </a:r>
+            <a:r>
+              <a:rPr lang="en-US" dirty="0" smtClean="0"/>
+              <a:t>) and with different </a:t>
+            </a:r>
+            <a:r>
+              <a:rPr lang="en-US" dirty="0"/>
+              <a:t>shapes of </a:t>
+            </a:r>
+            <a:r>
+              <a:rPr lang="en-US" dirty="0" smtClean="0"/>
+              <a:t>distribution.</a:t>
+            </a:r>
+            <a:endParaRPr lang="en-US" dirty="0">
+              <a:latin typeface="Arial" panose="020B0604020202020204" pitchFamily="34" charset="0"/>
+              <a:cs typeface="Arial" panose="020B0604020202020204" pitchFamily="34" charset="0"/>
+            </a:endParaRPr>
+          </a:p>
+        </p:txBody>
+      </p:sp>
+      <p:sp>
+        <p:nvSpPr>
+          <p:cNvPr id="8" name="Titolo 2"/>
+          <p:cNvSpPr txBox="1">
+            <a:spLocks/>
+          </p:cNvSpPr>
+          <p:nvPr/>
+        </p:nvSpPr>
+        <p:spPr bwMode="auto">
+          <a:xfrm>
+            <a:off x="468895" y="369495"/>
+            <a:ext cx="11269308" cy="384721"/>
+          </a:xfrm>
+          <a:prstGeom prst="rect">
+            <a:avLst/>
+          </a:prstGeom>
+          <a:noFill/>
+          <a:ln>
+            <a:noFill/>
+          </a:ln>
+          <a:extLst>
+            <a:ext uri="{909E8E84-426E-40DD-AFC4-6F175D3DCCD1}">
+              <a14:hiddenFill xmlns:a14="http://schemas.microsoft.com/office/drawing/2010/main">
+                <a:solidFill>
+                  <a:srgbClr val="FFFFFF"/>
+                </a:solidFill>
+              </a14:hiddenFill>
+            </a:ext>
+            <a:ext uri="{91240B29-F687-4F45-9708-019B960494DF}">
+              <a14:hiddenLine xmlns:a14="http://schemas.microsoft.com/office/drawing/2010/main" w="9525">
+                <a:solidFill>
+                  <a:srgbClr val="000000"/>
+                </a:solidFill>
+                <a:miter lim="800000"/>
+                <a:headEnd/>
+                <a:tailEnd/>
+              </a14:hiddenLine>
+            </a:ext>
+          </a:extLst>
+        </p:spPr>
+        <p:txBody>
+          <a:bodyPr vert="horz" wrap="square" lIns="0" tIns="0" rIns="0" bIns="0" numCol="1" rtlCol="0" anchor="b" anchorCtr="0" compatLnSpc="1">
+            <a:prstTxWarp prst="textNoShape">
+              <a:avLst/>
+            </a:prstTxWarp>
+            <a:spAutoFit/>
+          </a:bodyPr>
+          <a:lstStyle>
+            <a:lvl1pPr algn="l" defTabSz="457200" rtl="0" fontAlgn="base">
+              <a:lnSpc>
+                <a:spcPts val="3000"/>
+              </a:lnSpc>
+              <a:spcBef>
+                <a:spcPct val="0"/>
+              </a:spcBef>
+              <a:spcAft>
+                <a:spcPct val="0"/>
+              </a:spcAft>
+              <a:defRPr sz="2800" b="1" kern="1200" cap="none" baseline="0">
+                <a:solidFill>
+                  <a:srgbClr val="595959"/>
+                </a:solidFill>
+                <a:latin typeface="Arial" panose="020B0604020202020204" pitchFamily="34" charset="0"/>
+                <a:ea typeface="+mj-ea"/>
+                <a:cs typeface="Arial" panose="020B0604020202020204" pitchFamily="34" charset="0"/>
+              </a:defRPr>
+            </a:lvl1pPr>
+            <a:lvl2pPr algn="l" defTabSz="457200" rtl="0" fontAlgn="base">
+              <a:spcBef>
+                <a:spcPct val="0"/>
+              </a:spcBef>
+              <a:spcAft>
+                <a:spcPct val="0"/>
+              </a:spcAft>
+              <a:defRPr sz="2400" b="1">
+                <a:solidFill>
+                  <a:srgbClr val="595959"/>
+                </a:solidFill>
+                <a:latin typeface="Arial" panose="020B0604020202020204" pitchFamily="34" charset="0"/>
+                <a:cs typeface="Arial" panose="020B0604020202020204" pitchFamily="34" charset="0"/>
+              </a:defRPr>
+            </a:lvl2pPr>
+            <a:lvl3pPr algn="l" defTabSz="457200" rtl="0" fontAlgn="base">
+              <a:spcBef>
+                <a:spcPct val="0"/>
+              </a:spcBef>
+              <a:spcAft>
+                <a:spcPct val="0"/>
+              </a:spcAft>
+              <a:defRPr sz="2400" b="1">
+                <a:solidFill>
+                  <a:srgbClr val="595959"/>
+                </a:solidFill>
+                <a:latin typeface="Arial" panose="020B0604020202020204" pitchFamily="34" charset="0"/>
+                <a:cs typeface="Arial" panose="020B0604020202020204" pitchFamily="34" charset="0"/>
+              </a:defRPr>
+            </a:lvl3pPr>
+            <a:lvl4pPr algn="l" defTabSz="457200" rtl="0" fontAlgn="base">
+              <a:spcBef>
+                <a:spcPct val="0"/>
+              </a:spcBef>
+              <a:spcAft>
+                <a:spcPct val="0"/>
+              </a:spcAft>
+              <a:defRPr sz="2400" b="1">
+                <a:solidFill>
+                  <a:srgbClr val="595959"/>
+                </a:solidFill>
+                <a:latin typeface="Arial" panose="020B0604020202020204" pitchFamily="34" charset="0"/>
+                <a:cs typeface="Arial" panose="020B0604020202020204" pitchFamily="34" charset="0"/>
+              </a:defRPr>
+            </a:lvl4pPr>
+            <a:lvl5pPr algn="l" defTabSz="457200" rtl="0" fontAlgn="base">
+              <a:spcBef>
+                <a:spcPct val="0"/>
+              </a:spcBef>
+              <a:spcAft>
+                <a:spcPct val="0"/>
+              </a:spcAft>
+              <a:defRPr sz="2400" b="1">
+                <a:solidFill>
+                  <a:srgbClr val="595959"/>
+                </a:solidFill>
+                <a:latin typeface="Arial" panose="020B0604020202020204" pitchFamily="34" charset="0"/>
+                <a:cs typeface="Arial" panose="020B0604020202020204" pitchFamily="34" charset="0"/>
+              </a:defRPr>
+            </a:lvl5pPr>
+            <a:lvl6pPr eaLnBrk="1" hangingPunct="1">
+              <a:defRPr>
+                <a:solidFill>
+                  <a:schemeClr val="tx2"/>
+                </a:solidFill>
+              </a:defRPr>
+            </a:lvl6pPr>
+            <a:lvl7pPr eaLnBrk="1" hangingPunct="1">
+              <a:defRPr>
+                <a:solidFill>
+                  <a:schemeClr val="tx2"/>
+                </a:solidFill>
+              </a:defRPr>
+            </a:lvl7pPr>
+            <a:lvl8pPr eaLnBrk="1" hangingPunct="1">
+              <a:defRPr>
+                <a:solidFill>
+                  <a:schemeClr val="tx2"/>
+                </a:solidFill>
+              </a:defRPr>
+            </a:lvl8pPr>
+            <a:lvl9pPr eaLnBrk="1" hangingPunct="1">
+              <a:defRPr>
+                <a:solidFill>
+                  <a:schemeClr val="tx2"/>
+                </a:solidFill>
+              </a:defRPr>
+            </a:lvl9pPr>
+          </a:lstStyle>
+          <a:p>
+            <a:pPr eaLnBrk="1" hangingPunct="1"/>
+            <a:r>
+              <a:rPr lang="en-US" dirty="0" smtClean="0"/>
+              <a:t>Conditional Tabular GAN (CTGAN) </a:t>
+            </a:r>
+            <a:endParaRPr lang="it-IT" dirty="0"/>
+          </a:p>
+        </p:txBody>
+      </p:sp>
+      <p:pic>
+        <p:nvPicPr>
+          <p:cNvPr id="9" name="Immagine 8"/>
+          <p:cNvPicPr>
+            <a:picLocks noChangeAspect="1"/>
+          </p:cNvPicPr>
+          <p:nvPr/>
+        </p:nvPicPr>
+        <p:blipFill>
+          <a:blip r:embed="rId3">
+            <a:extLst>
+              <a:ext uri="{28A0092B-C50C-407E-A947-70E740481C1C}">
+                <a14:useLocalDpi xmlns:a14="http://schemas.microsoft.com/office/drawing/2010/main" val="0"/>
+              </a:ext>
+            </a:extLst>
+          </a:blip>
+          <a:stretch>
+            <a:fillRect/>
+          </a:stretch>
+        </p:blipFill>
+        <p:spPr>
+          <a:xfrm>
+            <a:off x="6670294" y="1413445"/>
+            <a:ext cx="5067909" cy="2667118"/>
+          </a:xfrm>
+          <a:prstGeom prst="rect">
+            <a:avLst/>
+          </a:prstGeom>
+        </p:spPr>
+      </p:pic>
+      <p:pic>
+        <p:nvPicPr>
+          <p:cNvPr id="10" name="Immagine 9"/>
+          <p:cNvPicPr>
+            <a:picLocks noChangeAspect="1"/>
+          </p:cNvPicPr>
+          <p:nvPr/>
+        </p:nvPicPr>
+        <p:blipFill>
+          <a:blip r:embed="rId4">
+            <a:extLst>
+              <a:ext uri="{28A0092B-C50C-407E-A947-70E740481C1C}">
+                <a14:useLocalDpi xmlns:a14="http://schemas.microsoft.com/office/drawing/2010/main" val="0"/>
+              </a:ext>
+            </a:extLst>
+          </a:blip>
+          <a:stretch>
+            <a:fillRect/>
+          </a:stretch>
+        </p:blipFill>
+        <p:spPr>
+          <a:xfrm>
+            <a:off x="6670293" y="4351155"/>
+            <a:ext cx="5067909" cy="1880637"/>
+          </a:xfrm>
+          <a:prstGeom prst="rect">
+            <a:avLst/>
+          </a:prstGeom>
+        </p:spPr>
+      </p:pic>
     </p:spTree>
     <p:extLst>
       <p:ext uri="{BB962C8B-B14F-4D97-AF65-F5344CB8AC3E}">
-        <p14:creationId xmlns:p14="http://schemas.microsoft.com/office/powerpoint/2010/main" val="287271416"/>
+        <p14:creationId xmlns:p14="http://schemas.microsoft.com/office/powerpoint/2010/main" val="2347889981"/>
       </p:ext>
     </p:extLst>
   </p:cSld>
@@ -9919,70 +10490,146 @@
               <a:buNone/>
             </a:pPr>
             <a:r>
-              <a:rPr lang="it-IT" b="1" dirty="0" err="1"/>
-              <a:t>Process</a:t>
-            </a:r>
-            <a:endParaRPr lang="it-IT" b="1" dirty="0"/>
+              <a:rPr lang="it-IT" b="1" dirty="0"/>
+              <a:t>Dataset</a:t>
+            </a:r>
           </a:p>
           <a:p>
             <a:r>
               <a:rPr lang="en-US" dirty="0"/>
-              <a:t>Input : a random sample of WIND's CDR (</a:t>
+              <a:t>A random sample of WIND's CDR</a:t>
+            </a:r>
+          </a:p>
+          <a:p>
+            <a:r>
+              <a:rPr lang="en-US" dirty="0"/>
+              <a:t>Dimension: 10,000 rows – 4 attributes</a:t>
+            </a:r>
+          </a:p>
+          <a:p>
+            <a:r>
+              <a:rPr lang="en-US" dirty="0"/>
+              <a:t>Attributes: </a:t>
+            </a:r>
+            <a:r>
+              <a:rPr lang="en-US" dirty="0" smtClean="0"/>
+              <a:t>SIM Code</a:t>
+            </a:r>
+            <a:r>
+              <a:rPr lang="en-US" dirty="0"/>
+              <a:t/>
+            </a:r>
+            <a:br>
+              <a:rPr lang="en-US" dirty="0"/>
+            </a:br>
+            <a:r>
+              <a:rPr lang="en-US" dirty="0"/>
+              <a:t>                 </a:t>
+            </a:r>
+            <a:r>
+              <a:rPr lang="en-US" dirty="0" smtClean="0"/>
+              <a:t>Call Date </a:t>
+            </a:r>
+            <a:r>
+              <a:rPr lang="en-US" dirty="0"/>
+              <a:t/>
+            </a:r>
+            <a:br>
+              <a:rPr lang="en-US" dirty="0"/>
+            </a:br>
+            <a:r>
+              <a:rPr lang="en-US" dirty="0"/>
+              <a:t>                 </a:t>
+            </a:r>
+            <a:r>
+              <a:rPr lang="en-US" dirty="0" smtClean="0"/>
+              <a:t>Time call</a:t>
+            </a:r>
+            <a:r>
+              <a:rPr lang="en-US" dirty="0"/>
+              <a:t/>
+            </a:r>
+            <a:br>
+              <a:rPr lang="en-US" dirty="0"/>
+            </a:br>
+            <a:r>
+              <a:rPr lang="en-US" dirty="0"/>
+              <a:t>                 </a:t>
+            </a:r>
+            <a:r>
+              <a:rPr lang="en-US" dirty="0" err="1" smtClean="0"/>
+              <a:t>Cell_Call_Code</a:t>
+            </a:r>
+            <a:r>
+              <a:rPr lang="en-US" dirty="0" smtClean="0"/>
+              <a:t> (Sector/Antenna </a:t>
+            </a:r>
+            <a:r>
+              <a:rPr lang="en-US" dirty="0"/>
+              <a:t>code)</a:t>
+            </a:r>
+          </a:p>
+          <a:p>
+            <a:pPr marL="0" indent="0">
+              <a:buNone/>
+            </a:pPr>
+            <a:r>
+              <a:rPr lang="en-US" b="1" dirty="0"/>
+              <a:t>Pre-</a:t>
+            </a:r>
+            <a:r>
+              <a:rPr lang="en-US" b="1" dirty="0" err="1"/>
+              <a:t>proceesing</a:t>
+            </a:r>
+            <a:r>
+              <a:rPr lang="en-US" b="1" dirty="0"/>
+              <a:t> (steps)</a:t>
+            </a:r>
+          </a:p>
+          <a:p>
+            <a:r>
+              <a:rPr lang="en-US" dirty="0" smtClean="0"/>
+              <a:t>Pseudo-anonymization</a:t>
+            </a:r>
+          </a:p>
+          <a:p>
+            <a:r>
+              <a:rPr lang="en-US" dirty="0" smtClean="0"/>
+              <a:t>Setting </a:t>
+            </a:r>
+            <a:r>
+              <a:rPr lang="en-US" dirty="0"/>
+              <a:t>of data-type: </a:t>
             </a:r>
             <a:r>
               <a:rPr lang="en-US" b="1" i="1" dirty="0"/>
-              <a:t>original dataset</a:t>
+              <a:t>categorical</a:t>
             </a:r>
             <a:r>
               <a:rPr lang="en-US" dirty="0"/>
-              <a:t>)</a:t>
-            </a:r>
-          </a:p>
-          <a:p>
+              <a:t> (SIM code, Antenna </a:t>
+            </a:r>
+            <a:r>
+              <a:rPr lang="en-US" dirty="0" smtClean="0"/>
+              <a:t>code) </a:t>
+            </a:r>
             <a:r>
               <a:rPr lang="en-US" dirty="0"/>
-              <a:t>Type of process: generate synthetic data</a:t>
-            </a:r>
-          </a:p>
-          <a:p>
+              <a:t>or </a:t>
+            </a:r>
+            <a:r>
+              <a:rPr lang="en-US" b="1" i="1" dirty="0"/>
+              <a:t>continuous</a:t>
+            </a:r>
             <a:r>
               <a:rPr lang="en-US" dirty="0"/>
-              <a:t>Framework used: </a:t>
-            </a:r>
-            <a:r>
-              <a:rPr lang="en-US" dirty="0" err="1"/>
-              <a:t>SDGym</a:t>
-            </a:r>
-            <a:r>
-              <a:rPr lang="en-US" dirty="0"/>
-              <a:t> - Synthetic Data Gym Metrics Evaluation ( </a:t>
-            </a:r>
-            <a:r>
-              <a:rPr lang="en-US" dirty="0">
-                <a:hlinkClick r:id="rId2"/>
-              </a:rPr>
-              <a:t>https://github.com/sdv-dev/SDGym</a:t>
-            </a:r>
-            <a:r>
-              <a:rPr lang="en-US" dirty="0"/>
-              <a:t> )</a:t>
-            </a:r>
-          </a:p>
-          <a:p>
-            <a:r>
-              <a:rPr lang="en-US" dirty="0"/>
-              <a:t>Algorithm used to generate synthetic data: Synthetic Data Vault (SDV) – based on CTGAN </a:t>
-            </a:r>
-          </a:p>
-          <a:p>
-            <a:r>
-              <a:rPr lang="en-US" dirty="0"/>
-              <a:t>Output: synthetic dataset of WIND's CDR (</a:t>
-            </a:r>
-            <a:r>
-              <a:rPr lang="en-US" b="1" i="1" dirty="0"/>
-              <a:t>synthetic dataset)</a:t>
-            </a:r>
+              <a:t>(date and time of </a:t>
+            </a:r>
+            <a:r>
+              <a:rPr lang="en-US" dirty="0" smtClean="0"/>
+              <a:t>call)</a:t>
+            </a:r>
+            <a:endParaRPr lang="en-US" b="1" dirty="0"/>
           </a:p>
           <a:p>
             <a:pPr marL="0" indent="0">
@@ -10023,7 +10670,7 @@
             </a:r>
             <a:r>
               <a:rPr lang="it-IT" altLang="it-IT" dirty="0"/>
-              <a:t> (2/2)</a:t>
+              <a:t> (1/2)</a:t>
             </a:r>
             <a:endParaRPr lang="it-IT" dirty="0"/>
           </a:p>
@@ -10083,178 +10730,10 @@
           </a:p>
         </p:txBody>
       </p:sp>
-      <p:sp>
-        <p:nvSpPr>
-          <p:cNvPr id="8" name="Disco magnetico 7">
-            <a:extLst>
-              <a:ext uri="{FF2B5EF4-FFF2-40B4-BE49-F238E27FC236}">
-                <a16:creationId xmlns:a16="http://schemas.microsoft.com/office/drawing/2014/main" id="{A1733EE9-1C30-C1D5-2309-28053F4EC164}"/>
-              </a:ext>
-            </a:extLst>
-          </p:cNvPr>
-          <p:cNvSpPr/>
-          <p:nvPr/>
-        </p:nvSpPr>
-        <p:spPr>
-          <a:xfrm>
-            <a:off x="1297732" y="4580684"/>
-            <a:ext cx="1856792" cy="1231641"/>
-          </a:xfrm>
-          <a:prstGeom prst="flowChartMagneticDisk">
-            <a:avLst/>
-          </a:prstGeom>
-          <a:solidFill>
-            <a:srgbClr val="FFC000"/>
-          </a:solidFill>
-        </p:spPr>
-        <p:style>
-          <a:lnRef idx="2">
-            <a:schemeClr val="accent1">
-              <a:shade val="50000"/>
-            </a:schemeClr>
-          </a:lnRef>
-          <a:fillRef idx="1">
-            <a:schemeClr val="accent1"/>
-          </a:fillRef>
-          <a:effectRef idx="0">
-            <a:schemeClr val="accent1"/>
-          </a:effectRef>
-          <a:fontRef idx="minor">
-            <a:schemeClr val="lt1"/>
-          </a:fontRef>
-        </p:style>
-        <p:txBody>
-          <a:bodyPr rtlCol="0" anchor="ctr"/>
-          <a:lstStyle/>
-          <a:p>
-            <a:pPr algn="ctr"/>
-            <a:r>
-              <a:rPr lang="it-IT" dirty="0" err="1"/>
-              <a:t>Original</a:t>
-            </a:r>
-            <a:r>
-              <a:rPr lang="it-IT" dirty="0"/>
-              <a:t> Data</a:t>
-            </a:r>
-          </a:p>
-        </p:txBody>
-      </p:sp>
-      <p:sp>
-        <p:nvSpPr>
-          <p:cNvPr id="9" name="Disco magnetico 8">
-            <a:extLst>
-              <a:ext uri="{FF2B5EF4-FFF2-40B4-BE49-F238E27FC236}">
-                <a16:creationId xmlns:a16="http://schemas.microsoft.com/office/drawing/2014/main" id="{1F73ECC6-7810-D078-800C-438764E30CD1}"/>
-              </a:ext>
-            </a:extLst>
-          </p:cNvPr>
-          <p:cNvSpPr/>
-          <p:nvPr/>
-        </p:nvSpPr>
-        <p:spPr>
-          <a:xfrm>
-            <a:off x="8256039" y="4580684"/>
-            <a:ext cx="1856792" cy="1231641"/>
-          </a:xfrm>
-          <a:prstGeom prst="flowChartMagneticDisk">
-            <a:avLst/>
-          </a:prstGeom>
-          <a:solidFill>
-            <a:srgbClr val="C00000"/>
-          </a:solidFill>
-        </p:spPr>
-        <p:style>
-          <a:lnRef idx="2">
-            <a:schemeClr val="accent1">
-              <a:shade val="50000"/>
-            </a:schemeClr>
-          </a:lnRef>
-          <a:fillRef idx="1">
-            <a:schemeClr val="accent1"/>
-          </a:fillRef>
-          <a:effectRef idx="0">
-            <a:schemeClr val="accent1"/>
-          </a:effectRef>
-          <a:fontRef idx="minor">
-            <a:schemeClr val="lt1"/>
-          </a:fontRef>
-        </p:style>
-        <p:txBody>
-          <a:bodyPr rtlCol="0" anchor="ctr"/>
-          <a:lstStyle/>
-          <a:p>
-            <a:pPr algn="ctr"/>
-            <a:r>
-              <a:rPr lang="it-IT" dirty="0" err="1"/>
-              <a:t>Synthetic</a:t>
-            </a:r>
-            <a:r>
-              <a:rPr lang="it-IT" dirty="0"/>
-              <a:t> Data</a:t>
-            </a:r>
-          </a:p>
-        </p:txBody>
-      </p:sp>
-      <p:sp>
-        <p:nvSpPr>
-          <p:cNvPr id="10" name="Freccia a pentagono 9">
-            <a:extLst>
-              <a:ext uri="{FF2B5EF4-FFF2-40B4-BE49-F238E27FC236}">
-                <a16:creationId xmlns:a16="http://schemas.microsoft.com/office/drawing/2014/main" id="{EAE843B5-20AB-3CCC-61FE-369C56EF9013}"/>
-              </a:ext>
-            </a:extLst>
-          </p:cNvPr>
-          <p:cNvSpPr/>
-          <p:nvPr/>
-        </p:nvSpPr>
-        <p:spPr>
-          <a:xfrm>
-            <a:off x="3725305" y="4843461"/>
-            <a:ext cx="4121740" cy="737119"/>
-          </a:xfrm>
-          <a:prstGeom prst="homePlate">
-            <a:avLst/>
-          </a:prstGeom>
-          <a:solidFill>
-            <a:srgbClr val="FF0000"/>
-          </a:solidFill>
-        </p:spPr>
-        <p:style>
-          <a:lnRef idx="2">
-            <a:schemeClr val="accent1">
-              <a:shade val="50000"/>
-            </a:schemeClr>
-          </a:lnRef>
-          <a:fillRef idx="1">
-            <a:schemeClr val="accent1"/>
-          </a:fillRef>
-          <a:effectRef idx="0">
-            <a:schemeClr val="accent1"/>
-          </a:effectRef>
-          <a:fontRef idx="minor">
-            <a:schemeClr val="lt1"/>
-          </a:fontRef>
-        </p:style>
-        <p:txBody>
-          <a:bodyPr rtlCol="0" anchor="ctr"/>
-          <a:lstStyle/>
-          <a:p>
-            <a:pPr algn="ctr"/>
-            <a:r>
-              <a:rPr lang="it-IT" dirty="0" err="1"/>
-              <a:t>SDGym</a:t>
-            </a:r>
-            <a:r>
-              <a:rPr lang="it-IT" dirty="0"/>
-              <a:t> - SDV - CTGAN</a:t>
-            </a:r>
-          </a:p>
-        </p:txBody>
-      </p:sp>
     </p:spTree>
     <p:extLst>
       <p:ext uri="{BB962C8B-B14F-4D97-AF65-F5344CB8AC3E}">
-        <p14:creationId xmlns:p14="http://schemas.microsoft.com/office/powerpoint/2010/main" val="613949943"/>
+        <p14:creationId xmlns:p14="http://schemas.microsoft.com/office/powerpoint/2010/main" val="287271416"/>
       </p:ext>
     </p:extLst>
   </p:cSld>
@@ -10312,40 +10791,69 @@
               <a:buNone/>
             </a:pPr>
             <a:r>
+              <a:rPr lang="it-IT" b="1" dirty="0" err="1"/>
+              <a:t>Process</a:t>
+            </a:r>
+            <a:endParaRPr lang="it-IT" b="1" dirty="0"/>
+          </a:p>
+          <a:p>
+            <a:r>
               <a:rPr lang="en-US" dirty="0"/>
-              <a:t>Graphical analysis with </a:t>
-            </a:r>
-            <a:r>
-              <a:rPr lang="en-US" b="1" dirty="0"/>
-              <a:t>Univariate Distributions Comparisons</a:t>
+              <a:t>Input : a random sample of WIND's CDR (</a:t>
+            </a:r>
+            <a:r>
+              <a:rPr lang="en-US" b="1" i="1" dirty="0"/>
+              <a:t>original dataset</a:t>
             </a:r>
             <a:r>
               <a:rPr lang="en-US" dirty="0"/>
-              <a:t> on the </a:t>
-            </a:r>
-            <a:r>
-              <a:rPr lang="en-US" b="1" dirty="0"/>
-              <a:t>Categorical</a:t>
-            </a:r>
+              <a:t>)</a:t>
+            </a:r>
+          </a:p>
+          <a:p>
             <a:r>
               <a:rPr lang="en-US" dirty="0"/>
-              <a:t> Variables from </a:t>
-            </a:r>
-            <a:r>
-              <a:rPr lang="en-US" b="1" dirty="0"/>
-              <a:t>Real Data</a:t>
-            </a:r>
+              <a:t>Type of process: generate synthetic data</a:t>
+            </a:r>
+          </a:p>
+          <a:p>
             <a:r>
               <a:rPr lang="en-US" dirty="0"/>
-              <a:t> and </a:t>
-            </a:r>
-            <a:r>
-              <a:rPr lang="en-US" b="1" dirty="0"/>
-              <a:t>Synthetic Data</a:t>
+              <a:t>Framework used: </a:t>
+            </a:r>
+            <a:r>
+              <a:rPr lang="en-US" dirty="0" err="1"/>
+              <a:t>SDGym</a:t>
             </a:r>
             <a:r>
               <a:rPr lang="en-US" dirty="0"/>
-              <a:t>.</a:t>
+              <a:t> - Synthetic Data Gym Metrics Evaluation ( </a:t>
+            </a:r>
+            <a:r>
+              <a:rPr lang="en-US" dirty="0">
+                <a:hlinkClick r:id="rId2"/>
+              </a:rPr>
+              <a:t>https://github.com/sdv-dev/SDGym</a:t>
+            </a:r>
+            <a:r>
+              <a:rPr lang="en-US" dirty="0"/>
+              <a:t> )</a:t>
+            </a:r>
+          </a:p>
+          <a:p>
+            <a:r>
+              <a:rPr lang="en-US" dirty="0"/>
+              <a:t>Algorithm used to generate synthetic data: Synthetic Data Vault (SDV) – based on CTGAN </a:t>
+            </a:r>
+          </a:p>
+          <a:p>
+            <a:r>
+              <a:rPr lang="en-US" dirty="0"/>
+              <a:t>Output: synthetic dataset of WIND's CDR (</a:t>
+            </a:r>
+            <a:r>
+              <a:rPr lang="en-US" b="1" i="1" dirty="0"/>
+              <a:t>synthetic dataset)</a:t>
             </a:r>
           </a:p>
           <a:p>
@@ -10372,52 +10880,23 @@
             <p:ph type="title"/>
           </p:nvPr>
         </p:nvSpPr>
-        <p:spPr>
-          <a:xfrm>
-            <a:off x="461346" y="396157"/>
-            <a:ext cx="11269308" cy="769441"/>
-          </a:xfrm>
-        </p:spPr>
+        <p:spPr/>
         <p:txBody>
           <a:bodyPr/>
           <a:lstStyle/>
           <a:p>
-            <a:pPr algn="ctr"/>
-            <a:r>
-              <a:rPr lang="it-IT" dirty="0" err="1"/>
-              <a:t>Original</a:t>
-            </a:r>
-            <a:r>
-              <a:rPr lang="it-IT" dirty="0"/>
-              <a:t> and </a:t>
-            </a:r>
-            <a:r>
-              <a:rPr lang="it-IT" dirty="0" err="1"/>
-              <a:t>Synthetic</a:t>
-            </a:r>
-            <a:r>
-              <a:rPr lang="it-IT" dirty="0"/>
-              <a:t> Data </a:t>
-            </a:r>
-            <a:r>
-              <a:rPr lang="it-IT" dirty="0" err="1"/>
-              <a:t>Univariate</a:t>
-            </a:r>
-            <a:r>
-              <a:rPr lang="it-IT" dirty="0"/>
-              <a:t> Distribution </a:t>
-            </a:r>
-            <a:r>
-              <a:rPr lang="it-IT" dirty="0" err="1"/>
-              <a:t>Visualization</a:t>
-            </a:r>
-            <a:r>
-              <a:rPr lang="it-IT" dirty="0"/>
-              <a:t> </a:t>
-            </a:r>
-            <a:br>
-              <a:rPr lang="it-IT" dirty="0"/>
-            </a:br>
+            <a:r>
+              <a:rPr lang="it-IT" altLang="it-IT" dirty="0"/>
+              <a:t>The </a:t>
+            </a:r>
+            <a:r>
+              <a:rPr lang="it-IT" altLang="it-IT" dirty="0" err="1"/>
+              <a:t>experimentation</a:t>
+            </a:r>
+            <a:r>
+              <a:rPr lang="it-IT" altLang="it-IT" dirty="0"/>
+              <a:t> (2/2)</a:t>
+            </a:r>
             <a:endParaRPr lang="it-IT" dirty="0"/>
           </a:p>
         </p:txBody>
@@ -10441,42 +10920,9 @@
               <a:defRPr/>
             </a:pPr>
             <a:r>
-              <a:rPr lang="it-IT" sz="900" dirty="0" err="1"/>
-              <a:t>Telephony</a:t>
-            </a:r>
-            <a:r>
-              <a:rPr lang="it-IT" sz="900" dirty="0"/>
-              <a:t> </a:t>
-            </a:r>
-            <a:r>
-              <a:rPr lang="it-IT" sz="900" dirty="0" err="1"/>
-              <a:t>Synthetic</a:t>
-            </a:r>
-            <a:r>
-              <a:rPr lang="it-IT" sz="900" dirty="0"/>
-              <a:t> Data Generation </a:t>
-            </a:r>
-            <a:r>
-              <a:rPr lang="it-IT" dirty="0"/>
-              <a:t>via Generative </a:t>
-            </a:r>
-            <a:r>
-              <a:rPr lang="it-IT" dirty="0" err="1"/>
-              <a:t>Adversarial</a:t>
-            </a:r>
-            <a:r>
-              <a:rPr lang="it-IT" dirty="0"/>
-              <a:t> Networks | FRANCESCO PUGLIESE, Massimo De </a:t>
-            </a:r>
-            <a:r>
-              <a:rPr lang="it-IT" dirty="0" err="1"/>
-              <a:t>Cubellis</a:t>
-            </a:r>
-            <a:r>
-              <a:rPr lang="it-IT" dirty="0"/>
-              <a:t>, Roberta RADINI</a:t>
-            </a:r>
-            <a:endParaRPr lang="en-US" dirty="0"/>
+              <a:rPr lang="en-US" dirty="0"/>
+              <a:t>Generation of synthetic data from real MNO data through Neural Network</a:t>
+            </a:r>
           </a:p>
         </p:txBody>
       </p:sp>
@@ -10504,6 +10950,432 @@
                 <a:defRPr/>
               </a:pPr>
               <a:t>12</a:t>
+            </a:fld>
+            <a:endParaRPr lang="en-US" dirty="0"/>
+          </a:p>
+        </p:txBody>
+      </p:sp>
+      <p:sp>
+        <p:nvSpPr>
+          <p:cNvPr id="8" name="Disco magnetico 7">
+            <a:extLst>
+              <a:ext uri="{FF2B5EF4-FFF2-40B4-BE49-F238E27FC236}">
+                <a16:creationId xmlns:a16="http://schemas.microsoft.com/office/drawing/2014/main" id="{A1733EE9-1C30-C1D5-2309-28053F4EC164}"/>
+              </a:ext>
+            </a:extLst>
+          </p:cNvPr>
+          <p:cNvSpPr/>
+          <p:nvPr/>
+        </p:nvSpPr>
+        <p:spPr>
+          <a:xfrm>
+            <a:off x="1297732" y="4580684"/>
+            <a:ext cx="1856792" cy="1231641"/>
+          </a:xfrm>
+          <a:prstGeom prst="flowChartMagneticDisk">
+            <a:avLst/>
+          </a:prstGeom>
+          <a:solidFill>
+            <a:srgbClr val="FFC000"/>
+          </a:solidFill>
+        </p:spPr>
+        <p:style>
+          <a:lnRef idx="2">
+            <a:schemeClr val="accent1">
+              <a:shade val="50000"/>
+            </a:schemeClr>
+          </a:lnRef>
+          <a:fillRef idx="1">
+            <a:schemeClr val="accent1"/>
+          </a:fillRef>
+          <a:effectRef idx="0">
+            <a:schemeClr val="accent1"/>
+          </a:effectRef>
+          <a:fontRef idx="minor">
+            <a:schemeClr val="lt1"/>
+          </a:fontRef>
+        </p:style>
+        <p:txBody>
+          <a:bodyPr rtlCol="0" anchor="ctr"/>
+          <a:lstStyle/>
+          <a:p>
+            <a:pPr algn="ctr"/>
+            <a:r>
+              <a:rPr lang="it-IT" dirty="0" err="1"/>
+              <a:t>Original</a:t>
+            </a:r>
+            <a:r>
+              <a:rPr lang="it-IT" dirty="0"/>
+              <a:t> Data</a:t>
+            </a:r>
+          </a:p>
+        </p:txBody>
+      </p:sp>
+      <p:sp>
+        <p:nvSpPr>
+          <p:cNvPr id="9" name="Disco magnetico 8">
+            <a:extLst>
+              <a:ext uri="{FF2B5EF4-FFF2-40B4-BE49-F238E27FC236}">
+                <a16:creationId xmlns:a16="http://schemas.microsoft.com/office/drawing/2014/main" id="{1F73ECC6-7810-D078-800C-438764E30CD1}"/>
+              </a:ext>
+            </a:extLst>
+          </p:cNvPr>
+          <p:cNvSpPr/>
+          <p:nvPr/>
+        </p:nvSpPr>
+        <p:spPr>
+          <a:xfrm>
+            <a:off x="8256039" y="4580684"/>
+            <a:ext cx="1856792" cy="1231641"/>
+          </a:xfrm>
+          <a:prstGeom prst="flowChartMagneticDisk">
+            <a:avLst/>
+          </a:prstGeom>
+          <a:solidFill>
+            <a:srgbClr val="C00000"/>
+          </a:solidFill>
+        </p:spPr>
+        <p:style>
+          <a:lnRef idx="2">
+            <a:schemeClr val="accent1">
+              <a:shade val="50000"/>
+            </a:schemeClr>
+          </a:lnRef>
+          <a:fillRef idx="1">
+            <a:schemeClr val="accent1"/>
+          </a:fillRef>
+          <a:effectRef idx="0">
+            <a:schemeClr val="accent1"/>
+          </a:effectRef>
+          <a:fontRef idx="minor">
+            <a:schemeClr val="lt1"/>
+          </a:fontRef>
+        </p:style>
+        <p:txBody>
+          <a:bodyPr rtlCol="0" anchor="ctr"/>
+          <a:lstStyle/>
+          <a:p>
+            <a:pPr algn="ctr"/>
+            <a:r>
+              <a:rPr lang="it-IT" dirty="0" err="1"/>
+              <a:t>Synthetic</a:t>
+            </a:r>
+            <a:r>
+              <a:rPr lang="it-IT" dirty="0"/>
+              <a:t> Data</a:t>
+            </a:r>
+          </a:p>
+        </p:txBody>
+      </p:sp>
+      <p:sp>
+        <p:nvSpPr>
+          <p:cNvPr id="10" name="Freccia a pentagono 9">
+            <a:extLst>
+              <a:ext uri="{FF2B5EF4-FFF2-40B4-BE49-F238E27FC236}">
+                <a16:creationId xmlns:a16="http://schemas.microsoft.com/office/drawing/2014/main" id="{EAE843B5-20AB-3CCC-61FE-369C56EF9013}"/>
+              </a:ext>
+            </a:extLst>
+          </p:cNvPr>
+          <p:cNvSpPr/>
+          <p:nvPr/>
+        </p:nvSpPr>
+        <p:spPr>
+          <a:xfrm>
+            <a:off x="3725305" y="4843461"/>
+            <a:ext cx="4121740" cy="737119"/>
+          </a:xfrm>
+          <a:prstGeom prst="homePlate">
+            <a:avLst/>
+          </a:prstGeom>
+          <a:solidFill>
+            <a:srgbClr val="FF0000"/>
+          </a:solidFill>
+        </p:spPr>
+        <p:style>
+          <a:lnRef idx="2">
+            <a:schemeClr val="accent1">
+              <a:shade val="50000"/>
+            </a:schemeClr>
+          </a:lnRef>
+          <a:fillRef idx="1">
+            <a:schemeClr val="accent1"/>
+          </a:fillRef>
+          <a:effectRef idx="0">
+            <a:schemeClr val="accent1"/>
+          </a:effectRef>
+          <a:fontRef idx="minor">
+            <a:schemeClr val="lt1"/>
+          </a:fontRef>
+        </p:style>
+        <p:txBody>
+          <a:bodyPr rtlCol="0" anchor="ctr"/>
+          <a:lstStyle/>
+          <a:p>
+            <a:pPr algn="ctr"/>
+            <a:r>
+              <a:rPr lang="it-IT" dirty="0" err="1"/>
+              <a:t>SDGym</a:t>
+            </a:r>
+            <a:r>
+              <a:rPr lang="it-IT" dirty="0"/>
+              <a:t> - SDV - CTGAN</a:t>
+            </a:r>
+          </a:p>
+        </p:txBody>
+      </p:sp>
+    </p:spTree>
+    <p:extLst>
+      <p:ext uri="{BB962C8B-B14F-4D97-AF65-F5344CB8AC3E}">
+        <p14:creationId xmlns:p14="http://schemas.microsoft.com/office/powerpoint/2010/main" val="613949943"/>
+      </p:ext>
+    </p:extLst>
+  </p:cSld>
+  <p:clrMapOvr>
+    <a:masterClrMapping/>
+  </p:clrMapOvr>
+  <p:timing>
+    <p:tnLst>
+      <p:par>
+        <p:cTn id="1" dur="indefinite" restart="never" nodeType="tmRoot"/>
+      </p:par>
+    </p:tnLst>
+  </p:timing>
+</p:sld>
+</file>
+
+<file path=ppt/slides/slide13.xml><?xml version="1.0" encoding="utf-8"?>
+<p:sld xmlns:a="http://schemas.openxmlformats.org/drawingml/2006/main" xmlns:r="http://schemas.openxmlformats.org/officeDocument/2006/relationships" xmlns:p="http://schemas.openxmlformats.org/presentationml/2006/main">
+  <p:cSld>
+    <p:spTree>
+      <p:nvGrpSpPr>
+        <p:cNvPr id="1" name=""/>
+        <p:cNvGrpSpPr/>
+        <p:nvPr/>
+      </p:nvGrpSpPr>
+      <p:grpSpPr>
+        <a:xfrm>
+          <a:off x="0" y="0"/>
+          <a:ext cx="0" cy="0"/>
+          <a:chOff x="0" y="0"/>
+          <a:chExt cx="0" cy="0"/>
+        </a:xfrm>
+      </p:grpSpPr>
+      <p:sp>
+        <p:nvSpPr>
+          <p:cNvPr id="2" name="Segnaposto testo 1"/>
+          <p:cNvSpPr>
+            <a:spLocks noGrp="1"/>
+          </p:cNvSpPr>
+          <p:nvPr>
+            <p:ph type="body" idx="1"/>
+          </p:nvPr>
+        </p:nvSpPr>
+        <p:spPr>
+          <a:xfrm>
+            <a:off x="474201" y="1277420"/>
+            <a:ext cx="11264002" cy="5117333"/>
+          </a:xfrm>
+        </p:spPr>
+        <p:txBody>
+          <a:bodyPr/>
+          <a:lstStyle/>
+          <a:p>
+            <a:pPr marL="0" indent="0">
+              <a:buNone/>
+            </a:pPr>
+            <a:r>
+              <a:rPr lang="en-US" dirty="0"/>
+              <a:t>Graphical analysis with </a:t>
+            </a:r>
+            <a:r>
+              <a:rPr lang="en-US" b="1" dirty="0"/>
+              <a:t>Univariate Distributions Comparisons</a:t>
+            </a:r>
+            <a:r>
+              <a:rPr lang="en-US" dirty="0"/>
+              <a:t> on the </a:t>
+            </a:r>
+            <a:r>
+              <a:rPr lang="en-US" b="1" dirty="0"/>
+              <a:t>Categorical</a:t>
+            </a:r>
+            <a:r>
+              <a:rPr lang="en-US" dirty="0"/>
+              <a:t> Variables from </a:t>
+            </a:r>
+            <a:r>
+              <a:rPr lang="en-US" b="1" dirty="0"/>
+              <a:t>Real Data</a:t>
+            </a:r>
+            <a:r>
+              <a:rPr lang="en-US" dirty="0"/>
+              <a:t> and </a:t>
+            </a:r>
+            <a:r>
+              <a:rPr lang="en-US" b="1" dirty="0"/>
+              <a:t>Synthetic Data</a:t>
+            </a:r>
+            <a:r>
+              <a:rPr lang="en-US" dirty="0"/>
+              <a:t>.</a:t>
+            </a:r>
+          </a:p>
+          <a:p>
+            <a:pPr marL="0" indent="0">
+              <a:buNone/>
+            </a:pPr>
+            <a:endParaRPr lang="en-US" dirty="0"/>
+          </a:p>
+          <a:p>
+            <a:pPr marL="0" indent="0">
+              <a:buNone/>
+            </a:pPr>
+            <a:endParaRPr lang="it-IT" dirty="0"/>
+          </a:p>
+        </p:txBody>
+      </p:sp>
+      <p:sp>
+        <p:nvSpPr>
+          <p:cNvPr id="3" name="Titolo 2"/>
+          <p:cNvSpPr>
+            <a:spLocks noGrp="1"/>
+          </p:cNvSpPr>
+          <p:nvPr>
+            <p:ph type="title"/>
+          </p:nvPr>
+        </p:nvSpPr>
+        <p:spPr>
+          <a:xfrm>
+            <a:off x="461346" y="396157"/>
+            <a:ext cx="11269308" cy="769441"/>
+          </a:xfrm>
+        </p:spPr>
+        <p:txBody>
+          <a:bodyPr/>
+          <a:lstStyle/>
+          <a:p>
+            <a:pPr algn="ctr"/>
+            <a:r>
+              <a:rPr lang="it-IT" dirty="0" err="1"/>
+              <a:t>Original</a:t>
+            </a:r>
+            <a:r>
+              <a:rPr lang="it-IT" dirty="0"/>
+              <a:t> and </a:t>
+            </a:r>
+            <a:r>
+              <a:rPr lang="it-IT" dirty="0" err="1"/>
+              <a:t>Synthetic</a:t>
+            </a:r>
+            <a:r>
+              <a:rPr lang="it-IT" dirty="0"/>
+              <a:t> Data </a:t>
+            </a:r>
+            <a:r>
+              <a:rPr lang="it-IT" dirty="0" err="1"/>
+              <a:t>Univariate</a:t>
+            </a:r>
+            <a:r>
+              <a:rPr lang="it-IT" dirty="0"/>
+              <a:t> Distribution </a:t>
+            </a:r>
+            <a:r>
+              <a:rPr lang="it-IT" dirty="0" err="1"/>
+              <a:t>Visualization</a:t>
+            </a:r>
+            <a:r>
+              <a:rPr lang="it-IT" dirty="0"/>
+              <a:t> </a:t>
+            </a:r>
+            <a:br>
+              <a:rPr lang="it-IT" dirty="0"/>
+            </a:br>
+            <a:endParaRPr lang="it-IT" dirty="0"/>
+          </a:p>
+        </p:txBody>
+      </p:sp>
+      <p:sp>
+        <p:nvSpPr>
+          <p:cNvPr id="4" name="Segnaposto piè di pagina 3"/>
+          <p:cNvSpPr>
+            <a:spLocks noGrp="1"/>
+          </p:cNvSpPr>
+          <p:nvPr>
+            <p:ph type="ftr" sz="quarter" idx="10"/>
+          </p:nvPr>
+        </p:nvSpPr>
+        <p:spPr/>
+        <p:txBody>
+          <a:bodyPr/>
+          <a:lstStyle/>
+          <a:p>
+            <a:pPr>
+              <a:defRPr/>
+            </a:pPr>
+            <a:r>
+              <a:rPr lang="it-IT" sz="900" dirty="0" err="1"/>
+              <a:t>Telephony</a:t>
+            </a:r>
+            <a:r>
+              <a:rPr lang="it-IT" sz="900" dirty="0"/>
+              <a:t> </a:t>
+            </a:r>
+            <a:r>
+              <a:rPr lang="it-IT" sz="900" dirty="0" err="1"/>
+              <a:t>Synthetic</a:t>
+            </a:r>
+            <a:r>
+              <a:rPr lang="it-IT" sz="900" dirty="0"/>
+              <a:t> Data Generation </a:t>
+            </a:r>
+            <a:r>
+              <a:rPr lang="it-IT" dirty="0"/>
+              <a:t>via Generative </a:t>
+            </a:r>
+            <a:r>
+              <a:rPr lang="it-IT" dirty="0" err="1"/>
+              <a:t>Adversarial</a:t>
+            </a:r>
+            <a:r>
+              <a:rPr lang="it-IT" dirty="0"/>
+              <a:t> Networks | FRANCESCO PUGLIESE, Massimo De </a:t>
+            </a:r>
+            <a:r>
+              <a:rPr lang="it-IT" dirty="0" err="1"/>
+              <a:t>Cubellis</a:t>
+            </a:r>
+            <a:r>
+              <a:rPr lang="it-IT" dirty="0"/>
+              <a:t>, Roberta RADINI</a:t>
+            </a:r>
+            <a:endParaRPr lang="en-US" dirty="0"/>
+          </a:p>
+        </p:txBody>
+      </p:sp>
+      <p:sp>
+        <p:nvSpPr>
+          <p:cNvPr id="5" name="Segnaposto numero diapositiva 4"/>
+          <p:cNvSpPr>
+            <a:spLocks noGrp="1"/>
+          </p:cNvSpPr>
+          <p:nvPr>
+            <p:ph type="sldNum" sz="quarter" idx="11"/>
+          </p:nvPr>
+        </p:nvSpPr>
+        <p:spPr/>
+        <p:txBody>
+          <a:bodyPr/>
+          <a:lstStyle/>
+          <a:p>
+            <a:pPr>
+              <a:defRPr/>
+            </a:pPr>
+            <a:fld id="{48B4153A-D4C5-4CEF-8992-0D8815C829E3}" type="slidenum">
+              <a:rPr lang="en-US" smtClean="0"/>
+              <a:pPr>
+                <a:defRPr/>
+              </a:pPr>
+              <a:t>13</a:t>
             </a:fld>
             <a:endParaRPr lang="en-US" dirty="0"/>
           </a:p>
@@ -10827,7 +11699,7 @@
 </p:sld>
 </file>
 
-<file path=ppt/slides/slide13.xml><?xml version="1.0" encoding="utf-8"?>
+<file path=ppt/slides/slide14.xml><?xml version="1.0" encoding="utf-8"?>
 <p:sld xmlns:a="http://schemas.openxmlformats.org/drawingml/2006/main" xmlns:r="http://schemas.openxmlformats.org/officeDocument/2006/relationships" xmlns:p="http://schemas.openxmlformats.org/presentationml/2006/main">
   <p:cSld>
     <p:spTree>
@@ -10965,11 +11837,7 @@
             </a:r>
             <a:r>
               <a:rPr lang="it-IT" dirty="0"/>
-              <a:t> </a:t>
-            </a:r>
-            <a:r>
-              <a:rPr lang="it-IT" dirty="0"/>
-              <a:t>Distribution </a:t>
+              <a:t> Distribution </a:t>
             </a:r>
             <a:r>
               <a:rPr lang="it-IT" dirty="0" err="1"/>
@@ -11067,7 +11935,7 @@
               <a:pPr>
                 <a:defRPr/>
               </a:pPr>
-              <a:t>13</a:t>
+              <a:t>14</a:t>
             </a:fld>
             <a:endParaRPr lang="en-US" dirty="0"/>
           </a:p>
@@ -11393,7 +12261,7 @@
 </p:sld>
 </file>
 
-<file path=ppt/slides/slide14.xml><?xml version="1.0" encoding="utf-8"?>
+<file path=ppt/slides/slide15.xml><?xml version="1.0" encoding="utf-8"?>
 <p:sld xmlns:a="http://schemas.openxmlformats.org/drawingml/2006/main" xmlns:r="http://schemas.openxmlformats.org/officeDocument/2006/relationships" xmlns:p="http://schemas.openxmlformats.org/presentationml/2006/main">
   <p:cSld>
     <p:spTree>
@@ -11780,7 +12648,7 @@
               <a:pPr>
                 <a:defRPr/>
               </a:pPr>
-              <a:t>14</a:t>
+              <a:t>15</a:t>
             </a:fld>
             <a:endParaRPr lang="en-US" dirty="0"/>
           </a:p>
@@ -11820,606 +12688,6 @@
     <p:extLst>
       <p:ext uri="{BB962C8B-B14F-4D97-AF65-F5344CB8AC3E}">
         <p14:creationId xmlns:p14="http://schemas.microsoft.com/office/powerpoint/2010/main" val="3467974159"/>
-      </p:ext>
-    </p:extLst>
-  </p:cSld>
-  <p:clrMapOvr>
-    <a:masterClrMapping/>
-  </p:clrMapOvr>
-</p:sld>
-</file>
-
-<file path=ppt/slides/slide15.xml><?xml version="1.0" encoding="utf-8"?>
-<p:sld xmlns:a="http://schemas.openxmlformats.org/drawingml/2006/main" xmlns:r="http://schemas.openxmlformats.org/officeDocument/2006/relationships" xmlns:p="http://schemas.openxmlformats.org/presentationml/2006/main">
-  <p:cSld>
-    <p:spTree>
-      <p:nvGrpSpPr>
-        <p:cNvPr id="1" name=""/>
-        <p:cNvGrpSpPr/>
-        <p:nvPr/>
-      </p:nvGrpSpPr>
-      <p:grpSpPr>
-        <a:xfrm>
-          <a:off x="0" y="0"/>
-          <a:ext cx="0" cy="0"/>
-          <a:chOff x="0" y="0"/>
-          <a:chExt cx="0" cy="0"/>
-        </a:xfrm>
-      </p:grpSpPr>
-      <p:sp>
-        <p:nvSpPr>
-          <p:cNvPr id="2" name="Segnaposto testo 1"/>
-          <p:cNvSpPr>
-            <a:spLocks noGrp="1"/>
-          </p:cNvSpPr>
-          <p:nvPr>
-            <p:ph type="body" idx="1"/>
-          </p:nvPr>
-        </p:nvSpPr>
-        <p:spPr>
-          <a:xfrm>
-            <a:off x="474200" y="1277420"/>
-            <a:ext cx="9193782" cy="2575389"/>
-          </a:xfrm>
-        </p:spPr>
-        <p:txBody>
-          <a:bodyPr/>
-          <a:lstStyle/>
-          <a:p>
-            <a:pPr algn="l">
-              <a:buClr>
-                <a:srgbClr val="FF0000"/>
-              </a:buClr>
-            </a:pPr>
-            <a:r>
-              <a:rPr lang="en-US" b="1" i="0" dirty="0" err="1">
-                <a:solidFill>
-                  <a:srgbClr val="212121"/>
-                </a:solidFill>
-                <a:effectLst/>
-              </a:rPr>
-              <a:t>sdv.metrics.tabular.KSTest</a:t>
-            </a:r>
-            <a:r>
-              <a:rPr lang="en-US" b="1" i="0" dirty="0">
-                <a:solidFill>
-                  <a:srgbClr val="212121"/>
-                </a:solidFill>
-                <a:effectLst/>
-              </a:rPr>
-              <a:t>:</a:t>
-            </a:r>
-            <a:r>
-              <a:rPr lang="en-US" b="0" i="0" dirty="0">
-                <a:solidFill>
-                  <a:srgbClr val="212121"/>
-                </a:solidFill>
-                <a:effectLst/>
-              </a:rPr>
-              <a:t> This metric uses the two-sample </a:t>
-            </a:r>
-            <a:r>
-              <a:rPr lang="en-US" b="1" i="0" dirty="0">
-                <a:solidFill>
-                  <a:srgbClr val="212121"/>
-                </a:solidFill>
-                <a:effectLst/>
-              </a:rPr>
-              <a:t>Kolmogorov–Smirnov Test</a:t>
-            </a:r>
-            <a:r>
-              <a:rPr lang="en-US" b="0" i="0" dirty="0">
-                <a:solidFill>
-                  <a:srgbClr val="212121"/>
-                </a:solidFill>
-                <a:effectLst/>
-              </a:rPr>
-              <a:t> to compare the distributions of continuous columns using the empirical </a:t>
-            </a:r>
-            <a:r>
-              <a:rPr lang="en-US" b="1" i="0" dirty="0">
-                <a:solidFill>
-                  <a:srgbClr val="212121"/>
-                </a:solidFill>
-                <a:effectLst/>
-              </a:rPr>
-              <a:t>CDF (Cumulative </a:t>
-            </a:r>
-            <a:r>
-              <a:rPr lang="en-US" b="1" i="0" dirty="0" err="1">
-                <a:solidFill>
-                  <a:srgbClr val="212121"/>
-                </a:solidFill>
-                <a:effectLst/>
-              </a:rPr>
-              <a:t>Distibution</a:t>
-            </a:r>
-            <a:r>
-              <a:rPr lang="en-US" b="1" i="0" dirty="0">
-                <a:solidFill>
-                  <a:srgbClr val="212121"/>
-                </a:solidFill>
-                <a:effectLst/>
-              </a:rPr>
-              <a:t> Function: P(</a:t>
-            </a:r>
-            <a:r>
-              <a:rPr lang="en-US" b="1" i="0" dirty="0" err="1">
-                <a:solidFill>
-                  <a:srgbClr val="212121"/>
-                </a:solidFill>
-                <a:effectLst/>
-              </a:rPr>
-              <a:t>X≤x</a:t>
-            </a:r>
-            <a:r>
-              <a:rPr lang="en-US" b="1" i="0" dirty="0">
-                <a:solidFill>
-                  <a:srgbClr val="212121"/>
-                </a:solidFill>
-                <a:effectLst/>
-              </a:rPr>
-              <a:t>)</a:t>
-            </a:r>
-            <a:r>
-              <a:rPr lang="en-US" dirty="0">
-                <a:solidFill>
-                  <a:srgbClr val="212121"/>
-                </a:solidFill>
-              </a:rPr>
-              <a:t>). </a:t>
-            </a:r>
-            <a:r>
-              <a:rPr lang="en-US" b="0" i="0" dirty="0">
-                <a:solidFill>
-                  <a:srgbClr val="212121"/>
-                </a:solidFill>
-                <a:effectLst/>
-              </a:rPr>
-              <a:t>The output of </a:t>
-            </a:r>
-            <a:r>
-              <a:rPr lang="en-US" b="1" i="0" dirty="0" err="1">
-                <a:solidFill>
-                  <a:srgbClr val="212121"/>
-                </a:solidFill>
-                <a:effectLst/>
-              </a:rPr>
-              <a:t>KSTest</a:t>
-            </a:r>
-            <a:r>
-              <a:rPr lang="en-US" b="0" i="0" dirty="0">
-                <a:solidFill>
-                  <a:srgbClr val="212121"/>
-                </a:solidFill>
-                <a:effectLst/>
-              </a:rPr>
-              <a:t> for each column is 1 minus the </a:t>
-            </a:r>
-            <a:r>
-              <a:rPr lang="en-US" b="1" i="0" dirty="0">
-                <a:solidFill>
-                  <a:srgbClr val="212121"/>
-                </a:solidFill>
-                <a:effectLst/>
-              </a:rPr>
-              <a:t>KS Test D </a:t>
-            </a:r>
-            <a:r>
-              <a:rPr lang="en-US" b="0" i="0" dirty="0">
-                <a:solidFill>
-                  <a:srgbClr val="212121"/>
-                </a:solidFill>
-                <a:effectLst/>
-              </a:rPr>
-              <a:t>statistic, which indicates the maximum distance between the expected CDF and the observed CDF values. </a:t>
-            </a:r>
-            <a:endParaRPr lang="en-US" b="0" i="0" dirty="0" smtClean="0">
-              <a:solidFill>
-                <a:srgbClr val="212121"/>
-              </a:solidFill>
-              <a:effectLst/>
-            </a:endParaRPr>
-          </a:p>
-          <a:p>
-            <a:pPr algn="l">
-              <a:buClr>
-                <a:srgbClr val="FF0000"/>
-              </a:buClr>
-            </a:pPr>
-            <a:r>
-              <a:rPr lang="en-US" b="0" i="0" dirty="0" smtClean="0">
-                <a:solidFill>
-                  <a:srgbClr val="212121"/>
-                </a:solidFill>
-                <a:effectLst/>
-              </a:rPr>
-              <a:t>The </a:t>
-            </a:r>
-            <a:r>
-              <a:rPr lang="en-US" b="0" i="0" dirty="0">
-                <a:solidFill>
-                  <a:srgbClr val="212121"/>
-                </a:solidFill>
-                <a:effectLst/>
-              </a:rPr>
-              <a:t>letter </a:t>
-            </a:r>
-            <a:r>
-              <a:rPr lang="en-US" b="1" i="0" dirty="0">
-                <a:solidFill>
-                  <a:srgbClr val="212121"/>
-                </a:solidFill>
-                <a:effectLst/>
-              </a:rPr>
-              <a:t>"D"</a:t>
-            </a:r>
-            <a:r>
-              <a:rPr lang="en-US" b="0" i="0" dirty="0">
-                <a:solidFill>
-                  <a:srgbClr val="212121"/>
-                </a:solidFill>
-                <a:effectLst/>
-              </a:rPr>
-              <a:t> stands for "distance." Geometrically, D measures the maximum vertical distance between the empirical cumulative distribution function (ECDF) of the sample and the cumulative distribution function (CDF) of the reference distribution.</a:t>
-            </a:r>
-          </a:p>
-          <a:p>
-            <a:pPr>
-              <a:buClr>
-                <a:schemeClr val="tx1"/>
-              </a:buClr>
-              <a:buFont typeface="Arial" panose="020B0604020202020204" pitchFamily="34" charset="0"/>
-              <a:buChar char="•"/>
-            </a:pPr>
-            <a:endParaRPr lang="en-US" dirty="0">
-              <a:solidFill>
-                <a:srgbClr val="202124"/>
-              </a:solidFill>
-              <a:latin typeface="arial" panose="020B0604020202020204" pitchFamily="34" charset="0"/>
-              <a:cs typeface="+mn-cs"/>
-            </a:endParaRPr>
-          </a:p>
-        </p:txBody>
-      </p:sp>
-      <p:sp>
-        <p:nvSpPr>
-          <p:cNvPr id="3" name="Titolo 2"/>
-          <p:cNvSpPr>
-            <a:spLocks noGrp="1"/>
-          </p:cNvSpPr>
-          <p:nvPr>
-            <p:ph type="title"/>
-          </p:nvPr>
-        </p:nvSpPr>
-        <p:spPr>
-          <a:xfrm>
-            <a:off x="-133881" y="262843"/>
-            <a:ext cx="12544319" cy="384721"/>
-          </a:xfrm>
-          <a:noFill/>
-          <a:ln>
-            <a:noFill/>
-          </a:ln>
-          <a:extLst>
-            <a:ext uri="{909E8E84-426E-40DD-AFC4-6F175D3DCCD1}">
-              <a14:hiddenFill xmlns:a14="http://schemas.microsoft.com/office/drawing/2010/main">
-                <a:solidFill>
-                  <a:srgbClr val="FFFFFF"/>
-                </a:solidFill>
-              </a14:hiddenFill>
-            </a:ext>
-            <a:ext uri="{91240B29-F687-4F45-9708-019B960494DF}">
-              <a14:hiddenLine xmlns:a14="http://schemas.microsoft.com/office/drawing/2010/main" w="9525">
-                <a:solidFill>
-                  <a:srgbClr val="000000"/>
-                </a:solidFill>
-                <a:miter lim="800000"/>
-                <a:headEnd/>
-                <a:tailEnd/>
-              </a14:hiddenLine>
-            </a:ext>
-          </a:extLst>
-        </p:spPr>
-        <p:txBody>
-          <a:bodyPr vert="horz" wrap="square" lIns="0" tIns="0" rIns="0" bIns="0" numCol="1" rtlCol="0" anchor="b" anchorCtr="0" compatLnSpc="1">
-            <a:prstTxWarp prst="textNoShape">
-              <a:avLst/>
-            </a:prstTxWarp>
-            <a:spAutoFit/>
-          </a:bodyPr>
-          <a:lstStyle/>
-          <a:p>
-            <a:pPr algn="ctr"/>
-            <a:r>
-              <a:rPr lang="it-IT" dirty="0"/>
-              <a:t>Utility </a:t>
-            </a:r>
-            <a:r>
-              <a:rPr lang="it-IT" dirty="0" err="1"/>
-              <a:t>Metrics</a:t>
-            </a:r>
-            <a:r>
-              <a:rPr lang="it-IT" dirty="0"/>
-              <a:t> - Model Evaluation via </a:t>
-            </a:r>
-            <a:r>
-              <a:rPr lang="it-IT" dirty="0" err="1"/>
-              <a:t>SDGym</a:t>
-            </a:r>
-            <a:r>
-              <a:rPr lang="it-IT" dirty="0"/>
-              <a:t> Tools: Statistical </a:t>
-            </a:r>
-            <a:r>
-              <a:rPr lang="it-IT" dirty="0" err="1"/>
-              <a:t>Metrics</a:t>
-            </a:r>
-            <a:endParaRPr lang="it-IT" dirty="0"/>
-          </a:p>
-        </p:txBody>
-      </p:sp>
-      <p:sp>
-        <p:nvSpPr>
-          <p:cNvPr id="4" name="Segnaposto piè di pagina 3"/>
-          <p:cNvSpPr>
-            <a:spLocks noGrp="1"/>
-          </p:cNvSpPr>
-          <p:nvPr>
-            <p:ph type="ftr" sz="quarter" idx="10"/>
-          </p:nvPr>
-        </p:nvSpPr>
-        <p:spPr/>
-        <p:txBody>
-          <a:bodyPr/>
-          <a:lstStyle/>
-          <a:p>
-            <a:pPr>
-              <a:defRPr/>
-            </a:pPr>
-            <a:r>
-              <a:rPr lang="en-US" dirty="0"/>
-              <a:t>Generation of synthetic data from real MNO data through Neural Network</a:t>
-            </a:r>
-          </a:p>
-        </p:txBody>
-      </p:sp>
-      <p:sp>
-        <p:nvSpPr>
-          <p:cNvPr id="5" name="Segnaposto numero diapositiva 4"/>
-          <p:cNvSpPr>
-            <a:spLocks noGrp="1"/>
-          </p:cNvSpPr>
-          <p:nvPr>
-            <p:ph type="sldNum" sz="quarter" idx="11"/>
-          </p:nvPr>
-        </p:nvSpPr>
-        <p:spPr/>
-        <p:txBody>
-          <a:bodyPr/>
-          <a:lstStyle/>
-          <a:p>
-            <a:pPr>
-              <a:defRPr/>
-            </a:pPr>
-            <a:fld id="{48B4153A-D4C5-4CEF-8992-0D8815C829E3}" type="slidenum">
-              <a:rPr lang="en-US" smtClean="0"/>
-              <a:pPr>
-                <a:defRPr/>
-              </a:pPr>
-              <a:t>15</a:t>
-            </a:fld>
-            <a:endParaRPr lang="en-US" dirty="0"/>
-          </a:p>
-        </p:txBody>
-      </p:sp>
-      <p:pic>
-        <p:nvPicPr>
-          <p:cNvPr id="7" name="Immagine 6">
-            <a:extLst>
-              <a:ext uri="{FF2B5EF4-FFF2-40B4-BE49-F238E27FC236}">
-                <a16:creationId xmlns:a16="http://schemas.microsoft.com/office/drawing/2014/main" id="{DBAC0694-DF06-68DF-F2C5-06382FFD21B8}"/>
-              </a:ext>
-            </a:extLst>
-          </p:cNvPr>
-          <p:cNvPicPr>
-            <a:picLocks noChangeAspect="1"/>
-          </p:cNvPicPr>
-          <p:nvPr/>
-        </p:nvPicPr>
-        <p:blipFill>
-          <a:blip r:embed="rId3"/>
-          <a:stretch>
-            <a:fillRect/>
-          </a:stretch>
-        </p:blipFill>
-        <p:spPr>
-          <a:xfrm>
-            <a:off x="9667982" y="1410952"/>
-            <a:ext cx="1847582" cy="2308324"/>
-          </a:xfrm>
-          <a:prstGeom prst="rect">
-            <a:avLst/>
-          </a:prstGeom>
-        </p:spPr>
-      </p:pic>
-      <p:sp>
-        <p:nvSpPr>
-          <p:cNvPr id="9" name="CasellaDiTesto 8">
-            <a:extLst>
-              <a:ext uri="{FF2B5EF4-FFF2-40B4-BE49-F238E27FC236}">
-                <a16:creationId xmlns:a16="http://schemas.microsoft.com/office/drawing/2014/main" id="{15B2DD09-E9DF-8619-8A7E-B276F6D60E50}"/>
-              </a:ext>
-            </a:extLst>
-          </p:cNvPr>
-          <p:cNvSpPr txBox="1"/>
-          <p:nvPr/>
-        </p:nvSpPr>
-        <p:spPr>
-          <a:xfrm>
-            <a:off x="430457" y="3959975"/>
-            <a:ext cx="11415645" cy="2308324"/>
-          </a:xfrm>
-          <a:prstGeom prst="rect">
-            <a:avLst/>
-          </a:prstGeom>
-          <a:noFill/>
-        </p:spPr>
-        <p:txBody>
-          <a:bodyPr wrap="square">
-            <a:spAutoFit/>
-          </a:bodyPr>
-          <a:lstStyle/>
-          <a:p>
-            <a:pPr marL="285750" indent="-285750" algn="l">
-              <a:buClr>
-                <a:srgbClr val="FF0000"/>
-              </a:buClr>
-              <a:buFont typeface="Courier New" panose="02070309020205020404" pitchFamily="49" charset="0"/>
-              <a:buChar char="o"/>
-            </a:pPr>
-            <a:r>
-              <a:rPr lang="en-US" b="0" i="0" dirty="0" smtClean="0">
-                <a:solidFill>
-                  <a:srgbClr val="212121"/>
-                </a:solidFill>
-                <a:effectLst/>
-                <a:latin typeface="Arial" panose="020B0604020202020204" pitchFamily="34" charset="0"/>
-                <a:cs typeface="Arial" panose="020B0604020202020204" pitchFamily="34" charset="0"/>
-              </a:rPr>
-              <a:t>If </a:t>
-            </a:r>
-            <a:r>
-              <a:rPr lang="en-US" b="0" i="0" dirty="0">
-                <a:solidFill>
-                  <a:srgbClr val="212121"/>
-                </a:solidFill>
-                <a:effectLst/>
-                <a:latin typeface="Arial" panose="020B0604020202020204" pitchFamily="34" charset="0"/>
-                <a:cs typeface="Arial" panose="020B0604020202020204" pitchFamily="34" charset="0"/>
-              </a:rPr>
-              <a:t>the two samples were randomly sampled from identical populations, what is the probability that the two cumulative frequency distributions would be as far apart as observed? More precisely, what is the chance that the value of the </a:t>
-            </a:r>
-            <a:r>
-              <a:rPr lang="en-US" b="1" i="0" dirty="0" err="1">
-                <a:solidFill>
-                  <a:srgbClr val="212121"/>
-                </a:solidFill>
-                <a:effectLst/>
-                <a:latin typeface="Arial" panose="020B0604020202020204" pitchFamily="34" charset="0"/>
-                <a:cs typeface="Arial" panose="020B0604020202020204" pitchFamily="34" charset="0"/>
-              </a:rPr>
-              <a:t>Komogorov</a:t>
-            </a:r>
-            <a:r>
-              <a:rPr lang="en-US" b="1" i="0" dirty="0">
-                <a:solidFill>
-                  <a:srgbClr val="212121"/>
-                </a:solidFill>
-                <a:effectLst/>
-                <a:latin typeface="Arial" panose="020B0604020202020204" pitchFamily="34" charset="0"/>
-                <a:cs typeface="Arial" panose="020B0604020202020204" pitchFamily="34" charset="0"/>
-              </a:rPr>
-              <a:t>-Smirnov D statistic</a:t>
-            </a:r>
-            <a:r>
-              <a:rPr lang="en-US" b="0" i="0" dirty="0">
-                <a:solidFill>
-                  <a:srgbClr val="212121"/>
-                </a:solidFill>
-                <a:effectLst/>
-                <a:latin typeface="Arial" panose="020B0604020202020204" pitchFamily="34" charset="0"/>
-                <a:cs typeface="Arial" panose="020B0604020202020204" pitchFamily="34" charset="0"/>
-              </a:rPr>
-              <a:t> would be as large or larger than observed? If the P value is small, conclude that the two groups were sampled from populations with different distributions. The populations may differ in median, variability or the shape of the </a:t>
-            </a:r>
-            <a:r>
-              <a:rPr lang="en-US" b="0" i="0" dirty="0" smtClean="0">
-                <a:solidFill>
-                  <a:srgbClr val="212121"/>
-                </a:solidFill>
-                <a:effectLst/>
-                <a:latin typeface="Arial" panose="020B0604020202020204" pitchFamily="34" charset="0"/>
-                <a:cs typeface="Arial" panose="020B0604020202020204" pitchFamily="34" charset="0"/>
-              </a:rPr>
-              <a:t>distribution.</a:t>
-            </a:r>
-          </a:p>
-          <a:p>
-            <a:pPr marL="285750" indent="-285750" algn="l">
-              <a:buClr>
-                <a:srgbClr val="FF0000"/>
-              </a:buClr>
-              <a:buFont typeface="Courier New" panose="02070309020205020404" pitchFamily="49" charset="0"/>
-              <a:buChar char="o"/>
-            </a:pPr>
-            <a:endParaRPr lang="en-US" dirty="0">
-              <a:solidFill>
-                <a:srgbClr val="212121"/>
-              </a:solidFill>
-              <a:latin typeface="Arial" panose="020B0604020202020204" pitchFamily="34" charset="0"/>
-              <a:cs typeface="Arial" panose="020B0604020202020204" pitchFamily="34" charset="0"/>
-            </a:endParaRPr>
-          </a:p>
-          <a:p>
-            <a:pPr marL="285750" indent="-285750" algn="l">
-              <a:buClr>
-                <a:srgbClr val="FF0000"/>
-              </a:buClr>
-              <a:buFont typeface="Courier New" panose="02070309020205020404" pitchFamily="49" charset="0"/>
-              <a:buChar char="o"/>
-            </a:pPr>
-            <a:r>
-              <a:rPr lang="en-US" b="0" i="0" dirty="0" smtClean="0">
-                <a:solidFill>
-                  <a:srgbClr val="212121"/>
-                </a:solidFill>
-                <a:effectLst/>
-                <a:latin typeface="Arial" panose="020B0604020202020204" pitchFamily="34" charset="0"/>
-                <a:cs typeface="Arial" panose="020B0604020202020204" pitchFamily="34" charset="0"/>
-              </a:rPr>
-              <a:t>So</a:t>
-            </a:r>
-            <a:r>
-              <a:rPr lang="en-US" b="0" i="0" dirty="0">
-                <a:solidFill>
-                  <a:srgbClr val="212121"/>
-                </a:solidFill>
-                <a:effectLst/>
-                <a:latin typeface="Arial" panose="020B0604020202020204" pitchFamily="34" charset="0"/>
-                <a:cs typeface="Arial" panose="020B0604020202020204" pitchFamily="34" charset="0"/>
-              </a:rPr>
-              <a:t> our result </a:t>
-            </a:r>
-            <a:r>
-              <a:rPr lang="en-US" b="1" i="0" dirty="0">
-                <a:solidFill>
-                  <a:srgbClr val="212121"/>
-                </a:solidFill>
-                <a:effectLst/>
-                <a:latin typeface="Arial" panose="020B0604020202020204" pitchFamily="34" charset="0"/>
-                <a:cs typeface="Arial" panose="020B0604020202020204" pitchFamily="34" charset="0"/>
-              </a:rPr>
-              <a:t>0.95375</a:t>
-            </a:r>
-            <a:r>
-              <a:rPr lang="en-US" b="0" i="0" dirty="0">
-                <a:solidFill>
-                  <a:srgbClr val="212121"/>
-                </a:solidFill>
-                <a:effectLst/>
-                <a:latin typeface="Arial" panose="020B0604020202020204" pitchFamily="34" charset="0"/>
-                <a:cs typeface="Arial" panose="020B0604020202020204" pitchFamily="34" charset="0"/>
-              </a:rPr>
-              <a:t> which is 1-D, means that the distance between CDF of original data and CDF of Synthetic Data is low, hence the two distribution are very close.</a:t>
-            </a:r>
-          </a:p>
-        </p:txBody>
-      </p:sp>
-    </p:spTree>
-    <p:extLst>
-      <p:ext uri="{BB962C8B-B14F-4D97-AF65-F5344CB8AC3E}">
-        <p14:creationId xmlns:p14="http://schemas.microsoft.com/office/powerpoint/2010/main" val="2004054182"/>
       </p:ext>
     </p:extLst>
   </p:cSld>
@@ -12458,27 +12726,45 @@
         </p:nvSpPr>
         <p:spPr>
           <a:xfrm>
-            <a:off x="464277" y="1277420"/>
-            <a:ext cx="11264002" cy="5117333"/>
+            <a:off x="474200" y="1277420"/>
+            <a:ext cx="9193782" cy="2575389"/>
           </a:xfrm>
         </p:spPr>
         <p:txBody>
           <a:bodyPr/>
           <a:lstStyle/>
           <a:p>
-            <a:pPr>
+            <a:pPr algn="l">
               <a:buClr>
                 <a:srgbClr val="FF0000"/>
               </a:buClr>
             </a:pPr>
             <a:r>
+              <a:rPr lang="en-US" b="1" i="0" dirty="0" err="1">
+                <a:solidFill>
+                  <a:srgbClr val="212121"/>
+                </a:solidFill>
+                <a:effectLst/>
+              </a:rPr>
+              <a:t>sdv.metrics.tabular.KSTest</a:t>
+            </a:r>
+            <a:r>
+              <a:rPr lang="en-US" b="1" i="0" dirty="0">
+                <a:solidFill>
+                  <a:srgbClr val="212121"/>
+                </a:solidFill>
+                <a:effectLst/>
+              </a:rPr>
+              <a:t>:</a:t>
+            </a:r>
+            <a:r>
               <a:rPr lang="en-US" b="0" i="0" dirty="0">
                 <a:solidFill>
                   <a:srgbClr val="212121"/>
                 </a:solidFill>
                 <a:effectLst/>
               </a:rPr>
-              <a:t>The </a:t>
+              <a:t> This metric uses the two-sample </a:t>
             </a:r>
             <a:r>
               <a:rPr lang="en-US" b="1" i="0" dirty="0">
@@ -12487,7 +12773,7 @@
                 </a:solidFill>
                 <a:effectLst/>
               </a:rPr>
-              <a:t>metrics</a:t>
+              <a:t>Kolmogorov–Smirnov Test</a:t>
             </a:r>
             <a:r>
               <a:rPr lang="en-US" b="0" i="0" dirty="0">
@@ -12496,32 +12782,136 @@
                 </a:solidFill>
                 <a:effectLst/>
               </a:rPr>
-              <a:t> of this family compare the tables by fitting the real data to a probabilistic model and afterwards compute the likelihood of the synthetic data belonging to the </a:t>
-            </a:r>
-            <a:r>
-              <a:rPr lang="en-US" b="0" i="0" dirty="0" smtClean="0">
+              <a:t> to compare the distributions of continuous columns using the empirical </a:t>
+            </a:r>
+            <a:r>
+              <a:rPr lang="en-US" b="1" i="0" dirty="0">
                 <a:solidFill>
                   <a:srgbClr val="212121"/>
                 </a:solidFill>
                 <a:effectLst/>
               </a:rPr>
-              <a:t>learned distribution.</a:t>
-            </a:r>
-          </a:p>
-          <a:p>
-            <a:pPr>
+              <a:t>CDF (Cumulative </a:t>
+            </a:r>
+            <a:r>
+              <a:rPr lang="en-US" b="1" i="0" dirty="0" err="1">
+                <a:solidFill>
+                  <a:srgbClr val="212121"/>
+                </a:solidFill>
+                <a:effectLst/>
+              </a:rPr>
+              <a:t>Distibution</a:t>
+            </a:r>
+            <a:r>
+              <a:rPr lang="en-US" b="1" i="0" dirty="0">
+                <a:solidFill>
+                  <a:srgbClr val="212121"/>
+                </a:solidFill>
+                <a:effectLst/>
+              </a:rPr>
+              <a:t> Function: P(</a:t>
+            </a:r>
+            <a:r>
+              <a:rPr lang="en-US" b="1" i="0" dirty="0" err="1">
+                <a:solidFill>
+                  <a:srgbClr val="212121"/>
+                </a:solidFill>
+                <a:effectLst/>
+              </a:rPr>
+              <a:t>X≤x</a:t>
+            </a:r>
+            <a:r>
+              <a:rPr lang="en-US" b="1" i="0" dirty="0">
+                <a:solidFill>
+                  <a:srgbClr val="212121"/>
+                </a:solidFill>
+                <a:effectLst/>
+              </a:rPr>
+              <a:t>)</a:t>
+            </a:r>
+            <a:r>
+              <a:rPr lang="en-US" dirty="0">
+                <a:solidFill>
+                  <a:srgbClr val="212121"/>
+                </a:solidFill>
+              </a:rPr>
+              <a:t>). </a:t>
+            </a:r>
+            <a:r>
+              <a:rPr lang="en-US" b="0" i="0" dirty="0">
+                <a:solidFill>
+                  <a:srgbClr val="212121"/>
+                </a:solidFill>
+                <a:effectLst/>
+              </a:rPr>
+              <a:t>The output of </a:t>
+            </a:r>
+            <a:r>
+              <a:rPr lang="en-US" b="1" i="0" dirty="0" err="1">
+                <a:solidFill>
+                  <a:srgbClr val="212121"/>
+                </a:solidFill>
+                <a:effectLst/>
+              </a:rPr>
+              <a:t>KSTest</a:t>
+            </a:r>
+            <a:r>
+              <a:rPr lang="en-US" b="0" i="0" dirty="0">
+                <a:solidFill>
+                  <a:srgbClr val="212121"/>
+                </a:solidFill>
+                <a:effectLst/>
+              </a:rPr>
+              <a:t> for each column is 1 minus the </a:t>
+            </a:r>
+            <a:r>
+              <a:rPr lang="en-US" b="1" i="0" dirty="0">
+                <a:solidFill>
+                  <a:srgbClr val="212121"/>
+                </a:solidFill>
+                <a:effectLst/>
+              </a:rPr>
+              <a:t>KS Test D </a:t>
+            </a:r>
+            <a:r>
+              <a:rPr lang="en-US" b="0" i="0" dirty="0">
+                <a:solidFill>
+                  <a:srgbClr val="212121"/>
+                </a:solidFill>
+                <a:effectLst/>
+              </a:rPr>
+              <a:t>statistic, which indicates the maximum distance between the expected CDF and the observed CDF values. </a:t>
+            </a:r>
+            <a:endParaRPr lang="en-US" b="0" i="0" dirty="0" smtClean="0">
+              <a:solidFill>
+                <a:srgbClr val="212121"/>
+              </a:solidFill>
+              <a:effectLst/>
+            </a:endParaRPr>
+          </a:p>
+          <a:p>
+            <a:pPr algn="l">
               <a:buClr>
                 <a:srgbClr val="FF0000"/>
               </a:buClr>
             </a:pPr>
             <a:r>
-              <a:rPr lang="en-US" b="1" i="0" dirty="0" err="1">
+              <a:rPr lang="en-US" b="0" i="0" dirty="0" smtClean="0">
                 <a:solidFill>
                   <a:srgbClr val="212121"/>
                 </a:solidFill>
                 <a:effectLst/>
               </a:rPr>
-              <a:t>sdv.metrics.tabular.BNLikelihood</a:t>
+              <a:t>The </a:t>
+            </a:r>
+            <a:r>
+              <a:rPr lang="en-US" b="0" i="0" dirty="0">
+                <a:solidFill>
+                  <a:srgbClr val="212121"/>
+                </a:solidFill>
+                <a:effectLst/>
+              </a:rPr>
+              <a:t>letter </a:t>
             </a:r>
             <a:r>
               <a:rPr lang="en-US" b="1" i="0" dirty="0">
@@ -12530,7 +12920,7 @@
                 </a:solidFill>
                 <a:effectLst/>
               </a:rPr>
-              <a:t>:</a:t>
+              <a:t>"D"</a:t>
             </a:r>
             <a:r>
               <a:rPr lang="en-US" b="0" i="0" dirty="0">
@@ -12539,108 +12929,24 @@
                 </a:solidFill>
                 <a:effectLst/>
               </a:rPr>
-              <a:t> This metric fits a </a:t>
-            </a:r>
-            <a:r>
-              <a:rPr lang="en-US" b="1" i="0" dirty="0">
-                <a:solidFill>
-                  <a:srgbClr val="212121"/>
-                </a:solidFill>
-                <a:effectLst/>
-              </a:rPr>
-              <a:t>Bayesian</a:t>
-            </a:r>
-            <a:r>
-              <a:rPr lang="en-US" b="0" i="0" dirty="0">
-                <a:solidFill>
-                  <a:srgbClr val="212121"/>
-                </a:solidFill>
-                <a:effectLst/>
-              </a:rPr>
-              <a:t> </a:t>
-            </a:r>
-            <a:r>
-              <a:rPr lang="en-US" b="1" i="0" dirty="0">
-                <a:solidFill>
-                  <a:srgbClr val="212121"/>
-                </a:solidFill>
-                <a:effectLst/>
-              </a:rPr>
-              <a:t>Network</a:t>
-            </a:r>
-            <a:r>
-              <a:rPr lang="en-US" b="0" i="0" dirty="0">
-                <a:solidFill>
-                  <a:srgbClr val="212121"/>
-                </a:solidFill>
-                <a:effectLst/>
-              </a:rPr>
-              <a:t> to the real data and then evaluates the average likelihood of the rows from the synthetic data on it.</a:t>
+              <a:t> stands for "distance." Geometrically, D measures the maximum vertical distance between the empirical cumulative distribution function (ECDF) of the sample and the cumulative distribution function (CDF) of the reference distribution.</a:t>
             </a:r>
           </a:p>
           <a:p>
             <a:pPr>
               <a:buClr>
-                <a:srgbClr val="FF0000"/>
+                <a:schemeClr val="tx1"/>
               </a:buClr>
+              <a:buFont typeface="Arial" panose="020B0604020202020204" pitchFamily="34" charset="0"/>
+              <a:buChar char="•"/>
             </a:pPr>
-            <a:r>
-              <a:rPr lang="en-US" b="1" i="0" dirty="0" smtClean="0">
-                <a:solidFill>
-                  <a:srgbClr val="212121"/>
-                </a:solidFill>
-                <a:effectLst/>
-              </a:rPr>
-              <a:t>Bayesian </a:t>
-            </a:r>
-            <a:r>
-              <a:rPr lang="en-US" b="1" i="0" dirty="0">
-                <a:solidFill>
-                  <a:srgbClr val="212121"/>
-                </a:solidFill>
-                <a:effectLst/>
-              </a:rPr>
-              <a:t>Networks Likelihood </a:t>
-            </a:r>
-            <a:r>
-              <a:rPr lang="en-US" b="0" i="0" dirty="0">
-                <a:solidFill>
-                  <a:srgbClr val="212121"/>
-                </a:solidFill>
-                <a:effectLst/>
-              </a:rPr>
-              <a:t>is the Error calculated on Synthetic data after fitting the model on Real Data. Very low error (likelihood) like </a:t>
-            </a:r>
-            <a:r>
-              <a:rPr lang="en-US" b="1" i="0" dirty="0">
-                <a:solidFill>
-                  <a:srgbClr val="212121"/>
-                </a:solidFill>
-                <a:effectLst/>
-              </a:rPr>
-              <a:t>0.00013183</a:t>
-            </a:r>
-            <a:r>
-              <a:rPr lang="en-US" b="0" i="0" dirty="0">
-                <a:solidFill>
-                  <a:srgbClr val="212121"/>
-                </a:solidFill>
-                <a:effectLst/>
-              </a:rPr>
-              <a:t> means the two datasets are very close in terms of probabilistic models.</a:t>
-            </a:r>
-          </a:p>
-          <a:p>
-            <a:pPr marL="0" indent="0">
-              <a:buNone/>
-            </a:pPr>
-            <a:endParaRPr lang="en-US" dirty="0"/>
-          </a:p>
-          <a:p>
-            <a:pPr marL="0" indent="0">
-              <a:buNone/>
-            </a:pPr>
-            <a:endParaRPr lang="it-IT" dirty="0"/>
+            <a:endParaRPr lang="en-US" dirty="0">
+              <a:solidFill>
+                <a:srgbClr val="202124"/>
+              </a:solidFill>
+              <a:latin typeface="arial" panose="020B0604020202020204" pitchFamily="34" charset="0"/>
+              <a:cs typeface="+mn-cs"/>
+            </a:endParaRPr>
           </a:p>
         </p:txBody>
       </p:sp>
@@ -12656,14 +12962,43 @@
         </p:nvSpPr>
         <p:spPr>
           <a:xfrm>
-            <a:off x="107946" y="0"/>
-            <a:ext cx="12669589" cy="769441"/>
-          </a:xfrm>
+            <a:off x="-133881" y="262843"/>
+            <a:ext cx="12544319" cy="384721"/>
+          </a:xfrm>
+          <a:noFill/>
+          <a:ln>
+            <a:noFill/>
+          </a:ln>
+          <a:extLst>
+            <a:ext uri="{909E8E84-426E-40DD-AFC4-6F175D3DCCD1}">
+              <a14:hiddenFill xmlns:a14="http://schemas.microsoft.com/office/drawing/2010/main">
+                <a:solidFill>
+                  <a:srgbClr val="FFFFFF"/>
+                </a:solidFill>
+              </a14:hiddenFill>
+            </a:ext>
+            <a:ext uri="{91240B29-F687-4F45-9708-019B960494DF}">
+              <a14:hiddenLine xmlns:a14="http://schemas.microsoft.com/office/drawing/2010/main" w="9525">
+                <a:solidFill>
+                  <a:srgbClr val="000000"/>
+                </a:solidFill>
+                <a:miter lim="800000"/>
+                <a:headEnd/>
+                <a:tailEnd/>
+              </a14:hiddenLine>
+            </a:ext>
+          </a:extLst>
         </p:spPr>
         <p:txBody>
-          <a:bodyPr/>
+          <a:bodyPr vert="horz" wrap="square" lIns="0" tIns="0" rIns="0" bIns="0" numCol="1" rtlCol="0" anchor="b" anchorCtr="0" compatLnSpc="1">
+            <a:prstTxWarp prst="textNoShape">
+              <a:avLst/>
+            </a:prstTxWarp>
+            <a:spAutoFit/>
+          </a:bodyPr>
           <a:lstStyle/>
           <a:p>
+            <a:pPr algn="ctr"/>
             <a:r>
               <a:rPr lang="it-IT" dirty="0"/>
               <a:t>Utility </a:t>
@@ -12682,15 +13017,7 @@
             </a:r>
             <a:r>
               <a:rPr lang="it-IT" dirty="0"/>
-              <a:t> Tools: </a:t>
-            </a:r>
-            <a:r>
-              <a:rPr lang="it-IT" dirty="0" err="1"/>
-              <a:t>Likelihood</a:t>
-            </a:r>
-            <a:r>
-              <a:rPr lang="it-IT" dirty="0"/>
-              <a:t> </a:t>
+              <a:t> Tools: Statistical </a:t>
             </a:r>
             <a:r>
               <a:rPr lang="it-IT" dirty="0" err="1"/>
@@ -12759,7 +13086,7 @@
           <p:cNvPr id="7" name="Immagine 6">
             <a:extLst>
               <a:ext uri="{FF2B5EF4-FFF2-40B4-BE49-F238E27FC236}">
-                <a16:creationId xmlns:a16="http://schemas.microsoft.com/office/drawing/2014/main" id="{E38450EE-2CC0-C20F-02B5-A52B21CA94C8}"/>
+                <a16:creationId xmlns:a16="http://schemas.microsoft.com/office/drawing/2014/main" id="{DBAC0694-DF06-68DF-F2C5-06382FFD21B8}"/>
               </a:ext>
             </a:extLst>
           </p:cNvPr>
@@ -12776,8 +13103,8 @@
         </p:blipFill>
         <p:spPr>
           <a:xfrm>
-            <a:off x="1457452" y="3637052"/>
-            <a:ext cx="3058890" cy="2440080"/>
+            <a:off x="9667982" y="1410952"/>
+            <a:ext cx="1847582" cy="2308324"/>
           </a:xfrm>
           <a:prstGeom prst="rect">
             <a:avLst/>
@@ -12789,7 +13116,7 @@
           <p:cNvPr id="9" name="CasellaDiTesto 8">
             <a:extLst>
               <a:ext uri="{FF2B5EF4-FFF2-40B4-BE49-F238E27FC236}">
-                <a16:creationId xmlns:a16="http://schemas.microsoft.com/office/drawing/2014/main" id="{9F6A42CB-9F82-CE0B-0BF5-E6754DB9D7A7}"/>
+                <a16:creationId xmlns:a16="http://schemas.microsoft.com/office/drawing/2014/main" id="{15B2DD09-E9DF-8619-8A7E-B276F6D60E50}"/>
               </a:ext>
             </a:extLst>
           </p:cNvPr>
@@ -12798,8 +13125,8 @@
         </p:nvSpPr>
         <p:spPr>
           <a:xfrm>
-            <a:off x="6103549" y="3533667"/>
-            <a:ext cx="4358714" cy="2862322"/>
+            <a:off x="430457" y="3959975"/>
+            <a:ext cx="11415645" cy="2308324"/>
           </a:xfrm>
           <a:prstGeom prst="rect">
             <a:avLst/>
@@ -12812,7 +13139,7 @@
           </a:bodyPr>
           <a:lstStyle/>
           <a:p>
-            <a:pPr marL="285750" indent="-285750" algn="just">
+            <a:pPr marL="285750" indent="-285750" algn="l">
               <a:buClr>
                 <a:srgbClr val="FF0000"/>
               </a:buClr>
@@ -12820,6 +13147,28 @@
               <a:buChar char="o"/>
             </a:pPr>
             <a:r>
+              <a:rPr lang="en-US" b="0" i="0" dirty="0" smtClean="0">
+                <a:solidFill>
+                  <a:srgbClr val="212121"/>
+                </a:solidFill>
+                <a:effectLst/>
+                <a:latin typeface="Arial" panose="020B0604020202020204" pitchFamily="34" charset="0"/>
+                <a:cs typeface="Arial" panose="020B0604020202020204" pitchFamily="34" charset="0"/>
+              </a:rPr>
+              <a:t>If </a:t>
+            </a:r>
+            <a:r>
+              <a:rPr lang="en-US" b="0" i="0" dirty="0">
+                <a:solidFill>
+                  <a:srgbClr val="212121"/>
+                </a:solidFill>
+                <a:effectLst/>
+                <a:latin typeface="Arial" panose="020B0604020202020204" pitchFamily="34" charset="0"/>
+                <a:cs typeface="Arial" panose="020B0604020202020204" pitchFamily="34" charset="0"/>
+              </a:rPr>
+              <a:t>the two samples were randomly sampled from identical populations, what is the probability that the two cumulative frequency distributions would be as far apart as observed? More precisely, what is the chance that the value of the </a:t>
+            </a:r>
+            <a:r>
               <a:rPr lang="en-US" b="1" i="0" dirty="0" err="1">
                 <a:solidFill>
                   <a:srgbClr val="212121"/>
@@ -12828,7 +13177,7 @@
                 <a:latin typeface="Arial" panose="020B0604020202020204" pitchFamily="34" charset="0"/>
                 <a:cs typeface="Arial" panose="020B0604020202020204" pitchFamily="34" charset="0"/>
               </a:rPr>
-              <a:t>sdv.metrics.tabular.BNLikelihood</a:t>
+              <a:t>Komogorov</a:t>
             </a:r>
             <a:r>
               <a:rPr lang="en-US" b="1" i="0" dirty="0">
@@ -12839,7 +13188,7 @@
                 <a:latin typeface="Arial" panose="020B0604020202020204" pitchFamily="34" charset="0"/>
                 <a:cs typeface="Arial" panose="020B0604020202020204" pitchFamily="34" charset="0"/>
               </a:rPr>
-              <a:t>:</a:t>
+              <a:t>-Smirnov D statistic</a:t>
             </a:r>
             <a:r>
               <a:rPr lang="en-US" b="0" i="0" dirty="0">
@@ -12850,10 +13199,10 @@
                 <a:latin typeface="Arial" panose="020B0604020202020204" pitchFamily="34" charset="0"/>
                 <a:cs typeface="Arial" panose="020B0604020202020204" pitchFamily="34" charset="0"/>
               </a:rPr>
-              <a:t> This metric fits a </a:t>
-            </a:r>
-            <a:r>
-              <a:rPr lang="en-US" b="1" i="0" dirty="0">
+              <a:t> would be as large or larger than observed? If the P value is small, conclude that the two groups were sampled from populations with different distributions. The populations may differ in median, variability or the shape of the </a:t>
+            </a:r>
+            <a:r>
+              <a:rPr lang="en-US" b="0" i="0" dirty="0" smtClean="0">
                 <a:solidFill>
                   <a:srgbClr val="212121"/>
                 </a:solidFill>
@@ -12861,74 +13210,84 @@
                 <a:latin typeface="Arial" panose="020B0604020202020204" pitchFamily="34" charset="0"/>
                 <a:cs typeface="Arial" panose="020B0604020202020204" pitchFamily="34" charset="0"/>
               </a:rPr>
-              <a:t>Bayesian</a:t>
-            </a:r>
-            <a:r>
-              <a:rPr lang="en-US" b="0" i="0" dirty="0">
-                <a:solidFill>
-                  <a:srgbClr val="212121"/>
-                </a:solidFill>
-                <a:effectLst/>
-                <a:latin typeface="Arial" panose="020B0604020202020204" pitchFamily="34" charset="0"/>
-                <a:cs typeface="Arial" panose="020B0604020202020204" pitchFamily="34" charset="0"/>
-              </a:rPr>
-              <a:t> </a:t>
-            </a:r>
-            <a:r>
-              <a:rPr lang="en-US" b="1" i="0" dirty="0">
-                <a:solidFill>
-                  <a:srgbClr val="212121"/>
-                </a:solidFill>
-                <a:effectLst/>
-                <a:latin typeface="Arial" panose="020B0604020202020204" pitchFamily="34" charset="0"/>
-                <a:cs typeface="Arial" panose="020B0604020202020204" pitchFamily="34" charset="0"/>
-              </a:rPr>
-              <a:t>Network</a:t>
-            </a:r>
-            <a:r>
-              <a:rPr lang="en-US" b="0" i="0" dirty="0">
-                <a:solidFill>
-                  <a:srgbClr val="212121"/>
-                </a:solidFill>
-                <a:effectLst/>
-                <a:latin typeface="Arial" panose="020B0604020202020204" pitchFamily="34" charset="0"/>
-                <a:cs typeface="Arial" panose="020B0604020202020204" pitchFamily="34" charset="0"/>
-              </a:rPr>
-              <a:t> to the real data and then evaluates the average likelihood of the rows from the synthetic data on it. With very low error (close to 0) according to the Log function, the output value must be negative, therefore a score like this one: </a:t>
-            </a:r>
-            <a:r>
-              <a:rPr lang="en-US" b="1" i="0" dirty="0">
-                <a:solidFill>
-                  <a:srgbClr val="212121"/>
-                </a:solidFill>
-                <a:effectLst/>
-                <a:latin typeface="Arial" panose="020B0604020202020204" pitchFamily="34" charset="0"/>
-                <a:cs typeface="Arial" panose="020B0604020202020204" pitchFamily="34" charset="0"/>
-              </a:rPr>
-              <a:t>-17.415473543655498</a:t>
-            </a:r>
-            <a:r>
-              <a:rPr lang="en-US" b="0" i="0" dirty="0">
-                <a:solidFill>
-                  <a:srgbClr val="212121"/>
-                </a:solidFill>
-                <a:effectLst/>
-                <a:latin typeface="Arial" panose="020B0604020202020204" pitchFamily="34" charset="0"/>
-                <a:cs typeface="Arial" panose="020B0604020202020204" pitchFamily="34" charset="0"/>
-              </a:rPr>
-              <a:t>, it is a very good result.</a:t>
-            </a:r>
-            <a:endParaRPr lang="it-IT" dirty="0">
+              <a:t>distribution.</a:t>
+            </a:r>
+          </a:p>
+          <a:p>
+            <a:pPr marL="285750" indent="-285750" algn="l">
+              <a:buClr>
+                <a:srgbClr val="FF0000"/>
+              </a:buClr>
+              <a:buFont typeface="Courier New" panose="02070309020205020404" pitchFamily="49" charset="0"/>
+              <a:buChar char="o"/>
+            </a:pPr>
+            <a:endParaRPr lang="en-US" dirty="0">
+              <a:solidFill>
+                <a:srgbClr val="212121"/>
+              </a:solidFill>
               <a:latin typeface="Arial" panose="020B0604020202020204" pitchFamily="34" charset="0"/>
               <a:cs typeface="Arial" panose="020B0604020202020204" pitchFamily="34" charset="0"/>
             </a:endParaRPr>
           </a:p>
+          <a:p>
+            <a:pPr marL="285750" indent="-285750" algn="l">
+              <a:buClr>
+                <a:srgbClr val="FF0000"/>
+              </a:buClr>
+              <a:buFont typeface="Courier New" panose="02070309020205020404" pitchFamily="49" charset="0"/>
+              <a:buChar char="o"/>
+            </a:pPr>
+            <a:r>
+              <a:rPr lang="en-US" b="0" i="0" dirty="0" smtClean="0">
+                <a:solidFill>
+                  <a:srgbClr val="212121"/>
+                </a:solidFill>
+                <a:effectLst/>
+                <a:latin typeface="Arial" panose="020B0604020202020204" pitchFamily="34" charset="0"/>
+                <a:cs typeface="Arial" panose="020B0604020202020204" pitchFamily="34" charset="0"/>
+              </a:rPr>
+              <a:t>So</a:t>
+            </a:r>
+            <a:r>
+              <a:rPr lang="en-US" b="0" i="0" dirty="0">
+                <a:solidFill>
+                  <a:srgbClr val="212121"/>
+                </a:solidFill>
+                <a:effectLst/>
+                <a:latin typeface="Arial" panose="020B0604020202020204" pitchFamily="34" charset="0"/>
+                <a:cs typeface="Arial" panose="020B0604020202020204" pitchFamily="34" charset="0"/>
+              </a:rPr>
+              <a:t> our result </a:t>
+            </a:r>
+            <a:r>
+              <a:rPr lang="en-US" b="1" i="0" dirty="0">
+                <a:solidFill>
+                  <a:srgbClr val="212121"/>
+                </a:solidFill>
+                <a:effectLst/>
+                <a:latin typeface="Arial" panose="020B0604020202020204" pitchFamily="34" charset="0"/>
+                <a:cs typeface="Arial" panose="020B0604020202020204" pitchFamily="34" charset="0"/>
+              </a:rPr>
+              <a:t>0.95375</a:t>
+            </a:r>
+            <a:r>
+              <a:rPr lang="en-US" b="0" i="0" dirty="0">
+                <a:solidFill>
+                  <a:srgbClr val="212121"/>
+                </a:solidFill>
+                <a:effectLst/>
+                <a:latin typeface="Arial" panose="020B0604020202020204" pitchFamily="34" charset="0"/>
+                <a:cs typeface="Arial" panose="020B0604020202020204" pitchFamily="34" charset="0"/>
+              </a:rPr>
+              <a:t> which is 1-D, means that the distance between CDF of original data and CDF of Synthetic Data is low, hence the two distribution are very close.</a:t>
+            </a:r>
+          </a:p>
         </p:txBody>
       </p:sp>
     </p:spTree>
     <p:extLst>
       <p:ext uri="{BB962C8B-B14F-4D97-AF65-F5344CB8AC3E}">
-        <p14:creationId xmlns:p14="http://schemas.microsoft.com/office/powerpoint/2010/main" val="3423023705"/>
+        <p14:creationId xmlns:p14="http://schemas.microsoft.com/office/powerpoint/2010/main" val="2004054182"/>
       </p:ext>
     </p:extLst>
   </p:cSld>
@@ -12967,7 +13326,7 @@
         </p:nvSpPr>
         <p:spPr>
           <a:xfrm>
-            <a:off x="474201" y="1277420"/>
+            <a:off x="464277" y="1277420"/>
             <a:ext cx="11264002" cy="5117333"/>
           </a:xfrm>
         </p:spPr>
@@ -12975,18 +13334,19 @@
           <a:bodyPr/>
           <a:lstStyle/>
           <a:p>
-            <a:pPr algn="l">
+            <a:pPr>
               <a:buClr>
                 <a:srgbClr val="FF0000"/>
               </a:buClr>
             </a:pPr>
             <a:r>
-              <a:rPr lang="en-US" b="1" dirty="0">
+              <a:rPr lang="en-US" b="0" i="0" dirty="0">
                 <a:solidFill>
                   <a:srgbClr val="212121"/>
                 </a:solidFill>
-              </a:rPr>
-              <a:t>Privacy Metric</a:t>
+                <a:effectLst/>
+              </a:rPr>
+              <a:t>The </a:t>
             </a:r>
             <a:r>
               <a:rPr lang="en-US" b="1" i="0" dirty="0">
@@ -12995,7 +13355,7 @@
                 </a:solidFill>
                 <a:effectLst/>
               </a:rPr>
-              <a:t>:</a:t>
+              <a:t>metrics</a:t>
             </a:r>
             <a:r>
               <a:rPr lang="en-US" b="0" i="0" dirty="0">
@@ -13004,204 +13364,90 @@
                 </a:solidFill>
                 <a:effectLst/>
               </a:rPr>
-              <a:t> In this kind of metric we merge the Original Dataset and the Synthetic Datase</a:t>
-            </a:r>
-            <a:r>
-              <a:rPr lang="en-US" dirty="0">
+              <a:t> of this family compare the tables by fitting the real data to a probabilistic model and afterwards compute the likelihood of the synthetic data belonging to the </a:t>
+            </a:r>
+            <a:r>
+              <a:rPr lang="en-US" b="0" i="0" dirty="0" smtClean="0">
                 <a:solidFill>
                   <a:srgbClr val="212121"/>
                 </a:solidFill>
-              </a:rPr>
-              <a:t>t doing and Inner Join over 1 or 2 columns. And we get the list of rows merged. After this step, we search for all the matches between the Original Dataset and the Synthetic Dataset over 1 other column. These matches will be depicted on a bar plot via histogram. The idea behind this Privacy Metric is looking for </a:t>
-            </a:r>
-            <a:r>
-              <a:rPr lang="en-US" b="1" dirty="0">
-                <a:solidFill>
-                  <a:srgbClr val="212121"/>
-                </a:solidFill>
-              </a:rPr>
-              <a:t>“values” </a:t>
-            </a:r>
-            <a:r>
-              <a:rPr lang="en-US" dirty="0">
-                <a:solidFill>
-                  <a:srgbClr val="212121"/>
-                </a:solidFill>
-              </a:rPr>
-              <a:t>within the Synthetic Dataset which are also within the Original Dataset. If there are many of these values, this means that the GAN model is not able to generate a Synthetic Dataset similar to the Original one, but preserving all the values within the Original Dataset, and so preserving its privacy. </a:t>
-            </a:r>
-            <a:endParaRPr lang="en-US" b="1" dirty="0">
-              <a:solidFill>
-                <a:srgbClr val="212121"/>
-              </a:solidFill>
-            </a:endParaRPr>
-          </a:p>
-          <a:p>
-            <a:pPr algn="l">
+                <a:effectLst/>
+              </a:rPr>
+              <a:t>learned distribution.</a:t>
+            </a:r>
+          </a:p>
+          <a:p>
+            <a:pPr>
               <a:buClr>
                 <a:srgbClr val="FF0000"/>
               </a:buClr>
             </a:pPr>
             <a:r>
-              <a:rPr lang="en-US" dirty="0" smtClean="0">
+              <a:rPr lang="en-US" b="1" i="0" dirty="0" err="1">
                 <a:solidFill>
                   <a:srgbClr val="212121"/>
                 </a:solidFill>
-              </a:rPr>
-              <a:t>We </a:t>
-            </a:r>
-            <a:r>
-              <a:rPr lang="en-US" dirty="0">
+                <a:effectLst/>
+              </a:rPr>
+              <a:t>sdv.metrics.tabular.BNLikelihood</a:t>
+            </a:r>
+            <a:r>
+              <a:rPr lang="en-US" b="1" i="0" dirty="0">
                 <a:solidFill>
                   <a:srgbClr val="212121"/>
                 </a:solidFill>
-              </a:rPr>
-              <a:t>performed </a:t>
-            </a:r>
-            <a:r>
-              <a:rPr lang="en-US" b="1" dirty="0">
+                <a:effectLst/>
+              </a:rPr>
+              <a:t>:</a:t>
+            </a:r>
+            <a:r>
+              <a:rPr lang="en-US" b="0" i="0" dirty="0">
                 <a:solidFill>
                   <a:srgbClr val="212121"/>
                 </a:solidFill>
-              </a:rPr>
-              <a:t>2 Privacy Metrics Tests</a:t>
-            </a:r>
-            <a:r>
-              <a:rPr lang="en-US" dirty="0">
+                <a:effectLst/>
+              </a:rPr>
+              <a:t> This metric fits a </a:t>
+            </a:r>
+            <a:r>
+              <a:rPr lang="en-US" b="1" i="0" dirty="0">
                 <a:solidFill>
                   <a:srgbClr val="212121"/>
                 </a:solidFill>
-              </a:rPr>
-              <a:t>: In the </a:t>
-            </a:r>
-            <a:r>
-              <a:rPr lang="en-US" b="1" dirty="0">
+                <a:effectLst/>
+              </a:rPr>
+              <a:t>Bayesian</a:t>
+            </a:r>
+            <a:r>
+              <a:rPr lang="en-US" b="0" i="0" dirty="0">
                 <a:solidFill>
                   <a:srgbClr val="212121"/>
                 </a:solidFill>
-              </a:rPr>
-              <a:t>Privacy Metrics Test 1 </a:t>
-            </a:r>
-            <a:r>
-              <a:rPr lang="en-US" dirty="0">
+                <a:effectLst/>
+              </a:rPr>
+              <a:t> </a:t>
+            </a:r>
+            <a:r>
+              <a:rPr lang="en-US" b="1" i="0" dirty="0">
                 <a:solidFill>
                   <a:srgbClr val="212121"/>
                 </a:solidFill>
-              </a:rPr>
-              <a:t>we took the field </a:t>
-            </a:r>
-            <a:r>
-              <a:rPr lang="en-US" b="1" dirty="0">
+                <a:effectLst/>
+              </a:rPr>
+              <a:t>Network</a:t>
+            </a:r>
+            <a:r>
+              <a:rPr lang="en-US" b="0" i="0" dirty="0">
                 <a:solidFill>
                   <a:srgbClr val="212121"/>
                 </a:solidFill>
-              </a:rPr>
-              <a:t>ANTENNA_CODE </a:t>
-            </a:r>
-            <a:r>
-              <a:rPr lang="en-US" dirty="0">
-                <a:solidFill>
-                  <a:srgbClr val="212121"/>
-                </a:solidFill>
-              </a:rPr>
-              <a:t>as first field for the merge and </a:t>
-            </a:r>
-            <a:r>
-              <a:rPr lang="en-US" b="1" dirty="0">
-                <a:solidFill>
-                  <a:srgbClr val="212121"/>
-                </a:solidFill>
-              </a:rPr>
-              <a:t>SIM_COSE </a:t>
-            </a:r>
-            <a:r>
-              <a:rPr lang="en-US" dirty="0">
-                <a:solidFill>
-                  <a:srgbClr val="212121"/>
-                </a:solidFill>
-              </a:rPr>
-              <a:t>as second feature for the final match. </a:t>
-            </a:r>
-            <a:r>
-              <a:rPr lang="en-US" dirty="0" err="1" smtClean="0">
-                <a:solidFill>
-                  <a:srgbClr val="212121"/>
-                </a:solidFill>
-              </a:rPr>
-              <a:t>Viceversa</a:t>
-            </a:r>
-            <a:r>
-              <a:rPr lang="en-US" dirty="0" smtClean="0">
-                <a:solidFill>
-                  <a:srgbClr val="212121"/>
-                </a:solidFill>
-              </a:rPr>
-              <a:t>, </a:t>
-            </a:r>
-            <a:r>
-              <a:rPr lang="en-US" dirty="0">
-                <a:solidFill>
-                  <a:srgbClr val="212121"/>
-                </a:solidFill>
-              </a:rPr>
-              <a:t>in the </a:t>
-            </a:r>
-            <a:r>
-              <a:rPr lang="en-US" b="1" dirty="0">
-                <a:solidFill>
-                  <a:srgbClr val="212121"/>
-                </a:solidFill>
-              </a:rPr>
-              <a:t>Privacy Metrics Test 2 </a:t>
-            </a:r>
-            <a:r>
-              <a:rPr lang="en-US" dirty="0">
-                <a:solidFill>
-                  <a:srgbClr val="212121"/>
-                </a:solidFill>
-              </a:rPr>
-              <a:t>we chose </a:t>
-            </a:r>
-            <a:r>
-              <a:rPr lang="en-US" b="1" dirty="0">
-                <a:solidFill>
-                  <a:srgbClr val="212121"/>
-                </a:solidFill>
-              </a:rPr>
-              <a:t>SIM_COSE</a:t>
-            </a:r>
-            <a:r>
-              <a:rPr lang="en-US" dirty="0">
-                <a:solidFill>
-                  <a:srgbClr val="212121"/>
-                </a:solidFill>
-              </a:rPr>
-              <a:t> as first field and </a:t>
-            </a:r>
-            <a:r>
-              <a:rPr lang="en-US" b="1" dirty="0">
-                <a:solidFill>
-                  <a:srgbClr val="212121"/>
-                </a:solidFill>
-              </a:rPr>
-              <a:t>ANTENNA_CODE</a:t>
-            </a:r>
-            <a:r>
-              <a:rPr lang="en-US" dirty="0">
-                <a:solidFill>
-                  <a:srgbClr val="212121"/>
-                </a:solidFill>
-              </a:rPr>
-              <a:t> as second field. </a:t>
-            </a:r>
-            <a:endParaRPr lang="en-US" dirty="0" smtClean="0">
-              <a:solidFill>
-                <a:srgbClr val="212121"/>
-              </a:solidFill>
-            </a:endParaRPr>
-          </a:p>
-          <a:p>
-            <a:pPr algn="l">
+                <a:effectLst/>
+              </a:rPr>
+              <a:t> to the real data and then evaluates the average likelihood of the rows from the synthetic data on it.</a:t>
+            </a:r>
+          </a:p>
+          <a:p>
+            <a:pPr>
               <a:buClr>
                 <a:srgbClr val="FF0000"/>
               </a:buClr>
@@ -13212,9 +13458,8 @@
                   <a:srgbClr val="212121"/>
                 </a:solidFill>
                 <a:effectLst/>
-                <a:latin typeface="Roboto" panose="02000000000000000000" pitchFamily="2" charset="0"/>
-              </a:rPr>
-              <a:t>Aggregated </a:t>
+              </a:rPr>
+              <a:t>Bayesian </a:t>
             </a:r>
             <a:r>
               <a:rPr lang="en-US" b="1" i="0" dirty="0">
@@ -13222,110 +13467,48 @@
                   <a:srgbClr val="212121"/>
                 </a:solidFill>
                 <a:effectLst/>
-                <a:latin typeface="Roboto" panose="02000000000000000000" pitchFamily="2" charset="0"/>
-              </a:rPr>
-              <a:t>Privacy Metric (APM</a:t>
-            </a:r>
-            <a:r>
-              <a:rPr lang="en-US" i="0" dirty="0">
+              </a:rPr>
+              <a:t>Networks Likelihood </a:t>
+            </a:r>
+            <a:r>
+              <a:rPr lang="en-US" b="0" i="0" dirty="0">
                 <a:solidFill>
                   <a:srgbClr val="212121"/>
                 </a:solidFill>
                 <a:effectLst/>
-                <a:latin typeface="Roboto" panose="02000000000000000000" pitchFamily="2" charset="0"/>
-              </a:rPr>
-              <a:t>): </a:t>
-            </a:r>
-            <a:r>
-              <a:rPr lang="en-US" i="0" dirty="0">
+              </a:rPr>
+              <a:t>is the Error calculated on Synthetic data after fitting the model on Real Data. Very low error (likelihood) like </a:t>
+            </a:r>
+            <a:r>
+              <a:rPr lang="en-US" b="1" i="0" dirty="0">
                 <a:solidFill>
                   <a:srgbClr val="212121"/>
                 </a:solidFill>
                 <a:effectLst/>
               </a:rPr>
-              <a:t>Eventually, in order to have a final aggregate measure of privacy (</a:t>
-            </a:r>
-            <a:r>
-              <a:rPr lang="en-US" b="1" i="0" dirty="0">
+              <a:t>0.00013183</a:t>
+            </a:r>
+            <a:r>
+              <a:rPr lang="en-US" b="0" i="0" dirty="0">
                 <a:solidFill>
                   <a:srgbClr val="212121"/>
                 </a:solidFill>
                 <a:effectLst/>
               </a:rPr>
-              <a:t>APM</a:t>
-            </a:r>
-            <a:r>
-              <a:rPr lang="en-US" i="0" dirty="0">
-                <a:solidFill>
-                  <a:srgbClr val="212121"/>
-                </a:solidFill>
-                <a:effectLst/>
-              </a:rPr>
-              <a:t>) in the interval [0, 1] we calculated a normalized sum of all matches. More matches means less privacy, if 1 - (normalized sum) is equal to 1 means high privacy, 0 means low privacy. In our first test we achieved a value close to </a:t>
-            </a:r>
-            <a:r>
-              <a:rPr lang="en-US" b="1" i="0" dirty="0">
-                <a:solidFill>
-                  <a:srgbClr val="212121"/>
-                </a:solidFill>
-                <a:effectLst/>
-              </a:rPr>
-              <a:t>0.9876543209876543</a:t>
-            </a:r>
-            <a:r>
-              <a:rPr lang="en-US" i="0" dirty="0">
-                <a:solidFill>
-                  <a:srgbClr val="212121"/>
-                </a:solidFill>
-                <a:effectLst/>
-              </a:rPr>
-              <a:t>, which means very high privacy. In the second test we achieved </a:t>
-            </a:r>
-            <a:r>
-              <a:rPr lang="en-US" b="1" i="0" dirty="0">
-                <a:solidFill>
-                  <a:srgbClr val="212121"/>
-                </a:solidFill>
-                <a:effectLst/>
-              </a:rPr>
-              <a:t>1.0</a:t>
-            </a:r>
-            <a:r>
-              <a:rPr lang="en-US" i="0" dirty="0">
-                <a:solidFill>
-                  <a:srgbClr val="212121"/>
-                </a:solidFill>
-                <a:effectLst/>
-              </a:rPr>
-              <a:t> as aggregated value which means maximum privacy. The formula we adopted is reported in the next slide with all the results. </a:t>
-            </a:r>
-            <a:endParaRPr lang="it-IT" dirty="0">
-              <a:solidFill>
-                <a:srgbClr val="212121"/>
-              </a:solidFill>
-            </a:endParaRPr>
-          </a:p>
-          <a:p>
-            <a:pPr algn="l">
-              <a:buClr>
-                <a:schemeClr val="tx1"/>
-              </a:buClr>
-              <a:buFont typeface="Arial" panose="020B0604020202020204" pitchFamily="34" charset="0"/>
-              <a:buChar char="•"/>
-            </a:pPr>
-            <a:endParaRPr lang="en-US" b="0" i="0" dirty="0">
-              <a:solidFill>
-                <a:srgbClr val="212121"/>
-              </a:solidFill>
-              <a:effectLst/>
-              <a:latin typeface="Roboto" panose="02000000000000000000" pitchFamily="2" charset="0"/>
-            </a:endParaRPr>
+              <a:t> means the two datasets are very close in terms of probabilistic models.</a:t>
+            </a:r>
           </a:p>
           <a:p>
             <a:pPr marL="0" indent="0">
               <a:buNone/>
             </a:pPr>
-            <a:endParaRPr lang="it-IT" b="1" dirty="0"/>
+            <a:endParaRPr lang="en-US" dirty="0"/>
+          </a:p>
+          <a:p>
+            <a:pPr marL="0" indent="0">
+              <a:buNone/>
+            </a:pPr>
+            <a:endParaRPr lang="it-IT" dirty="0"/>
           </a:p>
         </p:txBody>
       </p:sp>
@@ -13341,8 +13524,8 @@
         </p:nvSpPr>
         <p:spPr>
           <a:xfrm>
-            <a:off x="461346" y="463247"/>
-            <a:ext cx="11269308" cy="384721"/>
+            <a:off x="107946" y="0"/>
+            <a:ext cx="12669589" cy="769441"/>
           </a:xfrm>
         </p:spPr>
         <p:txBody>
@@ -13351,7 +13534,7 @@
           <a:p>
             <a:r>
               <a:rPr lang="it-IT" dirty="0"/>
-              <a:t>Privacy </a:t>
+              <a:t>Utility </a:t>
             </a:r>
             <a:r>
               <a:rPr lang="it-IT" dirty="0" err="1"/>
@@ -13359,11 +13542,27 @@
             </a:r>
             <a:r>
               <a:rPr lang="it-IT" dirty="0"/>
-              <a:t> - Model Evaluation by Matching Common </a:t>
+              <a:t> - Model Evaluation via </a:t>
             </a:r>
             <a:r>
               <a:rPr lang="it-IT" dirty="0" err="1"/>
-              <a:t>Values</a:t>
+              <a:t>SDGym</a:t>
+            </a:r>
+            <a:r>
+              <a:rPr lang="it-IT" dirty="0"/>
+              <a:t> Tools: </a:t>
+            </a:r>
+            <a:r>
+              <a:rPr lang="it-IT" dirty="0" err="1"/>
+              <a:t>Likelihood</a:t>
+            </a:r>
+            <a:r>
+              <a:rPr lang="it-IT" dirty="0"/>
+              <a:t> </a:t>
+            </a:r>
+            <a:r>
+              <a:rPr lang="it-IT" dirty="0" err="1"/>
+              <a:t>Metrics</a:t>
             </a:r>
             <a:endParaRPr lang="it-IT" dirty="0"/>
           </a:p>
@@ -13388,42 +13587,9 @@
               <a:defRPr/>
             </a:pPr>
             <a:r>
-              <a:rPr lang="it-IT" sz="900" dirty="0" err="1"/>
-              <a:t>Telephony</a:t>
-            </a:r>
-            <a:r>
-              <a:rPr lang="it-IT" sz="900" dirty="0"/>
-              <a:t> </a:t>
-            </a:r>
-            <a:r>
-              <a:rPr lang="it-IT" sz="900" dirty="0" err="1"/>
-              <a:t>Synthetic</a:t>
-            </a:r>
-            <a:r>
-              <a:rPr lang="it-IT" sz="900" dirty="0"/>
-              <a:t> Data Generation </a:t>
-            </a:r>
-            <a:r>
-              <a:rPr lang="it-IT" dirty="0"/>
-              <a:t>via Generative </a:t>
-            </a:r>
-            <a:r>
-              <a:rPr lang="it-IT" dirty="0" err="1"/>
-              <a:t>Adversarial</a:t>
-            </a:r>
-            <a:r>
-              <a:rPr lang="it-IT" dirty="0"/>
-              <a:t> Networks | FRANCESCO PUGLIESE, Massimo De </a:t>
-            </a:r>
-            <a:r>
-              <a:rPr lang="it-IT" dirty="0" err="1"/>
-              <a:t>Cubellis</a:t>
-            </a:r>
-            <a:r>
-              <a:rPr lang="it-IT" dirty="0"/>
-              <a:t>, Roberta RADINI</a:t>
-            </a:r>
-            <a:endParaRPr lang="en-US" dirty="0"/>
+              <a:rPr lang="en-US" dirty="0"/>
+              <a:t>Generation of synthetic data from real MNO data through Neural Network</a:t>
+            </a:r>
           </a:p>
         </p:txBody>
       </p:sp>
@@ -13456,10 +13622,181 @@
           </a:p>
         </p:txBody>
       </p:sp>
+      <p:pic>
+        <p:nvPicPr>
+          <p:cNvPr id="7" name="Immagine 6">
+            <a:extLst>
+              <a:ext uri="{FF2B5EF4-FFF2-40B4-BE49-F238E27FC236}">
+                <a16:creationId xmlns:a16="http://schemas.microsoft.com/office/drawing/2014/main" id="{E38450EE-2CC0-C20F-02B5-A52B21CA94C8}"/>
+              </a:ext>
+            </a:extLst>
+          </p:cNvPr>
+          <p:cNvPicPr>
+            <a:picLocks noChangeAspect="1"/>
+          </p:cNvPicPr>
+          <p:nvPr/>
+        </p:nvPicPr>
+        <p:blipFill>
+          <a:blip r:embed="rId3"/>
+          <a:stretch>
+            <a:fillRect/>
+          </a:stretch>
+        </p:blipFill>
+        <p:spPr>
+          <a:xfrm>
+            <a:off x="1457452" y="3637052"/>
+            <a:ext cx="3058890" cy="2440080"/>
+          </a:xfrm>
+          <a:prstGeom prst="rect">
+            <a:avLst/>
+          </a:prstGeom>
+        </p:spPr>
+      </p:pic>
+      <p:sp>
+        <p:nvSpPr>
+          <p:cNvPr id="9" name="CasellaDiTesto 8">
+            <a:extLst>
+              <a:ext uri="{FF2B5EF4-FFF2-40B4-BE49-F238E27FC236}">
+                <a16:creationId xmlns:a16="http://schemas.microsoft.com/office/drawing/2014/main" id="{9F6A42CB-9F82-CE0B-0BF5-E6754DB9D7A7}"/>
+              </a:ext>
+            </a:extLst>
+          </p:cNvPr>
+          <p:cNvSpPr txBox="1"/>
+          <p:nvPr/>
+        </p:nvSpPr>
+        <p:spPr>
+          <a:xfrm>
+            <a:off x="6103549" y="3533667"/>
+            <a:ext cx="4358714" cy="2862322"/>
+          </a:xfrm>
+          <a:prstGeom prst="rect">
+            <a:avLst/>
+          </a:prstGeom>
+          <a:noFill/>
+        </p:spPr>
+        <p:txBody>
+          <a:bodyPr wrap="square">
+            <a:spAutoFit/>
+          </a:bodyPr>
+          <a:lstStyle/>
+          <a:p>
+            <a:pPr marL="285750" indent="-285750" algn="just">
+              <a:buClr>
+                <a:srgbClr val="FF0000"/>
+              </a:buClr>
+              <a:buFont typeface="Courier New" panose="02070309020205020404" pitchFamily="49" charset="0"/>
+              <a:buChar char="o"/>
+            </a:pPr>
+            <a:r>
+              <a:rPr lang="en-US" b="1" i="0" dirty="0" err="1">
+                <a:solidFill>
+                  <a:srgbClr val="212121"/>
+                </a:solidFill>
+                <a:effectLst/>
+                <a:latin typeface="Arial" panose="020B0604020202020204" pitchFamily="34" charset="0"/>
+                <a:cs typeface="Arial" panose="020B0604020202020204" pitchFamily="34" charset="0"/>
+              </a:rPr>
+              <a:t>sdv.metrics.tabular.BNLikelihood</a:t>
+            </a:r>
+            <a:r>
+              <a:rPr lang="en-US" b="1" i="0" dirty="0">
+                <a:solidFill>
+                  <a:srgbClr val="212121"/>
+                </a:solidFill>
+                <a:effectLst/>
+                <a:latin typeface="Arial" panose="020B0604020202020204" pitchFamily="34" charset="0"/>
+                <a:cs typeface="Arial" panose="020B0604020202020204" pitchFamily="34" charset="0"/>
+              </a:rPr>
+              <a:t>:</a:t>
+            </a:r>
+            <a:r>
+              <a:rPr lang="en-US" b="0" i="0" dirty="0">
+                <a:solidFill>
+                  <a:srgbClr val="212121"/>
+                </a:solidFill>
+                <a:effectLst/>
+                <a:latin typeface="Arial" panose="020B0604020202020204" pitchFamily="34" charset="0"/>
+                <a:cs typeface="Arial" panose="020B0604020202020204" pitchFamily="34" charset="0"/>
+              </a:rPr>
+              <a:t> This metric fits a </a:t>
+            </a:r>
+            <a:r>
+              <a:rPr lang="en-US" b="1" i="0" dirty="0">
+                <a:solidFill>
+                  <a:srgbClr val="212121"/>
+                </a:solidFill>
+                <a:effectLst/>
+                <a:latin typeface="Arial" panose="020B0604020202020204" pitchFamily="34" charset="0"/>
+                <a:cs typeface="Arial" panose="020B0604020202020204" pitchFamily="34" charset="0"/>
+              </a:rPr>
+              <a:t>Bayesian</a:t>
+            </a:r>
+            <a:r>
+              <a:rPr lang="en-US" b="0" i="0" dirty="0">
+                <a:solidFill>
+                  <a:srgbClr val="212121"/>
+                </a:solidFill>
+                <a:effectLst/>
+                <a:latin typeface="Arial" panose="020B0604020202020204" pitchFamily="34" charset="0"/>
+                <a:cs typeface="Arial" panose="020B0604020202020204" pitchFamily="34" charset="0"/>
+              </a:rPr>
+              <a:t> </a:t>
+            </a:r>
+            <a:r>
+              <a:rPr lang="en-US" b="1" i="0" dirty="0">
+                <a:solidFill>
+                  <a:srgbClr val="212121"/>
+                </a:solidFill>
+                <a:effectLst/>
+                <a:latin typeface="Arial" panose="020B0604020202020204" pitchFamily="34" charset="0"/>
+                <a:cs typeface="Arial" panose="020B0604020202020204" pitchFamily="34" charset="0"/>
+              </a:rPr>
+              <a:t>Network</a:t>
+            </a:r>
+            <a:r>
+              <a:rPr lang="en-US" b="0" i="0" dirty="0">
+                <a:solidFill>
+                  <a:srgbClr val="212121"/>
+                </a:solidFill>
+                <a:effectLst/>
+                <a:latin typeface="Arial" panose="020B0604020202020204" pitchFamily="34" charset="0"/>
+                <a:cs typeface="Arial" panose="020B0604020202020204" pitchFamily="34" charset="0"/>
+              </a:rPr>
+              <a:t> to the real data and then evaluates the average likelihood of the rows from the synthetic data on it. With very low error (close to 0) according to the Log function, the output value must be negative, therefore a score like this one: </a:t>
+            </a:r>
+            <a:r>
+              <a:rPr lang="en-US" b="1" i="0" dirty="0">
+                <a:solidFill>
+                  <a:srgbClr val="212121"/>
+                </a:solidFill>
+                <a:effectLst/>
+                <a:latin typeface="Arial" panose="020B0604020202020204" pitchFamily="34" charset="0"/>
+                <a:cs typeface="Arial" panose="020B0604020202020204" pitchFamily="34" charset="0"/>
+              </a:rPr>
+              <a:t>-17.415473543655498</a:t>
+            </a:r>
+            <a:r>
+              <a:rPr lang="en-US" b="0" i="0" dirty="0">
+                <a:solidFill>
+                  <a:srgbClr val="212121"/>
+                </a:solidFill>
+                <a:effectLst/>
+                <a:latin typeface="Arial" panose="020B0604020202020204" pitchFamily="34" charset="0"/>
+                <a:cs typeface="Arial" panose="020B0604020202020204" pitchFamily="34" charset="0"/>
+              </a:rPr>
+              <a:t>, it is a very good result.</a:t>
+            </a:r>
+            <a:endParaRPr lang="it-IT" dirty="0">
+              <a:latin typeface="Arial" panose="020B0604020202020204" pitchFamily="34" charset="0"/>
+              <a:cs typeface="Arial" panose="020B0604020202020204" pitchFamily="34" charset="0"/>
+            </a:endParaRPr>
+          </a:p>
+        </p:txBody>
+      </p:sp>
     </p:spTree>
     <p:extLst>
       <p:ext uri="{BB962C8B-B14F-4D97-AF65-F5344CB8AC3E}">
-        <p14:creationId xmlns:p14="http://schemas.microsoft.com/office/powerpoint/2010/main" val="393092607"/>
+        <p14:creationId xmlns:p14="http://schemas.microsoft.com/office/powerpoint/2010/main" val="3423023705"/>
       </p:ext>
     </p:extLst>
   </p:cSld>
@@ -13488,6 +13825,368 @@
       </p:grpSpPr>
       <p:sp>
         <p:nvSpPr>
+          <p:cNvPr id="2" name="Segnaposto testo 1"/>
+          <p:cNvSpPr>
+            <a:spLocks noGrp="1"/>
+          </p:cNvSpPr>
+          <p:nvPr>
+            <p:ph type="body" idx="1"/>
+          </p:nvPr>
+        </p:nvSpPr>
+        <p:spPr>
+          <a:xfrm>
+            <a:off x="474201" y="1277420"/>
+            <a:ext cx="11264002" cy="5117333"/>
+          </a:xfrm>
+        </p:spPr>
+        <p:txBody>
+          <a:bodyPr/>
+          <a:lstStyle/>
+          <a:p>
+            <a:pPr algn="l">
+              <a:buClr>
+                <a:srgbClr val="FF0000"/>
+              </a:buClr>
+            </a:pPr>
+            <a:r>
+              <a:rPr lang="en-US" b="1" dirty="0">
+                <a:solidFill>
+                  <a:srgbClr val="212121"/>
+                </a:solidFill>
+              </a:rPr>
+              <a:t>Privacy Metric</a:t>
+            </a:r>
+            <a:r>
+              <a:rPr lang="en-US" b="1" i="0" dirty="0">
+                <a:solidFill>
+                  <a:srgbClr val="212121"/>
+                </a:solidFill>
+                <a:effectLst/>
+              </a:rPr>
+              <a:t>:</a:t>
+            </a:r>
+            <a:r>
+              <a:rPr lang="en-US" b="0" i="0" dirty="0">
+                <a:solidFill>
+                  <a:srgbClr val="212121"/>
+                </a:solidFill>
+                <a:effectLst/>
+              </a:rPr>
+              <a:t> In this kind of metric we merge the Original Dataset and the Synthetic Datase</a:t>
+            </a:r>
+            <a:r>
+              <a:rPr lang="en-US" dirty="0">
+                <a:solidFill>
+                  <a:srgbClr val="212121"/>
+                </a:solidFill>
+              </a:rPr>
+              <a:t>t doing and Inner Join over 1 or 2 columns. And we get the list of rows merged. After this step, we search for all the matches between the Original Dataset and the Synthetic Dataset over 1 other column. These matches will be depicted on a bar plot via histogram. The idea behind this Privacy Metric is looking for </a:t>
+            </a:r>
+            <a:r>
+              <a:rPr lang="en-US" b="1" dirty="0">
+                <a:solidFill>
+                  <a:srgbClr val="212121"/>
+                </a:solidFill>
+              </a:rPr>
+              <a:t>“values” </a:t>
+            </a:r>
+            <a:r>
+              <a:rPr lang="en-US" dirty="0">
+                <a:solidFill>
+                  <a:srgbClr val="212121"/>
+                </a:solidFill>
+              </a:rPr>
+              <a:t>within the Synthetic Dataset which are also within the Original Dataset. If there are many of these values, this means that the GAN model is not able to generate a Synthetic Dataset similar to the Original one, but preserving all the values within the Original Dataset, and so preserving its privacy. </a:t>
+            </a:r>
+            <a:endParaRPr lang="en-US" b="1" dirty="0">
+              <a:solidFill>
+                <a:srgbClr val="212121"/>
+              </a:solidFill>
+            </a:endParaRPr>
+          </a:p>
+          <a:p>
+            <a:pPr algn="l">
+              <a:buClr>
+                <a:srgbClr val="FF0000"/>
+              </a:buClr>
+            </a:pPr>
+            <a:r>
+              <a:rPr lang="en-US" dirty="0" smtClean="0">
+                <a:solidFill>
+                  <a:srgbClr val="212121"/>
+                </a:solidFill>
+              </a:rPr>
+              <a:t>We </a:t>
+            </a:r>
+            <a:r>
+              <a:rPr lang="en-US" dirty="0">
+                <a:solidFill>
+                  <a:srgbClr val="212121"/>
+                </a:solidFill>
+              </a:rPr>
+              <a:t>performed </a:t>
+            </a:r>
+            <a:r>
+              <a:rPr lang="en-US" b="1" dirty="0">
+                <a:solidFill>
+                  <a:srgbClr val="212121"/>
+                </a:solidFill>
+              </a:rPr>
+              <a:t>2 Privacy Metrics Tests</a:t>
+            </a:r>
+            <a:r>
+              <a:rPr lang="en-US" dirty="0">
+                <a:solidFill>
+                  <a:srgbClr val="212121"/>
+                </a:solidFill>
+              </a:rPr>
+              <a:t>: In the </a:t>
+            </a:r>
+            <a:r>
+              <a:rPr lang="en-US" b="1" dirty="0">
+                <a:solidFill>
+                  <a:srgbClr val="212121"/>
+                </a:solidFill>
+              </a:rPr>
+              <a:t>Privacy Metrics Test 1 </a:t>
+            </a:r>
+            <a:r>
+              <a:rPr lang="en-US" dirty="0">
+                <a:solidFill>
+                  <a:srgbClr val="212121"/>
+                </a:solidFill>
+              </a:rPr>
+              <a:t>we took the field </a:t>
+            </a:r>
+            <a:r>
+              <a:rPr lang="en-US" b="1" dirty="0">
+                <a:solidFill>
+                  <a:srgbClr val="212121"/>
+                </a:solidFill>
+              </a:rPr>
+              <a:t>ANTENNA_CODE </a:t>
+            </a:r>
+            <a:r>
+              <a:rPr lang="en-US" dirty="0">
+                <a:solidFill>
+                  <a:srgbClr val="212121"/>
+                </a:solidFill>
+              </a:rPr>
+              <a:t>as first field for the merge and </a:t>
+            </a:r>
+            <a:r>
+              <a:rPr lang="en-US" b="1" dirty="0">
+                <a:solidFill>
+                  <a:srgbClr val="212121"/>
+                </a:solidFill>
+              </a:rPr>
+              <a:t>SIM_COSE </a:t>
+            </a:r>
+            <a:r>
+              <a:rPr lang="en-US" dirty="0">
+                <a:solidFill>
+                  <a:srgbClr val="212121"/>
+                </a:solidFill>
+              </a:rPr>
+              <a:t>as second feature for the final match. </a:t>
+            </a:r>
+            <a:r>
+              <a:rPr lang="en-US" dirty="0" err="1" smtClean="0">
+                <a:solidFill>
+                  <a:srgbClr val="212121"/>
+                </a:solidFill>
+              </a:rPr>
+              <a:t>Viceversa</a:t>
+            </a:r>
+            <a:r>
+              <a:rPr lang="en-US" dirty="0" smtClean="0">
+                <a:solidFill>
+                  <a:srgbClr val="212121"/>
+                </a:solidFill>
+              </a:rPr>
+              <a:t>, </a:t>
+            </a:r>
+            <a:r>
+              <a:rPr lang="en-US" dirty="0">
+                <a:solidFill>
+                  <a:srgbClr val="212121"/>
+                </a:solidFill>
+              </a:rPr>
+              <a:t>in the </a:t>
+            </a:r>
+            <a:r>
+              <a:rPr lang="en-US" b="1" dirty="0">
+                <a:solidFill>
+                  <a:srgbClr val="212121"/>
+                </a:solidFill>
+              </a:rPr>
+              <a:t>Privacy Metrics Test 2 </a:t>
+            </a:r>
+            <a:r>
+              <a:rPr lang="en-US" dirty="0">
+                <a:solidFill>
+                  <a:srgbClr val="212121"/>
+                </a:solidFill>
+              </a:rPr>
+              <a:t>we chose </a:t>
+            </a:r>
+            <a:r>
+              <a:rPr lang="en-US" b="1" dirty="0">
+                <a:solidFill>
+                  <a:srgbClr val="212121"/>
+                </a:solidFill>
+              </a:rPr>
+              <a:t>SIM_COSE</a:t>
+            </a:r>
+            <a:r>
+              <a:rPr lang="en-US" dirty="0">
+                <a:solidFill>
+                  <a:srgbClr val="212121"/>
+                </a:solidFill>
+              </a:rPr>
+              <a:t> as first field and </a:t>
+            </a:r>
+            <a:r>
+              <a:rPr lang="en-US" b="1" dirty="0">
+                <a:solidFill>
+                  <a:srgbClr val="212121"/>
+                </a:solidFill>
+              </a:rPr>
+              <a:t>ANTENNA_CODE</a:t>
+            </a:r>
+            <a:r>
+              <a:rPr lang="en-US" dirty="0">
+                <a:solidFill>
+                  <a:srgbClr val="212121"/>
+                </a:solidFill>
+              </a:rPr>
+              <a:t> as second field. </a:t>
+            </a:r>
+            <a:endParaRPr lang="en-US" dirty="0" smtClean="0">
+              <a:solidFill>
+                <a:srgbClr val="212121"/>
+              </a:solidFill>
+            </a:endParaRPr>
+          </a:p>
+          <a:p>
+            <a:pPr algn="l">
+              <a:buClr>
+                <a:srgbClr val="FF0000"/>
+              </a:buClr>
+            </a:pPr>
+            <a:r>
+              <a:rPr lang="en-US" b="1" i="0" dirty="0" smtClean="0">
+                <a:solidFill>
+                  <a:srgbClr val="212121"/>
+                </a:solidFill>
+                <a:effectLst/>
+              </a:rPr>
+              <a:t>Aggregated </a:t>
+            </a:r>
+            <a:r>
+              <a:rPr lang="en-US" b="1" i="0" dirty="0">
+                <a:solidFill>
+                  <a:srgbClr val="212121"/>
+                </a:solidFill>
+                <a:effectLst/>
+              </a:rPr>
+              <a:t>Privacy Metric (APM</a:t>
+            </a:r>
+            <a:r>
+              <a:rPr lang="en-US" i="0" dirty="0">
+                <a:solidFill>
+                  <a:srgbClr val="212121"/>
+                </a:solidFill>
+                <a:effectLst/>
+              </a:rPr>
+              <a:t>): Eventually, in order to have a final aggregate measure of privacy (</a:t>
+            </a:r>
+            <a:r>
+              <a:rPr lang="en-US" b="1" i="0" dirty="0">
+                <a:solidFill>
+                  <a:srgbClr val="212121"/>
+                </a:solidFill>
+                <a:effectLst/>
+              </a:rPr>
+              <a:t>APM</a:t>
+            </a:r>
+            <a:r>
+              <a:rPr lang="en-US" i="0" dirty="0">
+                <a:solidFill>
+                  <a:srgbClr val="212121"/>
+                </a:solidFill>
+                <a:effectLst/>
+              </a:rPr>
+              <a:t>) in the interval [0, 1] we calculated a normalized sum of all matches. More matches means less privacy, if 1 - (normalized sum) is equal to 1 means high privacy, 0 means low privacy. In our first test we achieved a value close to </a:t>
+            </a:r>
+            <a:r>
+              <a:rPr lang="en-US" b="1" i="0" dirty="0">
+                <a:solidFill>
+                  <a:srgbClr val="212121"/>
+                </a:solidFill>
+                <a:effectLst/>
+              </a:rPr>
+              <a:t>0.9876543209876543</a:t>
+            </a:r>
+            <a:r>
+              <a:rPr lang="en-US" i="0" dirty="0">
+                <a:solidFill>
+                  <a:srgbClr val="212121"/>
+                </a:solidFill>
+                <a:effectLst/>
+              </a:rPr>
+              <a:t>, which means very high privacy. In the second test we achieved </a:t>
+            </a:r>
+            <a:r>
+              <a:rPr lang="en-US" b="1" i="0" dirty="0">
+                <a:solidFill>
+                  <a:srgbClr val="212121"/>
+                </a:solidFill>
+                <a:effectLst/>
+              </a:rPr>
+              <a:t>1.0</a:t>
+            </a:r>
+            <a:r>
+              <a:rPr lang="en-US" i="0" dirty="0">
+                <a:solidFill>
+                  <a:srgbClr val="212121"/>
+                </a:solidFill>
+                <a:effectLst/>
+              </a:rPr>
+              <a:t> as aggregated value which means maximum privacy. The formula we adopted is reported in the next slide with all the results. </a:t>
+            </a:r>
+            <a:endParaRPr lang="it-IT" dirty="0">
+              <a:solidFill>
+                <a:srgbClr val="212121"/>
+              </a:solidFill>
+            </a:endParaRPr>
+          </a:p>
+          <a:p>
+            <a:pPr algn="l">
+              <a:buClr>
+                <a:schemeClr val="tx1"/>
+              </a:buClr>
+              <a:buFont typeface="Arial" panose="020B0604020202020204" pitchFamily="34" charset="0"/>
+              <a:buChar char="•"/>
+            </a:pPr>
+            <a:endParaRPr lang="en-US" b="0" i="0" dirty="0">
+              <a:solidFill>
+                <a:srgbClr val="212121"/>
+              </a:solidFill>
+              <a:effectLst/>
+              <a:latin typeface="Roboto" panose="02000000000000000000" pitchFamily="2" charset="0"/>
+            </a:endParaRPr>
+          </a:p>
+          <a:p>
+            <a:pPr marL="0" indent="0">
+              <a:buNone/>
+            </a:pPr>
+            <a:endParaRPr lang="it-IT" b="1" dirty="0"/>
+          </a:p>
+        </p:txBody>
+      </p:sp>
+      <p:sp>
+        <p:nvSpPr>
           <p:cNvPr id="3" name="Titolo 2"/>
           <p:cNvSpPr>
             <a:spLocks noGrp="1"/>
@@ -13498,8 +14197,8 @@
         </p:nvSpPr>
         <p:spPr>
           <a:xfrm>
-            <a:off x="694610" y="471547"/>
-            <a:ext cx="11008759" cy="384721"/>
+            <a:off x="461346" y="463247"/>
+            <a:ext cx="11269308" cy="384721"/>
           </a:xfrm>
         </p:spPr>
         <p:txBody>
@@ -13545,9 +14244,42 @@
               <a:defRPr/>
             </a:pPr>
             <a:r>
-              <a:rPr lang="en-US" dirty="0"/>
-              <a:t>Generation of synthetic data from real MNO data through Neural Network</a:t>
-            </a:r>
+              <a:rPr lang="it-IT" sz="900" dirty="0" err="1"/>
+              <a:t>Telephony</a:t>
+            </a:r>
+            <a:r>
+              <a:rPr lang="it-IT" sz="900" dirty="0"/>
+              <a:t> </a:t>
+            </a:r>
+            <a:r>
+              <a:rPr lang="it-IT" sz="900" dirty="0" err="1"/>
+              <a:t>Synthetic</a:t>
+            </a:r>
+            <a:r>
+              <a:rPr lang="it-IT" sz="900" dirty="0"/>
+              <a:t> Data Generation </a:t>
+            </a:r>
+            <a:r>
+              <a:rPr lang="it-IT" dirty="0"/>
+              <a:t>via Generative </a:t>
+            </a:r>
+            <a:r>
+              <a:rPr lang="it-IT" dirty="0" err="1"/>
+              <a:t>Adversarial</a:t>
+            </a:r>
+            <a:r>
+              <a:rPr lang="it-IT" dirty="0"/>
+              <a:t> Networks | FRANCESCO PUGLIESE, Massimo De </a:t>
+            </a:r>
+            <a:r>
+              <a:rPr lang="it-IT" dirty="0" err="1"/>
+              <a:t>Cubellis</a:t>
+            </a:r>
+            <a:r>
+              <a:rPr lang="it-IT" dirty="0"/>
+              <a:t>, Roberta RADINI</a:t>
+            </a:r>
+            <a:endParaRPr lang="en-US" dirty="0"/>
           </a:p>
         </p:txBody>
       </p:sp>
@@ -13575,6 +14307,130 @@
                 <a:defRPr/>
               </a:pPr>
               <a:t>18</a:t>
+            </a:fld>
+            <a:endParaRPr lang="en-US" dirty="0"/>
+          </a:p>
+        </p:txBody>
+      </p:sp>
+    </p:spTree>
+    <p:extLst>
+      <p:ext uri="{BB962C8B-B14F-4D97-AF65-F5344CB8AC3E}">
+        <p14:creationId xmlns:p14="http://schemas.microsoft.com/office/powerpoint/2010/main" val="393092607"/>
+      </p:ext>
+    </p:extLst>
+  </p:cSld>
+  <p:clrMapOvr>
+    <a:masterClrMapping/>
+  </p:clrMapOvr>
+</p:sld>
+</file>
+
+<file path=ppt/slides/slide19.xml><?xml version="1.0" encoding="utf-8"?>
+<p:sld xmlns:a="http://schemas.openxmlformats.org/drawingml/2006/main" xmlns:r="http://schemas.openxmlformats.org/officeDocument/2006/relationships" xmlns:p="http://schemas.openxmlformats.org/presentationml/2006/main">
+  <p:cSld>
+    <p:spTree>
+      <p:nvGrpSpPr>
+        <p:cNvPr id="1" name=""/>
+        <p:cNvGrpSpPr/>
+        <p:nvPr/>
+      </p:nvGrpSpPr>
+      <p:grpSpPr>
+        <a:xfrm>
+          <a:off x="0" y="0"/>
+          <a:ext cx="0" cy="0"/>
+          <a:chOff x="0" y="0"/>
+          <a:chExt cx="0" cy="0"/>
+        </a:xfrm>
+      </p:grpSpPr>
+      <p:sp>
+        <p:nvSpPr>
+          <p:cNvPr id="3" name="Titolo 2"/>
+          <p:cNvSpPr>
+            <a:spLocks noGrp="1"/>
+          </p:cNvSpPr>
+          <p:nvPr>
+            <p:ph type="title"/>
+          </p:nvPr>
+        </p:nvSpPr>
+        <p:spPr>
+          <a:xfrm>
+            <a:off x="694610" y="471547"/>
+            <a:ext cx="11008759" cy="384721"/>
+          </a:xfrm>
+        </p:spPr>
+        <p:txBody>
+          <a:bodyPr/>
+          <a:lstStyle/>
+          <a:p>
+            <a:r>
+              <a:rPr lang="it-IT" dirty="0"/>
+              <a:t>Privacy </a:t>
+            </a:r>
+            <a:r>
+              <a:rPr lang="it-IT" dirty="0" err="1"/>
+              <a:t>Metrics</a:t>
+            </a:r>
+            <a:r>
+              <a:rPr lang="it-IT" dirty="0"/>
+              <a:t> - Model Evaluation by Matching Common </a:t>
+            </a:r>
+            <a:r>
+              <a:rPr lang="it-IT" dirty="0" err="1"/>
+              <a:t>Values</a:t>
+            </a:r>
+            <a:endParaRPr lang="it-IT" dirty="0"/>
+          </a:p>
+        </p:txBody>
+      </p:sp>
+      <p:sp>
+        <p:nvSpPr>
+          <p:cNvPr id="4" name="Segnaposto piè di pagina 3"/>
+          <p:cNvSpPr>
+            <a:spLocks noGrp="1"/>
+          </p:cNvSpPr>
+          <p:nvPr>
+            <p:ph type="ftr" sz="quarter" idx="10"/>
+          </p:nvPr>
+        </p:nvSpPr>
+        <p:spPr/>
+        <p:txBody>
+          <a:bodyPr/>
+          <a:lstStyle/>
+          <a:p>
+            <a:pPr>
+              <a:defRPr/>
+            </a:pPr>
+            <a:r>
+              <a:rPr lang="en-US" dirty="0"/>
+              <a:t>Generation of synthetic data from real MNO data through Neural Network</a:t>
+            </a:r>
+          </a:p>
+        </p:txBody>
+      </p:sp>
+      <p:sp>
+        <p:nvSpPr>
+          <p:cNvPr id="5" name="Segnaposto numero diapositiva 4"/>
+          <p:cNvSpPr>
+            <a:spLocks noGrp="1"/>
+          </p:cNvSpPr>
+          <p:nvPr>
+            <p:ph type="sldNum" sz="quarter" idx="11"/>
+          </p:nvPr>
+        </p:nvSpPr>
+        <p:spPr/>
+        <p:txBody>
+          <a:bodyPr/>
+          <a:lstStyle/>
+          <a:p>
+            <a:pPr>
+              <a:defRPr/>
+            </a:pPr>
+            <a:fld id="{48B4153A-D4C5-4CEF-8992-0D8815C829E3}" type="slidenum">
+              <a:rPr lang="en-US" smtClean="0"/>
+              <a:pPr>
+                <a:defRPr/>
+              </a:pPr>
+              <a:t>19</a:t>
             </a:fld>
             <a:endParaRPr lang="en-US" dirty="0"/>
           </a:p>
@@ -14344,122 +15200,6 @@
 </p:sld>
 </file>
 
-<file path=ppt/slides/slide19.xml><?xml version="1.0" encoding="utf-8"?>
-<p:sld xmlns:a="http://schemas.openxmlformats.org/drawingml/2006/main" xmlns:r="http://schemas.openxmlformats.org/officeDocument/2006/relationships" xmlns:p="http://schemas.openxmlformats.org/presentationml/2006/main">
-  <p:cSld>
-    <p:spTree>
-      <p:nvGrpSpPr>
-        <p:cNvPr id="1" name=""/>
-        <p:cNvGrpSpPr/>
-        <p:nvPr/>
-      </p:nvGrpSpPr>
-      <p:grpSpPr>
-        <a:xfrm>
-          <a:off x="0" y="0"/>
-          <a:ext cx="0" cy="0"/>
-          <a:chOff x="0" y="0"/>
-          <a:chExt cx="0" cy="0"/>
-        </a:xfrm>
-      </p:grpSpPr>
-      <p:sp>
-        <p:nvSpPr>
-          <p:cNvPr id="3" name="Titolo 2"/>
-          <p:cNvSpPr>
-            <a:spLocks noGrp="1"/>
-          </p:cNvSpPr>
-          <p:nvPr>
-            <p:ph type="title"/>
-          </p:nvPr>
-        </p:nvSpPr>
-        <p:spPr>
-          <a:xfrm>
-            <a:off x="461346" y="463247"/>
-            <a:ext cx="11269308" cy="384721"/>
-          </a:xfrm>
-        </p:spPr>
-        <p:txBody>
-          <a:bodyPr/>
-          <a:lstStyle/>
-          <a:p>
-            <a:r>
-              <a:rPr lang="it-IT" dirty="0" err="1"/>
-              <a:t>References</a:t>
-            </a:r>
-            <a:endParaRPr lang="it-IT" dirty="0"/>
-          </a:p>
-        </p:txBody>
-      </p:sp>
-      <p:sp>
-        <p:nvSpPr>
-          <p:cNvPr id="4" name="Segnaposto piè di pagina 3"/>
-          <p:cNvSpPr>
-            <a:spLocks noGrp="1"/>
-          </p:cNvSpPr>
-          <p:nvPr>
-            <p:ph type="ftr" sz="quarter" idx="10"/>
-          </p:nvPr>
-        </p:nvSpPr>
-        <p:spPr/>
-        <p:txBody>
-          <a:bodyPr/>
-          <a:lstStyle/>
-          <a:p>
-            <a:pPr>
-              <a:defRPr/>
-            </a:pPr>
-            <a:r>
-              <a:rPr lang="it-IT" sz="900" dirty="0" err="1"/>
-              <a:t>Telephony</a:t>
-            </a:r>
-            <a:r>
-              <a:rPr lang="it-IT" sz="900" dirty="0"/>
-              <a:t> </a:t>
-            </a:r>
-            <a:r>
-              <a:rPr lang="it-IT" sz="900" dirty="0" err="1"/>
-              <a:t>Synthetic</a:t>
-            </a:r>
-            <a:r>
-              <a:rPr lang="it-IT" sz="900" dirty="0"/>
-              <a:t> Data Generation </a:t>
-            </a:r>
-            <a:r>
-              <a:rPr lang="it-IT" dirty="0"/>
-              <a:t>via Generative </a:t>
-            </a:r>
-            <a:r>
-              <a:rPr lang="it-IT" dirty="0" err="1"/>
-              <a:t>Adversarial</a:t>
-            </a:r>
-            <a:r>
-              <a:rPr lang="it-IT" dirty="0"/>
-              <a:t> Networks | FRANCESCO PUGLIESE, Massimo De </a:t>
-            </a:r>
-            <a:r>
-              <a:rPr lang="it-IT" dirty="0" err="1"/>
-              <a:t>Cubellis</a:t>
-            </a:r>
-            <a:r>
-              <a:rPr lang="it-IT" dirty="0"/>
-              <a:t>, Roberta RADINI</a:t>
-            </a:r>
-            <a:endParaRPr lang="en-US" dirty="0"/>
-          </a:p>
-        </p:txBody>
-      </p:sp>
-    </p:spTree>
-    <p:extLst>
-      <p:ext uri="{BB962C8B-B14F-4D97-AF65-F5344CB8AC3E}">
-        <p14:creationId xmlns:p14="http://schemas.microsoft.com/office/powerpoint/2010/main" val="3536052556"/>
-      </p:ext>
-    </p:extLst>
-  </p:cSld>
-  <p:clrMapOvr>
-    <a:masterClrMapping/>
-  </p:clrMapOvr>
-</p:sld>
-</file>
-
 <file path=ppt/slides/slide2.xml><?xml version="1.0" encoding="utf-8"?>
 <p:sld xmlns:a="http://schemas.openxmlformats.org/drawingml/2006/main" xmlns:r="http://schemas.openxmlformats.org/officeDocument/2006/relationships" xmlns:p="http://schemas.openxmlformats.org/presentationml/2006/main">
   <p:cSld>
@@ -14629,6 +15369,636 @@
 </file>
 
 <file path=ppt/slides/slide20.xml><?xml version="1.0" encoding="utf-8"?>
+<p:sld xmlns:a="http://schemas.openxmlformats.org/drawingml/2006/main" xmlns:r="http://schemas.openxmlformats.org/officeDocument/2006/relationships" xmlns:p="http://schemas.openxmlformats.org/presentationml/2006/main">
+  <p:cSld>
+    <p:spTree>
+      <p:nvGrpSpPr>
+        <p:cNvPr id="1" name=""/>
+        <p:cNvGrpSpPr/>
+        <p:nvPr/>
+      </p:nvGrpSpPr>
+      <p:grpSpPr>
+        <a:xfrm>
+          <a:off x="0" y="0"/>
+          <a:ext cx="0" cy="0"/>
+          <a:chOff x="0" y="0"/>
+          <a:chExt cx="0" cy="0"/>
+        </a:xfrm>
+      </p:grpSpPr>
+      <p:sp>
+        <p:nvSpPr>
+          <p:cNvPr id="3" name="Titolo 2"/>
+          <p:cNvSpPr>
+            <a:spLocks noGrp="1"/>
+          </p:cNvSpPr>
+          <p:nvPr>
+            <p:ph type="title"/>
+          </p:nvPr>
+        </p:nvSpPr>
+        <p:spPr>
+          <a:xfrm>
+            <a:off x="461346" y="463247"/>
+            <a:ext cx="11269308" cy="384721"/>
+          </a:xfrm>
+        </p:spPr>
+        <p:txBody>
+          <a:bodyPr/>
+          <a:lstStyle/>
+          <a:p>
+            <a:r>
+              <a:rPr lang="it-IT" dirty="0" err="1" smtClean="0"/>
+              <a:t>Considerations</a:t>
+            </a:r>
+            <a:r>
+              <a:rPr lang="it-IT" dirty="0" smtClean="0"/>
+              <a:t> and Future </a:t>
+            </a:r>
+            <a:r>
+              <a:rPr lang="it-IT" dirty="0" err="1" smtClean="0"/>
+              <a:t>Directions</a:t>
+            </a:r>
+            <a:endParaRPr lang="it-IT" dirty="0"/>
+          </a:p>
+        </p:txBody>
+      </p:sp>
+      <p:sp>
+        <p:nvSpPr>
+          <p:cNvPr id="4" name="Segnaposto piè di pagina 3"/>
+          <p:cNvSpPr>
+            <a:spLocks noGrp="1"/>
+          </p:cNvSpPr>
+          <p:nvPr>
+            <p:ph type="ftr" sz="quarter" idx="10"/>
+          </p:nvPr>
+        </p:nvSpPr>
+        <p:spPr/>
+        <p:txBody>
+          <a:bodyPr/>
+          <a:lstStyle/>
+          <a:p>
+            <a:pPr>
+              <a:defRPr/>
+            </a:pPr>
+            <a:r>
+              <a:rPr lang="it-IT" sz="900" dirty="0" err="1"/>
+              <a:t>Telephony</a:t>
+            </a:r>
+            <a:r>
+              <a:rPr lang="it-IT" sz="900" dirty="0"/>
+              <a:t> </a:t>
+            </a:r>
+            <a:r>
+              <a:rPr lang="it-IT" sz="900" dirty="0" err="1"/>
+              <a:t>Synthetic</a:t>
+            </a:r>
+            <a:r>
+              <a:rPr lang="it-IT" sz="900" dirty="0"/>
+              <a:t> Data Generation </a:t>
+            </a:r>
+            <a:r>
+              <a:rPr lang="it-IT" dirty="0"/>
+              <a:t>via Generative </a:t>
+            </a:r>
+            <a:r>
+              <a:rPr lang="it-IT" dirty="0" err="1"/>
+              <a:t>Adversarial</a:t>
+            </a:r>
+            <a:r>
+              <a:rPr lang="it-IT" dirty="0"/>
+              <a:t> Networks | FRANCESCO PUGLIESE, Massimo De </a:t>
+            </a:r>
+            <a:r>
+              <a:rPr lang="it-IT" dirty="0" err="1"/>
+              <a:t>Cubellis</a:t>
+            </a:r>
+            <a:r>
+              <a:rPr lang="it-IT" dirty="0"/>
+              <a:t>, Roberta RADINI</a:t>
+            </a:r>
+            <a:endParaRPr lang="en-US" dirty="0"/>
+          </a:p>
+        </p:txBody>
+      </p:sp>
+    </p:spTree>
+    <p:extLst>
+      <p:ext uri="{BB962C8B-B14F-4D97-AF65-F5344CB8AC3E}">
+        <p14:creationId xmlns:p14="http://schemas.microsoft.com/office/powerpoint/2010/main" val="2220560265"/>
+      </p:ext>
+    </p:extLst>
+  </p:cSld>
+  <p:clrMapOvr>
+    <a:masterClrMapping/>
+  </p:clrMapOvr>
+</p:sld>
+</file>
+
+<file path=ppt/slides/slide21.xml><?xml version="1.0" encoding="utf-8"?>
+<p:sld xmlns:a="http://schemas.openxmlformats.org/drawingml/2006/main" xmlns:r="http://schemas.openxmlformats.org/officeDocument/2006/relationships" xmlns:p="http://schemas.openxmlformats.org/presentationml/2006/main">
+  <p:cSld>
+    <p:spTree>
+      <p:nvGrpSpPr>
+        <p:cNvPr id="1" name=""/>
+        <p:cNvGrpSpPr/>
+        <p:nvPr/>
+      </p:nvGrpSpPr>
+      <p:grpSpPr>
+        <a:xfrm>
+          <a:off x="0" y="0"/>
+          <a:ext cx="0" cy="0"/>
+          <a:chOff x="0" y="0"/>
+          <a:chExt cx="0" cy="0"/>
+        </a:xfrm>
+      </p:grpSpPr>
+      <p:sp>
+        <p:nvSpPr>
+          <p:cNvPr id="3" name="Titolo 2"/>
+          <p:cNvSpPr>
+            <a:spLocks noGrp="1"/>
+          </p:cNvSpPr>
+          <p:nvPr>
+            <p:ph type="title"/>
+          </p:nvPr>
+        </p:nvSpPr>
+        <p:spPr>
+          <a:xfrm>
+            <a:off x="461346" y="463247"/>
+            <a:ext cx="11269308" cy="384721"/>
+          </a:xfrm>
+        </p:spPr>
+        <p:txBody>
+          <a:bodyPr/>
+          <a:lstStyle/>
+          <a:p>
+            <a:r>
+              <a:rPr lang="it-IT" dirty="0" err="1"/>
+              <a:t>References</a:t>
+            </a:r>
+            <a:endParaRPr lang="it-IT" dirty="0"/>
+          </a:p>
+        </p:txBody>
+      </p:sp>
+      <p:sp>
+        <p:nvSpPr>
+          <p:cNvPr id="4" name="Segnaposto piè di pagina 3"/>
+          <p:cNvSpPr>
+            <a:spLocks noGrp="1"/>
+          </p:cNvSpPr>
+          <p:nvPr>
+            <p:ph type="ftr" sz="quarter" idx="10"/>
+          </p:nvPr>
+        </p:nvSpPr>
+        <p:spPr/>
+        <p:txBody>
+          <a:bodyPr/>
+          <a:lstStyle/>
+          <a:p>
+            <a:pPr>
+              <a:defRPr/>
+            </a:pPr>
+            <a:r>
+              <a:rPr lang="it-IT" sz="900" dirty="0" err="1"/>
+              <a:t>Telephony</a:t>
+            </a:r>
+            <a:r>
+              <a:rPr lang="it-IT" sz="900" dirty="0"/>
+              <a:t> </a:t>
+            </a:r>
+            <a:r>
+              <a:rPr lang="it-IT" sz="900" dirty="0" err="1"/>
+              <a:t>Synthetic</a:t>
+            </a:r>
+            <a:r>
+              <a:rPr lang="it-IT" sz="900" dirty="0"/>
+              <a:t> Data Generation </a:t>
+            </a:r>
+            <a:r>
+              <a:rPr lang="it-IT" dirty="0"/>
+              <a:t>via Generative </a:t>
+            </a:r>
+            <a:r>
+              <a:rPr lang="it-IT" dirty="0" err="1"/>
+              <a:t>Adversarial</a:t>
+            </a:r>
+            <a:r>
+              <a:rPr lang="it-IT" dirty="0"/>
+              <a:t> Networks | FRANCESCO PUGLIESE, Massimo De </a:t>
+            </a:r>
+            <a:r>
+              <a:rPr lang="it-IT" dirty="0" err="1"/>
+              <a:t>Cubellis</a:t>
+            </a:r>
+            <a:r>
+              <a:rPr lang="it-IT" dirty="0"/>
+              <a:t>, Roberta RADINI</a:t>
+            </a:r>
+            <a:endParaRPr lang="en-US" dirty="0"/>
+          </a:p>
+        </p:txBody>
+      </p:sp>
+      <p:sp>
+        <p:nvSpPr>
+          <p:cNvPr id="5" name="Rettangolo 4"/>
+          <p:cNvSpPr/>
+          <p:nvPr/>
+        </p:nvSpPr>
+        <p:spPr>
+          <a:xfrm>
+            <a:off x="613812" y="1492072"/>
+            <a:ext cx="10715991" cy="5632311"/>
+          </a:xfrm>
+          <a:prstGeom prst="rect">
+            <a:avLst/>
+          </a:prstGeom>
+        </p:spPr>
+        <p:txBody>
+          <a:bodyPr wrap="square">
+            <a:spAutoFit/>
+          </a:bodyPr>
+          <a:lstStyle/>
+          <a:p>
+            <a:r>
+              <a:rPr lang="it-IT" dirty="0" err="1"/>
+              <a:t>Goodfellow</a:t>
+            </a:r>
+            <a:r>
+              <a:rPr lang="it-IT" dirty="0"/>
+              <a:t>, I., </a:t>
+            </a:r>
+            <a:r>
+              <a:rPr lang="it-IT" dirty="0" err="1"/>
+              <a:t>Pouget</a:t>
+            </a:r>
+            <a:r>
+              <a:rPr lang="it-IT" dirty="0"/>
+              <a:t>-Abadie, J., </a:t>
+            </a:r>
+            <a:r>
+              <a:rPr lang="it-IT" dirty="0" err="1"/>
+              <a:t>Mirza</a:t>
+            </a:r>
+            <a:r>
+              <a:rPr lang="it-IT" dirty="0"/>
+              <a:t>, M., </a:t>
+            </a:r>
+            <a:r>
+              <a:rPr lang="it-IT" dirty="0" err="1"/>
+              <a:t>Xu</a:t>
+            </a:r>
+            <a:r>
+              <a:rPr lang="it-IT" dirty="0"/>
+              <a:t>, B., </a:t>
+            </a:r>
+            <a:r>
+              <a:rPr lang="it-IT" dirty="0" err="1"/>
+              <a:t>Warde-Farley</a:t>
+            </a:r>
+            <a:r>
+              <a:rPr lang="it-IT" dirty="0"/>
+              <a:t>, D., </a:t>
+            </a:r>
+            <a:r>
+              <a:rPr lang="it-IT" dirty="0" err="1"/>
+              <a:t>Ozair</a:t>
+            </a:r>
+            <a:r>
+              <a:rPr lang="it-IT" dirty="0"/>
+              <a:t>, S., ... &amp; </a:t>
+            </a:r>
+            <a:r>
+              <a:rPr lang="it-IT" dirty="0" err="1"/>
+              <a:t>Bengio</a:t>
+            </a:r>
+            <a:r>
+              <a:rPr lang="it-IT" dirty="0"/>
+              <a:t>, Y. (2014). Generative </a:t>
+            </a:r>
+            <a:r>
+              <a:rPr lang="it-IT" dirty="0" err="1"/>
+              <a:t>adversarial</a:t>
+            </a:r>
+            <a:r>
+              <a:rPr lang="it-IT" dirty="0"/>
+              <a:t> </a:t>
+            </a:r>
+            <a:r>
+              <a:rPr lang="it-IT" dirty="0" err="1"/>
+              <a:t>nets</a:t>
+            </a:r>
+            <a:r>
+              <a:rPr lang="it-IT" dirty="0"/>
+              <a:t>. </a:t>
+            </a:r>
+            <a:r>
+              <a:rPr lang="it-IT" i="1" dirty="0" err="1"/>
+              <a:t>Advances</a:t>
+            </a:r>
+            <a:r>
+              <a:rPr lang="it-IT" i="1" dirty="0"/>
+              <a:t> in </a:t>
+            </a:r>
+            <a:r>
+              <a:rPr lang="it-IT" i="1" dirty="0" err="1"/>
+              <a:t>neural</a:t>
+            </a:r>
+            <a:r>
+              <a:rPr lang="it-IT" i="1" dirty="0"/>
+              <a:t> information processing </a:t>
+            </a:r>
+            <a:r>
+              <a:rPr lang="it-IT" i="1" dirty="0" err="1"/>
+              <a:t>systems</a:t>
+            </a:r>
+            <a:r>
+              <a:rPr lang="it-IT" dirty="0"/>
+              <a:t>, </a:t>
+            </a:r>
+            <a:r>
+              <a:rPr lang="it-IT" i="1" dirty="0"/>
+              <a:t>27</a:t>
+            </a:r>
+            <a:r>
+              <a:rPr lang="it-IT" dirty="0" smtClean="0"/>
+              <a:t>.</a:t>
+            </a:r>
+          </a:p>
+          <a:p>
+            <a:endParaRPr lang="it-IT" dirty="0"/>
+          </a:p>
+          <a:p>
+            <a:r>
+              <a:rPr lang="it-IT" dirty="0" err="1"/>
+              <a:t>Mirza</a:t>
+            </a:r>
+            <a:r>
+              <a:rPr lang="it-IT" dirty="0"/>
+              <a:t>, M., &amp; </a:t>
+            </a:r>
+            <a:r>
+              <a:rPr lang="it-IT" dirty="0" err="1"/>
+              <a:t>Osindero</a:t>
+            </a:r>
+            <a:r>
+              <a:rPr lang="it-IT" dirty="0"/>
+              <a:t>, S. (2014). </a:t>
+            </a:r>
+            <a:r>
+              <a:rPr lang="it-IT" dirty="0" err="1"/>
+              <a:t>Conditional</a:t>
+            </a:r>
+            <a:r>
+              <a:rPr lang="it-IT" dirty="0"/>
+              <a:t> generative </a:t>
+            </a:r>
+            <a:r>
+              <a:rPr lang="it-IT" dirty="0" err="1"/>
+              <a:t>adversarial</a:t>
+            </a:r>
+            <a:r>
+              <a:rPr lang="it-IT" dirty="0"/>
+              <a:t> </a:t>
+            </a:r>
+            <a:r>
+              <a:rPr lang="it-IT" dirty="0" err="1"/>
+              <a:t>nets</a:t>
+            </a:r>
+            <a:r>
+              <a:rPr lang="it-IT" dirty="0"/>
+              <a:t>. </a:t>
+            </a:r>
+            <a:r>
+              <a:rPr lang="it-IT" i="1" dirty="0" err="1"/>
+              <a:t>arXiv</a:t>
+            </a:r>
+            <a:r>
+              <a:rPr lang="it-IT" i="1" dirty="0"/>
+              <a:t> </a:t>
+            </a:r>
+            <a:r>
+              <a:rPr lang="it-IT" i="1" dirty="0" err="1"/>
+              <a:t>preprint</a:t>
+            </a:r>
+            <a:r>
+              <a:rPr lang="it-IT" i="1" dirty="0"/>
+              <a:t> arXiv:1411.1784</a:t>
+            </a:r>
+            <a:r>
+              <a:rPr lang="it-IT" dirty="0" smtClean="0"/>
+              <a:t>.</a:t>
+            </a:r>
+          </a:p>
+          <a:p>
+            <a:endParaRPr lang="it-IT" dirty="0"/>
+          </a:p>
+          <a:p>
+            <a:r>
+              <a:rPr lang="it-IT" dirty="0" err="1"/>
+              <a:t>Kunar</a:t>
+            </a:r>
+            <a:r>
+              <a:rPr lang="it-IT" dirty="0"/>
+              <a:t>, A. (2021). </a:t>
+            </a:r>
+            <a:r>
+              <a:rPr lang="it-IT" dirty="0" err="1"/>
+              <a:t>Effective</a:t>
+            </a:r>
+            <a:r>
+              <a:rPr lang="it-IT" dirty="0"/>
+              <a:t> and Privacy </a:t>
+            </a:r>
+            <a:r>
+              <a:rPr lang="it-IT" dirty="0" err="1"/>
+              <a:t>preserving</a:t>
+            </a:r>
+            <a:r>
+              <a:rPr lang="it-IT" dirty="0"/>
+              <a:t> Tabular Data </a:t>
+            </a:r>
+            <a:r>
+              <a:rPr lang="it-IT" dirty="0" err="1"/>
+              <a:t>Synthesizing</a:t>
+            </a:r>
+            <a:r>
+              <a:rPr lang="it-IT" dirty="0"/>
+              <a:t>. </a:t>
+            </a:r>
+            <a:r>
+              <a:rPr lang="it-IT" i="1" dirty="0" err="1"/>
+              <a:t>arXiv</a:t>
+            </a:r>
+            <a:r>
+              <a:rPr lang="it-IT" i="1" dirty="0"/>
+              <a:t> </a:t>
+            </a:r>
+            <a:r>
+              <a:rPr lang="it-IT" i="1" dirty="0" err="1"/>
+              <a:t>preprint</a:t>
+            </a:r>
+            <a:r>
+              <a:rPr lang="it-IT" i="1" dirty="0"/>
+              <a:t> arXiv:2108.10064</a:t>
+            </a:r>
+            <a:r>
+              <a:rPr lang="it-IT" dirty="0" smtClean="0"/>
+              <a:t>.</a:t>
+            </a:r>
+          </a:p>
+          <a:p>
+            <a:endParaRPr lang="it-IT" b="1" dirty="0"/>
+          </a:p>
+          <a:p>
+            <a:r>
+              <a:rPr lang="it-IT" dirty="0" err="1" smtClean="0"/>
+              <a:t>Synthetic</a:t>
+            </a:r>
+            <a:r>
+              <a:rPr lang="it-IT" dirty="0" smtClean="0"/>
+              <a:t> Data </a:t>
+            </a:r>
+            <a:r>
+              <a:rPr lang="it-IT" dirty="0" err="1" smtClean="0"/>
+              <a:t>Gym</a:t>
+            </a:r>
+            <a:r>
+              <a:rPr lang="it-IT" dirty="0"/>
+              <a:t> Link: </a:t>
+            </a:r>
+            <a:r>
+              <a:rPr lang="it-IT" dirty="0">
+                <a:hlinkClick r:id="rId2"/>
+              </a:rPr>
+              <a:t>https://</a:t>
+            </a:r>
+            <a:r>
+              <a:rPr lang="it-IT" dirty="0" smtClean="0">
+                <a:hlinkClick r:id="rId2"/>
+              </a:rPr>
+              <a:t>github.com/sdv-dev/SDGym</a:t>
+            </a:r>
+            <a:endParaRPr lang="it-IT" dirty="0" smtClean="0"/>
+          </a:p>
+          <a:p>
+            <a:endParaRPr lang="it-IT" dirty="0"/>
+          </a:p>
+          <a:p>
+            <a:r>
+              <a:rPr lang="it-IT" dirty="0" err="1" smtClean="0"/>
+              <a:t>Colab</a:t>
+            </a:r>
+            <a:r>
+              <a:rPr lang="it-IT" dirty="0" smtClean="0"/>
+              <a:t> </a:t>
+            </a:r>
+            <a:r>
+              <a:rPr lang="it-IT" dirty="0" err="1" smtClean="0"/>
+              <a:t>Jupyther</a:t>
+            </a:r>
+            <a:r>
+              <a:rPr lang="it-IT" dirty="0" smtClean="0"/>
+              <a:t> Notebook - </a:t>
+            </a:r>
+            <a:r>
+              <a:rPr lang="it-IT" dirty="0" err="1" smtClean="0"/>
+              <a:t>Python</a:t>
+            </a:r>
+            <a:r>
+              <a:rPr lang="it-IT" dirty="0" smtClean="0"/>
+              <a:t> Code Links of </a:t>
+            </a:r>
+            <a:r>
+              <a:rPr lang="it-IT" dirty="0" err="1" smtClean="0"/>
+              <a:t>this</a:t>
+            </a:r>
+            <a:r>
+              <a:rPr lang="it-IT" dirty="0" smtClean="0"/>
+              <a:t> Work:</a:t>
+            </a:r>
+          </a:p>
+          <a:p>
+            <a:endParaRPr lang="it-IT" dirty="0"/>
+          </a:p>
+          <a:p>
+            <a:r>
+              <a:rPr lang="it-IT" b="1" dirty="0" smtClean="0"/>
+              <a:t>Training </a:t>
+            </a:r>
+            <a:r>
+              <a:rPr lang="it-IT" b="1" dirty="0" err="1" smtClean="0"/>
+              <a:t>Colab</a:t>
+            </a:r>
+            <a:r>
+              <a:rPr lang="it-IT" b="1" dirty="0"/>
+              <a:t>: </a:t>
+            </a:r>
+            <a:r>
+              <a:rPr lang="it-IT" dirty="0">
+                <a:hlinkClick r:id="rId3"/>
+              </a:rPr>
+              <a:t>https://</a:t>
+            </a:r>
+            <a:r>
+              <a:rPr lang="it-IT" dirty="0" smtClean="0">
+                <a:hlinkClick r:id="rId3"/>
+              </a:rPr>
+              <a:t>colab.research.google.com/drive/1v7UkWXnC_4qToHMB6QQWebUFTHJT6Qe4?usp=sharing</a:t>
+            </a:r>
+            <a:endParaRPr lang="it-IT" dirty="0" smtClean="0"/>
+          </a:p>
+          <a:p>
+            <a:endParaRPr lang="it-IT" dirty="0"/>
+          </a:p>
+          <a:p>
+            <a:r>
+              <a:rPr lang="it-IT" b="1" dirty="0" err="1" smtClean="0"/>
+              <a:t>Inference</a:t>
+            </a:r>
+            <a:r>
+              <a:rPr lang="it-IT" b="1" dirty="0" smtClean="0"/>
+              <a:t> and </a:t>
+            </a:r>
+            <a:r>
+              <a:rPr lang="it-IT" b="1" dirty="0" err="1" smtClean="0"/>
+              <a:t>Metrics</a:t>
+            </a:r>
+            <a:r>
+              <a:rPr lang="it-IT" b="1" dirty="0" smtClean="0"/>
+              <a:t> Evaluation: </a:t>
+            </a:r>
+          </a:p>
+          <a:p>
+            <a:r>
+              <a:rPr lang="en-US" dirty="0"/>
+              <a:t>https://colab.research.google.com/drive/1FFX4ezYjwUbKiXGrqSuVV0iOr2wBakHa?usp=sharing</a:t>
+            </a:r>
+          </a:p>
+          <a:p>
+            <a:endParaRPr lang="it-IT" dirty="0" smtClean="0"/>
+          </a:p>
+          <a:p>
+            <a:endParaRPr lang="it-IT" dirty="0" smtClean="0"/>
+          </a:p>
+          <a:p>
+            <a:endParaRPr lang="it-IT" dirty="0"/>
+          </a:p>
+          <a:p>
+            <a:endParaRPr lang="it-IT" dirty="0"/>
+          </a:p>
+        </p:txBody>
+      </p:sp>
+    </p:spTree>
+    <p:extLst>
+      <p:ext uri="{BB962C8B-B14F-4D97-AF65-F5344CB8AC3E}">
+        <p14:creationId xmlns:p14="http://schemas.microsoft.com/office/powerpoint/2010/main" val="3536052556"/>
+      </p:ext>
+    </p:extLst>
+  </p:cSld>
+  <p:clrMapOvr>
+    <a:masterClrMapping/>
+  </p:clrMapOvr>
+</p:sld>
+</file>
+
+<file path=ppt/slides/slide22.xml><?xml version="1.0" encoding="utf-8"?>
 <p:sld xmlns:a="http://schemas.openxmlformats.org/drawingml/2006/main" xmlns:r="http://schemas.openxmlformats.org/officeDocument/2006/relationships" xmlns:p="http://schemas.openxmlformats.org/presentationml/2006/main">
   <p:cSld>
     <p:spTree>
@@ -19591,8 +20961,8 @@
         </p:nvSpPr>
         <p:spPr>
           <a:xfrm>
-            <a:off x="2063460" y="2998467"/>
-            <a:ext cx="9000309" cy="1200329"/>
+            <a:off x="825119" y="2974291"/>
+            <a:ext cx="10930525" cy="1200329"/>
           </a:xfrm>
           <a:prstGeom prst="rect">
             <a:avLst/>
@@ -19620,9 +20990,26 @@
               <a:t>the development of </a:t>
             </a:r>
             <a:r>
-              <a:rPr lang="en-US" sz="2400" b="1" dirty="0"/>
-              <a:t>CTGAN</a:t>
-            </a:r>
+              <a:rPr lang="en-US" sz="2400" b="1" dirty="0" smtClean="0"/>
+              <a:t>CTGAN </a:t>
+            </a:r>
+            <a:r>
+              <a:rPr lang="en-US" sz="2400" dirty="0" smtClean="0"/>
+              <a:t>via a Framework called </a:t>
+            </a:r>
+            <a:r>
+              <a:rPr lang="en-US" sz="2400" dirty="0" err="1" smtClean="0"/>
+              <a:t>SDGym</a:t>
+            </a:r>
+            <a:r>
+              <a:rPr lang="en-US" sz="2400" dirty="0" smtClean="0"/>
+              <a:t> (Synthetic Data Gy</a:t>
+            </a:r>
+            <a:r>
+              <a:rPr lang="en-US" sz="2400" dirty="0" smtClean="0"/>
+              <a:t>m) </a:t>
+            </a:r>
+            <a:endParaRPr lang="en-US" sz="2400" b="1" dirty="0"/>
           </a:p>
           <a:p>
             <a:pPr marL="285750" indent="-285750">
@@ -19671,8 +21058,8 @@
         </p:nvSpPr>
         <p:spPr>
           <a:xfrm>
-            <a:off x="182880" y="4310476"/>
-            <a:ext cx="12009120" cy="1877437"/>
+            <a:off x="574294" y="4262125"/>
+            <a:ext cx="10996863" cy="2246769"/>
           </a:xfrm>
           <a:prstGeom prst="rect">
             <a:avLst/>
@@ -20177,14 +21564,7 @@
                 <a:latin typeface="Arial" panose="020B0604020202020204" pitchFamily="34" charset="0"/>
                 <a:cs typeface="Arial" panose="020B0604020202020204" pitchFamily="34" charset="0"/>
               </a:rPr>
-              <a:t>There</a:t>
-            </a:r>
-            <a:r>
-              <a:rPr lang="it-IT" dirty="0" err="1" smtClean="0">
-                <a:latin typeface="Arial" panose="020B0604020202020204" pitchFamily="34" charset="0"/>
-                <a:cs typeface="Arial" panose="020B0604020202020204" pitchFamily="34" charset="0"/>
-              </a:rPr>
-              <a:t>fore</a:t>
+              <a:t>Therefore</a:t>
             </a:r>
             <a:r>
               <a:rPr lang="it-IT" dirty="0" smtClean="0">
@@ -20404,7 +21784,7 @@
         </p:blipFill>
         <p:spPr>
           <a:xfrm>
-            <a:off x="6265613" y="3021022"/>
+            <a:off x="825119" y="2854054"/>
             <a:ext cx="5121142" cy="2879203"/>
           </a:xfrm>
           <a:prstGeom prst="rect">
@@ -20428,8 +21808,8 @@
         </p:blipFill>
         <p:spPr>
           <a:xfrm>
-            <a:off x="574294" y="3021022"/>
-            <a:ext cx="5236698" cy="3304275"/>
+            <a:off x="6373514" y="2854054"/>
+            <a:ext cx="5236698" cy="3111681"/>
           </a:xfrm>
           <a:prstGeom prst="rect">
             <a:avLst/>
@@ -20485,7 +21865,7 @@
         </p:nvSpPr>
         <p:spPr>
           <a:xfrm>
-            <a:off x="574294" y="503475"/>
+            <a:off x="574294" y="443315"/>
             <a:ext cx="11269308" cy="384721"/>
           </a:xfrm>
         </p:spPr>
@@ -20570,7 +21950,7 @@
         <p:spPr>
           <a:xfrm>
             <a:off x="468895" y="1218431"/>
-            <a:ext cx="11374707" cy="2862322"/>
+            <a:ext cx="11374707" cy="3139321"/>
           </a:xfrm>
           <a:prstGeom prst="rect">
             <a:avLst/>
@@ -20715,10 +22095,52 @@
                 <a:latin typeface="Arial" panose="020B0604020202020204" pitchFamily="34" charset="0"/>
                 <a:cs typeface="Arial" panose="020B0604020202020204" pitchFamily="34" charset="0"/>
               </a:rPr>
-              <a:t>introduced by the Guru of Deep Learning, Ian </a:t>
-            </a:r>
-            <a:r>
-              <a:rPr lang="en-US" dirty="0" err="1">
+              <a:t>introduced by the Guru of </a:t>
+            </a:r>
+            <a:r>
+              <a:rPr lang="en-US" b="1" dirty="0">
+                <a:latin typeface="Arial" panose="020B0604020202020204" pitchFamily="34" charset="0"/>
+                <a:cs typeface="Arial" panose="020B0604020202020204" pitchFamily="34" charset="0"/>
+              </a:rPr>
+              <a:t>Deep</a:t>
+            </a:r>
+            <a:r>
+              <a:rPr lang="en-US" dirty="0">
+                <a:latin typeface="Arial" panose="020B0604020202020204" pitchFamily="34" charset="0"/>
+                <a:cs typeface="Arial" panose="020B0604020202020204" pitchFamily="34" charset="0"/>
+              </a:rPr>
+              <a:t> </a:t>
+            </a:r>
+            <a:r>
+              <a:rPr lang="en-US" b="1" dirty="0">
+                <a:latin typeface="Arial" panose="020B0604020202020204" pitchFamily="34" charset="0"/>
+                <a:cs typeface="Arial" panose="020B0604020202020204" pitchFamily="34" charset="0"/>
+              </a:rPr>
+              <a:t>Learning</a:t>
+            </a:r>
+            <a:r>
+              <a:rPr lang="en-US" dirty="0">
+                <a:latin typeface="Arial" panose="020B0604020202020204" pitchFamily="34" charset="0"/>
+                <a:cs typeface="Arial" panose="020B0604020202020204" pitchFamily="34" charset="0"/>
+              </a:rPr>
+              <a:t>, </a:t>
+            </a:r>
+            <a:r>
+              <a:rPr lang="en-US" b="1" dirty="0">
+                <a:latin typeface="Arial" panose="020B0604020202020204" pitchFamily="34" charset="0"/>
+                <a:cs typeface="Arial" panose="020B0604020202020204" pitchFamily="34" charset="0"/>
+              </a:rPr>
+              <a:t>Ian</a:t>
+            </a:r>
+            <a:r>
+              <a:rPr lang="en-US" dirty="0">
+                <a:latin typeface="Arial" panose="020B0604020202020204" pitchFamily="34" charset="0"/>
+                <a:cs typeface="Arial" panose="020B0604020202020204" pitchFamily="34" charset="0"/>
+              </a:rPr>
+              <a:t> </a:t>
+            </a:r>
+            <a:r>
+              <a:rPr lang="en-US" b="1" dirty="0" err="1">
                 <a:latin typeface="Arial" panose="020B0604020202020204" pitchFamily="34" charset="0"/>
                 <a:cs typeface="Arial" panose="020B0604020202020204" pitchFamily="34" charset="0"/>
               </a:rPr>
@@ -20729,13 +22151,27 @@
                 <a:latin typeface="Arial" panose="020B0604020202020204" pitchFamily="34" charset="0"/>
                 <a:cs typeface="Arial" panose="020B0604020202020204" pitchFamily="34" charset="0"/>
               </a:rPr>
-              <a:t> in 2014 and are a way to learn </a:t>
+              <a:t> in </a:t>
             </a:r>
             <a:r>
               <a:rPr lang="en-US" b="1" dirty="0">
                 <a:latin typeface="Arial" panose="020B0604020202020204" pitchFamily="34" charset="0"/>
                 <a:cs typeface="Arial" panose="020B0604020202020204" pitchFamily="34" charset="0"/>
               </a:rPr>
+              <a:t>2014</a:t>
+            </a:r>
+            <a:r>
+              <a:rPr lang="en-US" dirty="0">
+                <a:latin typeface="Arial" panose="020B0604020202020204" pitchFamily="34" charset="0"/>
+                <a:cs typeface="Arial" panose="020B0604020202020204" pitchFamily="34" charset="0"/>
+              </a:rPr>
+              <a:t> and are a way to learn </a:t>
+            </a:r>
+            <a:r>
+              <a:rPr lang="en-US" b="1" dirty="0">
+                <a:latin typeface="Arial" panose="020B0604020202020204" pitchFamily="34" charset="0"/>
+                <a:cs typeface="Arial" panose="020B0604020202020204" pitchFamily="34" charset="0"/>
+              </a:rPr>
               <a:t>Latent</a:t>
             </a:r>
             <a:r>
@@ -20759,10 +22195,76 @@
               </a:rPr>
               <a:t> of Images. </a:t>
             </a:r>
-            <a:endParaRPr lang="en-US" dirty="0" smtClean="0">
-              <a:latin typeface="Arial" panose="020B0604020202020204" pitchFamily="34" charset="0"/>
-              <a:cs typeface="Arial" panose="020B0604020202020204" pitchFamily="34" charset="0"/>
-            </a:endParaRPr>
+            <a:r>
+              <a:rPr lang="en-US" dirty="0" smtClean="0">
+                <a:latin typeface="Arial" panose="020B0604020202020204" pitchFamily="34" charset="0"/>
+                <a:cs typeface="Arial" panose="020B0604020202020204" pitchFamily="34" charset="0"/>
+              </a:rPr>
+              <a:t>A </a:t>
+            </a:r>
+            <a:r>
+              <a:rPr lang="en-US" b="1" dirty="0" smtClean="0">
+                <a:latin typeface="Arial" panose="020B0604020202020204" pitchFamily="34" charset="0"/>
+                <a:cs typeface="Arial" panose="020B0604020202020204" pitchFamily="34" charset="0"/>
+              </a:rPr>
+              <a:t>Latent </a:t>
+            </a:r>
+            <a:r>
+              <a:rPr lang="en-US" b="1" dirty="0">
+                <a:latin typeface="Arial" panose="020B0604020202020204" pitchFamily="34" charset="0"/>
+                <a:cs typeface="Arial" panose="020B0604020202020204" pitchFamily="34" charset="0"/>
+              </a:rPr>
+              <a:t>space</a:t>
+            </a:r>
+            <a:r>
+              <a:rPr lang="en-US" dirty="0">
+                <a:latin typeface="Arial" panose="020B0604020202020204" pitchFamily="34" charset="0"/>
+                <a:cs typeface="Arial" panose="020B0604020202020204" pitchFamily="34" charset="0"/>
+              </a:rPr>
+              <a:t> is a </a:t>
+            </a:r>
+            <a:r>
+              <a:rPr lang="en-US" dirty="0" smtClean="0">
+                <a:latin typeface="Arial" panose="020B0604020202020204" pitchFamily="34" charset="0"/>
+                <a:cs typeface="Arial" panose="020B0604020202020204" pitchFamily="34" charset="0"/>
+              </a:rPr>
+              <a:t>simple </a:t>
+            </a:r>
+            <a:r>
+              <a:rPr lang="en-US" dirty="0">
+                <a:latin typeface="Arial" panose="020B0604020202020204" pitchFamily="34" charset="0"/>
+                <a:cs typeface="Arial" panose="020B0604020202020204" pitchFamily="34" charset="0"/>
+              </a:rPr>
+              <a:t>hidden representation of a data point</a:t>
+            </a:r>
+            <a:r>
+              <a:rPr lang="en-US" dirty="0" smtClean="0">
+                <a:latin typeface="Arial" panose="020B0604020202020204" pitchFamily="34" charset="0"/>
+                <a:cs typeface="Arial" panose="020B0604020202020204" pitchFamily="34" charset="0"/>
+              </a:rPr>
+              <a:t>. </a:t>
+            </a:r>
+            <a:r>
+              <a:rPr lang="en-US" dirty="0">
+                <a:latin typeface="Arial" panose="020B0604020202020204" pitchFamily="34" charset="0"/>
+                <a:cs typeface="Arial" panose="020B0604020202020204" pitchFamily="34" charset="0"/>
+              </a:rPr>
+              <a:t>The generator model in the GAN architecture takes a point from the latent space as input and generates a new image. </a:t>
+            </a:r>
+            <a:r>
+              <a:rPr lang="en-US" dirty="0" smtClean="0">
+                <a:latin typeface="Arial" panose="020B0604020202020204" pitchFamily="34" charset="0"/>
+                <a:cs typeface="Arial" panose="020B0604020202020204" pitchFamily="34" charset="0"/>
+              </a:rPr>
+              <a:t>Through </a:t>
+            </a:r>
+            <a:r>
+              <a:rPr lang="en-US" dirty="0">
+                <a:latin typeface="Arial" panose="020B0604020202020204" pitchFamily="34" charset="0"/>
+                <a:cs typeface="Arial" panose="020B0604020202020204" pitchFamily="34" charset="0"/>
+              </a:rPr>
+              <a:t>training, the generator learns to map points into the latent space with specific output images and this mapping will be different each time the model is trained.</a:t>
+            </a:r>
           </a:p>
           <a:p>
             <a:pPr marL="285750" indent="-285750">
@@ -20776,78 +22278,6 @@
               <a:latin typeface="Arial" panose="020B0604020202020204" pitchFamily="34" charset="0"/>
               <a:cs typeface="Arial" panose="020B0604020202020204" pitchFamily="34" charset="0"/>
             </a:endParaRPr>
-          </a:p>
-          <a:p>
-            <a:pPr marL="285750" indent="-285750">
-              <a:buClr>
-                <a:srgbClr val="FF0000"/>
-              </a:buClr>
-              <a:buFont typeface="Courier New" panose="02070309020205020404" pitchFamily="49" charset="0"/>
-              <a:buChar char="o"/>
-            </a:pPr>
-            <a:r>
-              <a:rPr lang="en-US" dirty="0">
-                <a:latin typeface="Arial" panose="020B0604020202020204" pitchFamily="34" charset="0"/>
-                <a:cs typeface="Arial" panose="020B0604020202020204" pitchFamily="34" charset="0"/>
-              </a:rPr>
-              <a:t>Basically, a </a:t>
-            </a:r>
-            <a:r>
-              <a:rPr lang="en-US" b="1" dirty="0">
-                <a:latin typeface="Arial" panose="020B0604020202020204" pitchFamily="34" charset="0"/>
-                <a:cs typeface="Arial" panose="020B0604020202020204" pitchFamily="34" charset="0"/>
-              </a:rPr>
-              <a:t>GAN</a:t>
-            </a:r>
-            <a:r>
-              <a:rPr lang="en-US" dirty="0">
-                <a:latin typeface="Arial" panose="020B0604020202020204" pitchFamily="34" charset="0"/>
-                <a:cs typeface="Arial" panose="020B0604020202020204" pitchFamily="34" charset="0"/>
-              </a:rPr>
-              <a:t> is made of a "Fake" Network (</a:t>
-            </a:r>
-            <a:r>
-              <a:rPr lang="en-US" b="1" dirty="0">
-                <a:latin typeface="Arial" panose="020B0604020202020204" pitchFamily="34" charset="0"/>
-                <a:cs typeface="Arial" panose="020B0604020202020204" pitchFamily="34" charset="0"/>
-              </a:rPr>
-              <a:t>Generator</a:t>
-            </a:r>
-            <a:r>
-              <a:rPr lang="en-US" dirty="0">
-                <a:latin typeface="Arial" panose="020B0604020202020204" pitchFamily="34" charset="0"/>
-                <a:cs typeface="Arial" panose="020B0604020202020204" pitchFamily="34" charset="0"/>
-              </a:rPr>
-              <a:t>) and an "Expert" Network (</a:t>
-            </a:r>
-            <a:r>
-              <a:rPr lang="en-US" b="1" dirty="0">
-                <a:latin typeface="Arial" panose="020B0604020202020204" pitchFamily="34" charset="0"/>
-                <a:cs typeface="Arial" panose="020B0604020202020204" pitchFamily="34" charset="0"/>
-              </a:rPr>
-              <a:t>Discriminator</a:t>
-            </a:r>
-            <a:r>
-              <a:rPr lang="en-US" dirty="0">
-                <a:latin typeface="Arial" panose="020B0604020202020204" pitchFamily="34" charset="0"/>
-                <a:cs typeface="Arial" panose="020B0604020202020204" pitchFamily="34" charset="0"/>
-              </a:rPr>
-              <a:t>) which are </a:t>
-            </a:r>
-            <a:r>
-              <a:rPr lang="en-US" dirty="0" err="1">
-                <a:latin typeface="Arial" panose="020B0604020202020204" pitchFamily="34" charset="0"/>
-                <a:cs typeface="Arial" panose="020B0604020202020204" pitchFamily="34" charset="0"/>
-              </a:rPr>
-              <a:t>adversarially</a:t>
-            </a:r>
-            <a:r>
-              <a:rPr lang="en-US" dirty="0">
-                <a:latin typeface="Arial" panose="020B0604020202020204" pitchFamily="34" charset="0"/>
-                <a:cs typeface="Arial" panose="020B0604020202020204" pitchFamily="34" charset="0"/>
-              </a:rPr>
-              <a:t> trained to overcome the other one reciprocally: </a:t>
-            </a:r>
           </a:p>
           <a:p>
             <a:endParaRPr lang="en-US" dirty="0" smtClean="0">
@@ -20939,34 +22369,6 @@
       </p:grpSpPr>
       <p:sp>
         <p:nvSpPr>
-          <p:cNvPr id="3" name="Titolo 2"/>
-          <p:cNvSpPr>
-            <a:spLocks noGrp="1"/>
-          </p:cNvSpPr>
-          <p:nvPr>
-            <p:ph type="title"/>
-          </p:nvPr>
-        </p:nvSpPr>
-        <p:spPr>
-          <a:xfrm>
-            <a:off x="468895" y="503475"/>
-            <a:ext cx="11269308" cy="384721"/>
-          </a:xfrm>
-        </p:spPr>
-        <p:txBody>
-          <a:bodyPr/>
-          <a:lstStyle/>
-          <a:p>
-            <a:r>
-              <a:rPr lang="en-US" sz="2800" dirty="0"/>
-              <a:t>How to generate synthetic data</a:t>
-            </a:r>
-            <a:endParaRPr lang="it-IT" dirty="0"/>
-          </a:p>
-        </p:txBody>
-      </p:sp>
-      <p:sp>
-        <p:nvSpPr>
           <p:cNvPr id="4" name="Segnaposto piè di pagina 3"/>
           <p:cNvSpPr>
             <a:spLocks noGrp="1"/>
@@ -21027,8 +22429,8 @@
         </p:nvSpPr>
         <p:spPr>
           <a:xfrm>
-            <a:off x="574294" y="1331915"/>
-            <a:ext cx="6096000" cy="4247317"/>
+            <a:off x="574294" y="2690220"/>
+            <a:ext cx="6096000" cy="3693319"/>
           </a:xfrm>
           <a:prstGeom prst="rect">
             <a:avLst/>
@@ -21040,8 +22442,12 @@
           </a:bodyPr>
           <a:lstStyle/>
           <a:p>
-            <a:pPr marL="342900" indent="-342900">
-              <a:buAutoNum type="arabicParenR"/>
+            <a:pPr marL="285750" indent="-285750">
+              <a:buClr>
+                <a:srgbClr val="FF0000"/>
+              </a:buClr>
+              <a:buFont typeface="Courier New" panose="02070309020205020404" pitchFamily="49" charset="0"/>
+              <a:buChar char="o"/>
             </a:pPr>
             <a:r>
               <a:rPr lang="en-US" b="1" dirty="0" smtClean="0">
@@ -21078,241 +22484,64 @@
               </a:rPr>
               <a:t>generates new samples shaping new data over the input data distribution in a totally unsupervised way. </a:t>
             </a:r>
+            <a:endParaRPr lang="en-US" b="1" dirty="0">
+              <a:latin typeface="Arial" panose="020B0604020202020204" pitchFamily="34" charset="0"/>
+              <a:cs typeface="Arial" panose="020B0604020202020204" pitchFamily="34" charset="0"/>
+            </a:endParaRPr>
+          </a:p>
+          <a:p>
+            <a:pPr marL="285750" indent="-285750">
+              <a:buClr>
+                <a:srgbClr val="FF0000"/>
+              </a:buClr>
+              <a:buFont typeface="Courier New" panose="02070309020205020404" pitchFamily="49" charset="0"/>
+              <a:buChar char="o"/>
+            </a:pPr>
             <a:endParaRPr lang="en-US" b="1" dirty="0" smtClean="0">
               <a:latin typeface="Arial" panose="020B0604020202020204" pitchFamily="34" charset="0"/>
               <a:cs typeface="Arial" panose="020B0604020202020204" pitchFamily="34" charset="0"/>
             </a:endParaRPr>
           </a:p>
           <a:p>
-            <a:pPr marL="342900" indent="-342900">
-              <a:buAutoNum type="arabicParenR"/>
+            <a:pPr marL="285750" indent="-285750">
+              <a:buClr>
+                <a:srgbClr val="FF0000"/>
+              </a:buClr>
+              <a:buFont typeface="Courier New" panose="02070309020205020404" pitchFamily="49" charset="0"/>
+              <a:buChar char="o"/>
             </a:pPr>
-            <a:endParaRPr lang="en-US" b="1" dirty="0">
+            <a:r>
+              <a:rPr lang="en-US" b="1" dirty="0" smtClean="0">
+                <a:latin typeface="Arial" panose="020B0604020202020204" pitchFamily="34" charset="0"/>
+                <a:cs typeface="Arial" panose="020B0604020202020204" pitchFamily="34" charset="0"/>
+              </a:rPr>
+              <a:t>Discriminator</a:t>
+            </a:r>
+            <a:r>
+              <a:rPr lang="en-US" dirty="0" smtClean="0">
+                <a:latin typeface="Arial" panose="020B0604020202020204" pitchFamily="34" charset="0"/>
+                <a:cs typeface="Arial" panose="020B0604020202020204" pitchFamily="34" charset="0"/>
+              </a:rPr>
+              <a:t> </a:t>
+            </a:r>
+            <a:r>
+              <a:rPr lang="en-US" dirty="0">
+                <a:latin typeface="Arial" panose="020B0604020202020204" pitchFamily="34" charset="0"/>
+                <a:cs typeface="Arial" panose="020B0604020202020204" pitchFamily="34" charset="0"/>
+              </a:rPr>
+              <a:t>(or adversarial) : takes a real image or synthetic as input and classifies it as real or </a:t>
+            </a:r>
+            <a:r>
+              <a:rPr lang="en-US" dirty="0" smtClean="0">
+                <a:latin typeface="Arial" panose="020B0604020202020204" pitchFamily="34" charset="0"/>
+                <a:cs typeface="Arial" panose="020B0604020202020204" pitchFamily="34" charset="0"/>
+              </a:rPr>
+              <a:t>fake. In other words the Discriminator is a classifier trying to understand which samples come from the training set and which one are generated synthetic data.</a:t>
+            </a:r>
+            <a:endParaRPr lang="en-US" dirty="0">
               <a:latin typeface="Arial" panose="020B0604020202020204" pitchFamily="34" charset="0"/>
               <a:cs typeface="Arial" panose="020B0604020202020204" pitchFamily="34" charset="0"/>
             </a:endParaRPr>
-          </a:p>
-          <a:p>
-            <a:pPr marL="342900" indent="-342900">
-              <a:buFontTx/>
-              <a:buAutoNum type="arabicParenR"/>
-            </a:pPr>
-            <a:r>
-              <a:rPr lang="en-US" dirty="0">
-                <a:latin typeface="Times New Roman" panose="02020603050405020304" pitchFamily="18" charset="0"/>
-                <a:cs typeface="Times New Roman" panose="02020603050405020304" pitchFamily="18" charset="0"/>
-              </a:rPr>
-              <a:t>: </a:t>
-            </a:r>
-            <a:r>
-              <a:rPr lang="en-US" dirty="0" err="1">
-                <a:latin typeface="Times New Roman" panose="02020603050405020304" pitchFamily="18" charset="0"/>
-                <a:cs typeface="Times New Roman" panose="02020603050405020304" pitchFamily="18" charset="0"/>
-              </a:rPr>
-              <a:t>che</a:t>
-            </a:r>
-            <a:r>
-              <a:rPr lang="en-US" dirty="0">
-                <a:latin typeface="Times New Roman" panose="02020603050405020304" pitchFamily="18" charset="0"/>
-                <a:cs typeface="Times New Roman" panose="02020603050405020304" pitchFamily="18" charset="0"/>
-              </a:rPr>
-              <a:t> è un </a:t>
-            </a:r>
-            <a:r>
-              <a:rPr lang="en-US" dirty="0" err="1">
-                <a:latin typeface="Times New Roman" panose="02020603050405020304" pitchFamily="18" charset="0"/>
-                <a:cs typeface="Times New Roman" panose="02020603050405020304" pitchFamily="18" charset="0"/>
-              </a:rPr>
-              <a:t>modello</a:t>
-            </a:r>
-            <a:r>
-              <a:rPr lang="en-US" dirty="0">
-                <a:latin typeface="Times New Roman" panose="02020603050405020304" pitchFamily="18" charset="0"/>
-                <a:cs typeface="Times New Roman" panose="02020603050405020304" pitchFamily="18" charset="0"/>
-              </a:rPr>
-              <a:t> </a:t>
-            </a:r>
-            <a:r>
-              <a:rPr lang="en-US" dirty="0" err="1">
-                <a:latin typeface="Times New Roman" panose="02020603050405020304" pitchFamily="18" charset="0"/>
-                <a:cs typeface="Times New Roman" panose="02020603050405020304" pitchFamily="18" charset="0"/>
-              </a:rPr>
-              <a:t>che</a:t>
-            </a:r>
-            <a:r>
-              <a:rPr lang="en-US" dirty="0">
-                <a:latin typeface="Times New Roman" panose="02020603050405020304" pitchFamily="18" charset="0"/>
-                <a:cs typeface="Times New Roman" panose="02020603050405020304" pitchFamily="18" charset="0"/>
-              </a:rPr>
-              <a:t> genera </a:t>
-            </a:r>
-            <a:r>
-              <a:rPr lang="en-US" dirty="0" err="1">
-                <a:latin typeface="Times New Roman" panose="02020603050405020304" pitchFamily="18" charset="0"/>
-                <a:cs typeface="Times New Roman" panose="02020603050405020304" pitchFamily="18" charset="0"/>
-              </a:rPr>
-              <a:t>nuovi</a:t>
-            </a:r>
-            <a:r>
-              <a:rPr lang="en-US" dirty="0">
-                <a:latin typeface="Times New Roman" panose="02020603050405020304" pitchFamily="18" charset="0"/>
-                <a:cs typeface="Times New Roman" panose="02020603050405020304" pitchFamily="18" charset="0"/>
-              </a:rPr>
-              <a:t> </a:t>
-            </a:r>
-            <a:r>
-              <a:rPr lang="en-US" dirty="0" err="1">
-                <a:latin typeface="Times New Roman" panose="02020603050405020304" pitchFamily="18" charset="0"/>
-                <a:cs typeface="Times New Roman" panose="02020603050405020304" pitchFamily="18" charset="0"/>
-              </a:rPr>
-              <a:t>esempi</a:t>
-            </a:r>
-            <a:r>
-              <a:rPr lang="en-US" dirty="0">
-                <a:latin typeface="Times New Roman" panose="02020603050405020304" pitchFamily="18" charset="0"/>
-                <a:cs typeface="Times New Roman" panose="02020603050405020304" pitchFamily="18" charset="0"/>
-              </a:rPr>
-              <a:t> </a:t>
-            </a:r>
-            <a:r>
-              <a:rPr lang="en-US" dirty="0" err="1">
-                <a:latin typeface="Times New Roman" panose="02020603050405020304" pitchFamily="18" charset="0"/>
-                <a:cs typeface="Times New Roman" panose="02020603050405020304" pitchFamily="18" charset="0"/>
-              </a:rPr>
-              <a:t>che</a:t>
-            </a:r>
-            <a:r>
-              <a:rPr lang="en-US" dirty="0">
-                <a:latin typeface="Times New Roman" panose="02020603050405020304" pitchFamily="18" charset="0"/>
-                <a:cs typeface="Times New Roman" panose="02020603050405020304" pitchFamily="18" charset="0"/>
-              </a:rPr>
-              <a:t> </a:t>
-            </a:r>
-            <a:r>
-              <a:rPr lang="en-US" dirty="0" err="1">
-                <a:latin typeface="Times New Roman" panose="02020603050405020304" pitchFamily="18" charset="0"/>
-                <a:cs typeface="Times New Roman" panose="02020603050405020304" pitchFamily="18" charset="0"/>
-              </a:rPr>
-              <a:t>ricalca</a:t>
-            </a:r>
-            <a:r>
-              <a:rPr lang="en-US" dirty="0">
-                <a:latin typeface="Times New Roman" panose="02020603050405020304" pitchFamily="18" charset="0"/>
-                <a:cs typeface="Times New Roman" panose="02020603050405020304" pitchFamily="18" charset="0"/>
-              </a:rPr>
-              <a:t> la </a:t>
-            </a:r>
-            <a:r>
-              <a:rPr lang="en-US" dirty="0" err="1">
-                <a:latin typeface="Times New Roman" panose="02020603050405020304" pitchFamily="18" charset="0"/>
-                <a:cs typeface="Times New Roman" panose="02020603050405020304" pitchFamily="18" charset="0"/>
-              </a:rPr>
-              <a:t>distribuzione</a:t>
-            </a:r>
-            <a:r>
-              <a:rPr lang="en-US" dirty="0">
-                <a:latin typeface="Times New Roman" panose="02020603050405020304" pitchFamily="18" charset="0"/>
-                <a:cs typeface="Times New Roman" panose="02020603050405020304" pitchFamily="18" charset="0"/>
-              </a:rPr>
-              <a:t> </a:t>
-            </a:r>
-            <a:r>
-              <a:rPr lang="en-US" dirty="0" err="1">
-                <a:latin typeface="Times New Roman" panose="02020603050405020304" pitchFamily="18" charset="0"/>
-                <a:cs typeface="Times New Roman" panose="02020603050405020304" pitchFamily="18" charset="0"/>
-              </a:rPr>
-              <a:t>dei</a:t>
-            </a:r>
-            <a:r>
-              <a:rPr lang="en-US" dirty="0">
-                <a:latin typeface="Times New Roman" panose="02020603050405020304" pitchFamily="18" charset="0"/>
-                <a:cs typeface="Times New Roman" panose="02020603050405020304" pitchFamily="18" charset="0"/>
-              </a:rPr>
-              <a:t> </a:t>
-            </a:r>
-            <a:r>
-              <a:rPr lang="en-US" dirty="0" err="1">
-                <a:latin typeface="Times New Roman" panose="02020603050405020304" pitchFamily="18" charset="0"/>
-                <a:cs typeface="Times New Roman" panose="02020603050405020304" pitchFamily="18" charset="0"/>
-              </a:rPr>
-              <a:t>dati</a:t>
-            </a:r>
-            <a:r>
-              <a:rPr lang="en-US" dirty="0">
-                <a:latin typeface="Times New Roman" panose="02020603050405020304" pitchFamily="18" charset="0"/>
-                <a:cs typeface="Times New Roman" panose="02020603050405020304" pitchFamily="18" charset="0"/>
-              </a:rPr>
-              <a:t> di input </a:t>
-            </a:r>
-            <a:r>
-              <a:rPr lang="en-US" dirty="0" err="1">
-                <a:latin typeface="Times New Roman" panose="02020603050405020304" pitchFamily="18" charset="0"/>
-                <a:cs typeface="Times New Roman" panose="02020603050405020304" pitchFamily="18" charset="0"/>
-              </a:rPr>
-              <a:t>completamente</a:t>
-            </a:r>
-            <a:r>
-              <a:rPr lang="en-US" dirty="0">
-                <a:latin typeface="Times New Roman" panose="02020603050405020304" pitchFamily="18" charset="0"/>
-                <a:cs typeface="Times New Roman" panose="02020603050405020304" pitchFamily="18" charset="0"/>
-              </a:rPr>
-              <a:t> non </a:t>
-            </a:r>
-            <a:r>
-              <a:rPr lang="en-US" dirty="0" err="1">
-                <a:latin typeface="Times New Roman" panose="02020603050405020304" pitchFamily="18" charset="0"/>
-                <a:cs typeface="Times New Roman" panose="02020603050405020304" pitchFamily="18" charset="0"/>
-              </a:rPr>
-              <a:t>supervisionata</a:t>
-            </a:r>
-            <a:r>
-              <a:rPr lang="en-US" dirty="0">
-                <a:latin typeface="Times New Roman" panose="02020603050405020304" pitchFamily="18" charset="0"/>
-                <a:cs typeface="Times New Roman" panose="02020603050405020304" pitchFamily="18" charset="0"/>
-              </a:rPr>
-              <a:t>. </a:t>
-            </a:r>
-          </a:p>
-          <a:p>
-            <a:pPr marL="342900" indent="-342900">
-              <a:buAutoNum type="arabicParenR"/>
-            </a:pPr>
-            <a:endParaRPr lang="en-US" b="1" dirty="0">
-              <a:latin typeface="Arial" panose="020B0604020202020204" pitchFamily="34" charset="0"/>
-              <a:cs typeface="Arial" panose="020B0604020202020204" pitchFamily="34" charset="0"/>
-            </a:endParaRPr>
-          </a:p>
-          <a:p>
-            <a:r>
-              <a:rPr lang="en-US" dirty="0">
-                <a:latin typeface="Arial" panose="020B0604020202020204" pitchFamily="34" charset="0"/>
-                <a:cs typeface="Arial" panose="020B0604020202020204" pitchFamily="34" charset="0"/>
-              </a:rPr>
-              <a:t>        </a:t>
-            </a:r>
-          </a:p>
-          <a:p>
-            <a:r>
-              <a:rPr lang="en-US" dirty="0">
-                <a:latin typeface="Arial" panose="020B0604020202020204" pitchFamily="34" charset="0"/>
-                <a:cs typeface="Arial" panose="020B0604020202020204" pitchFamily="34" charset="0"/>
-              </a:rPr>
-              <a:t>       2) </a:t>
-            </a:r>
-            <a:r>
-              <a:rPr lang="en-US" b="1" dirty="0">
-                <a:latin typeface="Arial" panose="020B0604020202020204" pitchFamily="34" charset="0"/>
-                <a:cs typeface="Arial" panose="020B0604020202020204" pitchFamily="34" charset="0"/>
-              </a:rPr>
-              <a:t>Discriminator</a:t>
-            </a:r>
-            <a:r>
-              <a:rPr lang="en-US" dirty="0">
-                <a:latin typeface="Arial" panose="020B0604020202020204" pitchFamily="34" charset="0"/>
-                <a:cs typeface="Arial" panose="020B0604020202020204" pitchFamily="34" charset="0"/>
-              </a:rPr>
-              <a:t> (or adversarial) : takes a real image or synthetic as input and classifies it as real or fake </a:t>
-            </a:r>
           </a:p>
           <a:p>
             <a:pPr marL="285750" indent="-285750">
@@ -21339,6 +22568,382 @@
               <a:latin typeface="Arial" panose="020B0604020202020204" pitchFamily="34" charset="0"/>
               <a:cs typeface="Arial" panose="020B0604020202020204" pitchFamily="34" charset="0"/>
             </a:endParaRPr>
+          </a:p>
+        </p:txBody>
+      </p:sp>
+      <p:sp>
+        <p:nvSpPr>
+          <p:cNvPr id="6" name="Rettangolo 5"/>
+          <p:cNvSpPr/>
+          <p:nvPr/>
+        </p:nvSpPr>
+        <p:spPr>
+          <a:xfrm>
+            <a:off x="574294" y="1348952"/>
+            <a:ext cx="6096000" cy="1200329"/>
+          </a:xfrm>
+          <a:prstGeom prst="rect">
+            <a:avLst/>
+          </a:prstGeom>
+        </p:spPr>
+        <p:txBody>
+          <a:bodyPr>
+            <a:spAutoFit/>
+          </a:bodyPr>
+          <a:lstStyle/>
+          <a:p>
+            <a:pPr marL="285750" indent="-285750">
+              <a:buClr>
+                <a:srgbClr val="FF0000"/>
+              </a:buClr>
+              <a:buFont typeface="Courier New" panose="02070309020205020404" pitchFamily="49" charset="0"/>
+              <a:buChar char="o"/>
+            </a:pPr>
+            <a:r>
+              <a:rPr lang="en-US" dirty="0">
+                <a:latin typeface="Arial" panose="020B0604020202020204" pitchFamily="34" charset="0"/>
+                <a:cs typeface="Arial" panose="020B0604020202020204" pitchFamily="34" charset="0"/>
+              </a:rPr>
+              <a:t>Basically, a </a:t>
+            </a:r>
+            <a:r>
+              <a:rPr lang="en-US" b="1" dirty="0">
+                <a:latin typeface="Arial" panose="020B0604020202020204" pitchFamily="34" charset="0"/>
+                <a:cs typeface="Arial" panose="020B0604020202020204" pitchFamily="34" charset="0"/>
+              </a:rPr>
+              <a:t>GAN</a:t>
+            </a:r>
+            <a:r>
+              <a:rPr lang="en-US" dirty="0">
+                <a:latin typeface="Arial" panose="020B0604020202020204" pitchFamily="34" charset="0"/>
+                <a:cs typeface="Arial" panose="020B0604020202020204" pitchFamily="34" charset="0"/>
+              </a:rPr>
+              <a:t> is made of a "Fake" Network (</a:t>
+            </a:r>
+            <a:r>
+              <a:rPr lang="en-US" b="1" dirty="0">
+                <a:latin typeface="Arial" panose="020B0604020202020204" pitchFamily="34" charset="0"/>
+                <a:cs typeface="Arial" panose="020B0604020202020204" pitchFamily="34" charset="0"/>
+              </a:rPr>
+              <a:t>Generator</a:t>
+            </a:r>
+            <a:r>
+              <a:rPr lang="en-US" dirty="0">
+                <a:latin typeface="Arial" panose="020B0604020202020204" pitchFamily="34" charset="0"/>
+                <a:cs typeface="Arial" panose="020B0604020202020204" pitchFamily="34" charset="0"/>
+              </a:rPr>
+              <a:t>) and an "Expert" Network (</a:t>
+            </a:r>
+            <a:r>
+              <a:rPr lang="en-US" b="1" dirty="0">
+                <a:latin typeface="Arial" panose="020B0604020202020204" pitchFamily="34" charset="0"/>
+                <a:cs typeface="Arial" panose="020B0604020202020204" pitchFamily="34" charset="0"/>
+              </a:rPr>
+              <a:t>Discriminator</a:t>
+            </a:r>
+            <a:r>
+              <a:rPr lang="en-US" dirty="0">
+                <a:latin typeface="Arial" panose="020B0604020202020204" pitchFamily="34" charset="0"/>
+                <a:cs typeface="Arial" panose="020B0604020202020204" pitchFamily="34" charset="0"/>
+              </a:rPr>
+              <a:t>) which are </a:t>
+            </a:r>
+            <a:r>
+              <a:rPr lang="en-US" dirty="0" err="1">
+                <a:latin typeface="Arial" panose="020B0604020202020204" pitchFamily="34" charset="0"/>
+                <a:cs typeface="Arial" panose="020B0604020202020204" pitchFamily="34" charset="0"/>
+              </a:rPr>
+              <a:t>adversarially</a:t>
+            </a:r>
+            <a:r>
+              <a:rPr lang="en-US" dirty="0">
+                <a:latin typeface="Arial" panose="020B0604020202020204" pitchFamily="34" charset="0"/>
+                <a:cs typeface="Arial" panose="020B0604020202020204" pitchFamily="34" charset="0"/>
+              </a:rPr>
+              <a:t> trained to overcome the other one </a:t>
+            </a:r>
+            <a:r>
+              <a:rPr lang="en-US" dirty="0" smtClean="0">
+                <a:latin typeface="Arial" panose="020B0604020202020204" pitchFamily="34" charset="0"/>
+                <a:cs typeface="Arial" panose="020B0604020202020204" pitchFamily="34" charset="0"/>
+              </a:rPr>
+              <a:t>reciprocally. </a:t>
+            </a:r>
+            <a:endParaRPr lang="en-US" dirty="0">
+              <a:latin typeface="Arial" panose="020B0604020202020204" pitchFamily="34" charset="0"/>
+              <a:cs typeface="Arial" panose="020B0604020202020204" pitchFamily="34" charset="0"/>
+            </a:endParaRPr>
+          </a:p>
+        </p:txBody>
+      </p:sp>
+      <p:sp>
+        <p:nvSpPr>
+          <p:cNvPr id="7" name="CasellaDiTesto 6"/>
+          <p:cNvSpPr txBox="1"/>
+          <p:nvPr/>
+        </p:nvSpPr>
+        <p:spPr>
+          <a:xfrm>
+            <a:off x="6833936" y="1348952"/>
+            <a:ext cx="4680285" cy="5047536"/>
+          </a:xfrm>
+          <a:prstGeom prst="rect">
+            <a:avLst/>
+          </a:prstGeom>
+          <a:noFill/>
+          <a:ln>
+            <a:solidFill>
+              <a:schemeClr val="accent1"/>
+            </a:solidFill>
+          </a:ln>
+        </p:spPr>
+        <p:txBody>
+          <a:bodyPr wrap="square" rtlCol="0">
+            <a:spAutoFit/>
+          </a:bodyPr>
+          <a:lstStyle/>
+          <a:p>
+            <a:r>
+              <a:rPr lang="en-US" sz="1400" b="1" u="sng" dirty="0">
+                <a:latin typeface="Arial" panose="020B0604020202020204" pitchFamily="34" charset="0"/>
+                <a:cs typeface="Arial" panose="020B0604020202020204" pitchFamily="34" charset="0"/>
+              </a:rPr>
+              <a:t>GAN Algorithm</a:t>
+            </a:r>
+            <a:r>
+              <a:rPr lang="en-US" sz="1400" b="1" u="sng" dirty="0" smtClean="0">
+                <a:latin typeface="Arial" panose="020B0604020202020204" pitchFamily="34" charset="0"/>
+                <a:cs typeface="Arial" panose="020B0604020202020204" pitchFamily="34" charset="0"/>
+              </a:rPr>
+              <a:t>:</a:t>
+            </a:r>
+          </a:p>
+          <a:p>
+            <a:endParaRPr lang="en-US" sz="1400" b="1" u="sng" dirty="0">
+              <a:latin typeface="Arial" panose="020B0604020202020204" pitchFamily="34" charset="0"/>
+              <a:cs typeface="Arial" panose="020B0604020202020204" pitchFamily="34" charset="0"/>
+            </a:endParaRPr>
+          </a:p>
+          <a:p>
+            <a:r>
+              <a:rPr lang="en-US" sz="1400" i="1" dirty="0" smtClean="0">
+                <a:latin typeface="Arial" panose="020B0604020202020204" pitchFamily="34" charset="0"/>
+                <a:cs typeface="Arial" panose="020B0604020202020204" pitchFamily="34" charset="0"/>
+              </a:rPr>
+              <a:t>for </a:t>
+            </a:r>
+            <a:r>
+              <a:rPr lang="en-US" sz="1400" i="1" dirty="0">
+                <a:latin typeface="Arial" panose="020B0604020202020204" pitchFamily="34" charset="0"/>
+                <a:cs typeface="Arial" panose="020B0604020202020204" pitchFamily="34" charset="0"/>
+              </a:rPr>
+              <a:t>every </a:t>
+            </a:r>
+            <a:r>
+              <a:rPr lang="en-US" sz="1400" i="1" dirty="0" smtClean="0">
+                <a:latin typeface="Arial" panose="020B0604020202020204" pitchFamily="34" charset="0"/>
+                <a:cs typeface="Arial" panose="020B0604020202020204" pitchFamily="34" charset="0"/>
+              </a:rPr>
+              <a:t>epoch:</a:t>
+            </a:r>
+            <a:endParaRPr lang="en-US" sz="1400" u="sng" dirty="0">
+              <a:latin typeface="Arial" panose="020B0604020202020204" pitchFamily="34" charset="0"/>
+              <a:cs typeface="Arial" panose="020B0604020202020204" pitchFamily="34" charset="0"/>
+            </a:endParaRPr>
+          </a:p>
+          <a:p>
+            <a:pPr marL="342900" indent="-342900">
+              <a:buAutoNum type="arabicParenR"/>
+            </a:pPr>
+            <a:r>
+              <a:rPr lang="en-US" sz="1400" dirty="0" smtClean="0">
+                <a:latin typeface="Arial" panose="020B0604020202020204" pitchFamily="34" charset="0"/>
+                <a:cs typeface="Arial" panose="020B0604020202020204" pitchFamily="34" charset="0"/>
+              </a:rPr>
+              <a:t>Extract </a:t>
+            </a:r>
+            <a:r>
+              <a:rPr lang="en-US" sz="1400" dirty="0">
+                <a:latin typeface="Arial" panose="020B0604020202020204" pitchFamily="34" charset="0"/>
+                <a:cs typeface="Arial" panose="020B0604020202020204" pitchFamily="34" charset="0"/>
+              </a:rPr>
+              <a:t>random points from the Latent </a:t>
+            </a:r>
+            <a:r>
+              <a:rPr lang="en-US" sz="1400" dirty="0" smtClean="0">
+                <a:latin typeface="Arial" panose="020B0604020202020204" pitchFamily="34" charset="0"/>
+                <a:cs typeface="Arial" panose="020B0604020202020204" pitchFamily="34" charset="0"/>
+              </a:rPr>
+              <a:t>Space.</a:t>
+            </a:r>
+          </a:p>
+          <a:p>
+            <a:pPr marL="342900" indent="-342900">
+              <a:buAutoNum type="arabicParenR"/>
+            </a:pPr>
+            <a:endParaRPr lang="en-US" sz="1400" dirty="0">
+              <a:latin typeface="Arial" panose="020B0604020202020204" pitchFamily="34" charset="0"/>
+              <a:cs typeface="Arial" panose="020B0604020202020204" pitchFamily="34" charset="0"/>
+            </a:endParaRPr>
+          </a:p>
+          <a:p>
+            <a:r>
+              <a:rPr lang="en-US" sz="1400" dirty="0">
+                <a:latin typeface="Arial" panose="020B0604020202020204" pitchFamily="34" charset="0"/>
+                <a:cs typeface="Arial" panose="020B0604020202020204" pitchFamily="34" charset="0"/>
+              </a:rPr>
+              <a:t>2) Generate images for the Generator adopting random noise (Gaussian Noise better</a:t>
+            </a:r>
+            <a:r>
+              <a:rPr lang="en-US" sz="1400" dirty="0" smtClean="0">
+                <a:latin typeface="Arial" panose="020B0604020202020204" pitchFamily="34" charset="0"/>
+                <a:cs typeface="Arial" panose="020B0604020202020204" pitchFamily="34" charset="0"/>
+              </a:rPr>
+              <a:t>).</a:t>
+            </a:r>
+          </a:p>
+          <a:p>
+            <a:endParaRPr lang="en-US" sz="1400" dirty="0">
+              <a:latin typeface="Arial" panose="020B0604020202020204" pitchFamily="34" charset="0"/>
+              <a:cs typeface="Arial" panose="020B0604020202020204" pitchFamily="34" charset="0"/>
+            </a:endParaRPr>
+          </a:p>
+          <a:p>
+            <a:r>
+              <a:rPr lang="en-US" sz="1400" dirty="0">
+                <a:latin typeface="Arial" panose="020B0604020202020204" pitchFamily="34" charset="0"/>
+                <a:cs typeface="Arial" panose="020B0604020202020204" pitchFamily="34" charset="0"/>
+              </a:rPr>
+              <a:t>3) Mix true images with generated </a:t>
+            </a:r>
+            <a:r>
+              <a:rPr lang="en-US" sz="1400" dirty="0" smtClean="0">
+                <a:latin typeface="Arial" panose="020B0604020202020204" pitchFamily="34" charset="0"/>
+                <a:cs typeface="Arial" panose="020B0604020202020204" pitchFamily="34" charset="0"/>
+              </a:rPr>
+              <a:t>ones.</a:t>
+            </a:r>
+          </a:p>
+          <a:p>
+            <a:endParaRPr lang="en-US" sz="1400" dirty="0">
+              <a:latin typeface="Arial" panose="020B0604020202020204" pitchFamily="34" charset="0"/>
+              <a:cs typeface="Arial" panose="020B0604020202020204" pitchFamily="34" charset="0"/>
+            </a:endParaRPr>
+          </a:p>
+          <a:p>
+            <a:r>
+              <a:rPr lang="en-US" sz="1400" dirty="0">
+                <a:latin typeface="Arial" panose="020B0604020202020204" pitchFamily="34" charset="0"/>
+                <a:cs typeface="Arial" panose="020B0604020202020204" pitchFamily="34" charset="0"/>
+              </a:rPr>
+              <a:t>4) Train the discriminator by these mixed images, with the labels: true for real images, and false for generated </a:t>
+            </a:r>
+            <a:r>
+              <a:rPr lang="en-US" sz="1400" dirty="0" smtClean="0">
+                <a:latin typeface="Arial" panose="020B0604020202020204" pitchFamily="34" charset="0"/>
+                <a:cs typeface="Arial" panose="020B0604020202020204" pitchFamily="34" charset="0"/>
+              </a:rPr>
+              <a:t>images.</a:t>
+            </a:r>
+          </a:p>
+          <a:p>
+            <a:endParaRPr lang="en-US" sz="1400" dirty="0">
+              <a:latin typeface="Arial" panose="020B0604020202020204" pitchFamily="34" charset="0"/>
+              <a:cs typeface="Arial" panose="020B0604020202020204" pitchFamily="34" charset="0"/>
+            </a:endParaRPr>
+          </a:p>
+          <a:p>
+            <a:r>
+              <a:rPr lang="en-US" sz="1400" dirty="0">
+                <a:latin typeface="Arial" panose="020B0604020202020204" pitchFamily="34" charset="0"/>
+                <a:cs typeface="Arial" panose="020B0604020202020204" pitchFamily="34" charset="0"/>
+              </a:rPr>
+              <a:t>5) Extract new points from the latent </a:t>
+            </a:r>
+            <a:r>
+              <a:rPr lang="en-US" sz="1400" dirty="0" smtClean="0">
+                <a:latin typeface="Arial" panose="020B0604020202020204" pitchFamily="34" charset="0"/>
+                <a:cs typeface="Arial" panose="020B0604020202020204" pitchFamily="34" charset="0"/>
+              </a:rPr>
+              <a:t>space.</a:t>
+            </a:r>
+          </a:p>
+          <a:p>
+            <a:endParaRPr lang="en-US" sz="1400" dirty="0">
+              <a:latin typeface="Arial" panose="020B0604020202020204" pitchFamily="34" charset="0"/>
+              <a:cs typeface="Arial" panose="020B0604020202020204" pitchFamily="34" charset="0"/>
+            </a:endParaRPr>
+          </a:p>
+          <a:p>
+            <a:r>
+              <a:rPr lang="en-US" sz="1400" dirty="0">
+                <a:latin typeface="Arial" panose="020B0604020202020204" pitchFamily="34" charset="0"/>
+                <a:cs typeface="Arial" panose="020B0604020202020204" pitchFamily="34" charset="0"/>
+              </a:rPr>
+              <a:t>6) Train the GAN adopting these random vectors, with all labels saying "true". This update Generators weights (only generator, discriminator is </a:t>
+            </a:r>
+            <a:r>
+              <a:rPr lang="en-US" sz="1400" dirty="0" err="1">
+                <a:latin typeface="Arial" panose="020B0604020202020204" pitchFamily="34" charset="0"/>
+                <a:cs typeface="Arial" panose="020B0604020202020204" pitchFamily="34" charset="0"/>
+              </a:rPr>
+              <a:t>freezed</a:t>
+            </a:r>
+            <a:r>
+              <a:rPr lang="en-US" sz="1400" dirty="0">
+                <a:latin typeface="Arial" panose="020B0604020202020204" pitchFamily="34" charset="0"/>
+                <a:cs typeface="Arial" panose="020B0604020202020204" pitchFamily="34" charset="0"/>
+              </a:rPr>
+              <a:t>) to check if the </a:t>
+            </a:r>
+            <a:r>
+              <a:rPr lang="en-US" sz="1400" dirty="0" err="1">
+                <a:latin typeface="Arial" panose="020B0604020202020204" pitchFamily="34" charset="0"/>
+                <a:cs typeface="Arial" panose="020B0604020202020204" pitchFamily="34" charset="0"/>
+              </a:rPr>
+              <a:t>discrimator</a:t>
+            </a:r>
+            <a:r>
+              <a:rPr lang="en-US" sz="1400" dirty="0">
+                <a:latin typeface="Arial" panose="020B0604020202020204" pitchFamily="34" charset="0"/>
+                <a:cs typeface="Arial" panose="020B0604020202020204" pitchFamily="34" charset="0"/>
+              </a:rPr>
+              <a:t> is able to recognize them or it says they are all "true" also the generated ones. This trains the generator to mislead the discriminator. </a:t>
+            </a:r>
+          </a:p>
+          <a:p>
+            <a:endParaRPr lang="it-IT" sz="1400" dirty="0"/>
+          </a:p>
+        </p:txBody>
+      </p:sp>
+      <p:sp>
+        <p:nvSpPr>
+          <p:cNvPr id="8" name="Titolo 7"/>
+          <p:cNvSpPr>
+            <a:spLocks noGrp="1"/>
+          </p:cNvSpPr>
+          <p:nvPr>
+            <p:ph type="title"/>
+          </p:nvPr>
+        </p:nvSpPr>
+        <p:spPr>
+          <a:xfrm>
+            <a:off x="468895" y="438572"/>
+            <a:ext cx="11269308" cy="769441"/>
+          </a:xfrm>
+        </p:spPr>
+        <p:txBody>
+          <a:bodyPr/>
+          <a:lstStyle/>
+          <a:p>
+            <a:r>
+              <a:rPr lang="en-US" dirty="0"/>
+              <a:t>Generative Adversarial Networks (GAN)</a:t>
+            </a:r>
+            <a:br>
+              <a:rPr lang="en-US" dirty="0"/>
+            </a:br>
+            <a:endParaRPr lang="it-IT" dirty="0"/>
           </a:p>
         </p:txBody>
       </p:sp>
@@ -21928,6 +23533,15 @@
 
 <file path=customXml/item1.xml><?xml version="1.0" encoding="utf-8"?>
 <?mso-contentType ?>
+<FormTemplates xmlns="http://schemas.microsoft.com/sharepoint/v3/contenttype/forms">
+  <Display>DocumentLibraryForm</Display>
+  <Edit>DocumentLibraryForm</Edit>
+  <New>DocumentLibraryForm</New>
+</FormTemplates>
+</file>
+
+<file path=customXml/item2.xml><?xml version="1.0" encoding="utf-8"?>
+<?mso-contentType ?>
 <spe:Receivers xmlns:spe="http://schemas.microsoft.com/sharepoint/events">
   <Receiver>
     <Name>Document ID Generator</Name>
@@ -21976,16 +23590,22 @@
 </spe:Receivers>
 </file>
 
-<file path=customXml/item2.xml><?xml version="1.0" encoding="utf-8"?>
-<?mso-contentType ?>
-<FormTemplates xmlns="http://schemas.microsoft.com/sharepoint/v3/contenttype/forms">
-  <Display>DocumentLibraryForm</Display>
-  <Edit>DocumentLibraryForm</Edit>
-  <New>DocumentLibraryForm</New>
-</FormTemplates>
+<file path=customXml/item3.xml><?xml version="1.0" encoding="utf-8"?>
+<p:properties xmlns:p="http://schemas.microsoft.com/office/2006/metadata/properties" xmlns:xsi="http://www.w3.org/2001/XMLSchema-instance" xmlns:pc="http://schemas.microsoft.com/office/infopath/2007/PartnerControls">
+  <documentManagement>
+    <SottoCategoria xmlns="679261c3-551f-4e86-913f-177e0e529669">-</SottoCategoria>
+    <Categoria xmlns="c58f2efd-82a8-4ecf-b395-8c25e928921d">Power Point</Categoria>
+    <_dlc_DocId xmlns="459159c4-d20a-4ff3-9b11-fbd127bd52e5">INTRANET-14-158</_dlc_DocId>
+    <_dlc_DocIdUrl xmlns="459159c4-d20a-4ff3-9b11-fbd127bd52e5">
+      <Url>https://intranet.istat.it/Collaborativi/_layouts/15/DocIdRedir.aspx?ID=INTRANET-14-158</Url>
+      <Description>INTRANET-14-158</Description>
+    </_dlc_DocIdUrl>
+    <Ordine xmlns="679261c3-551f-4e86-913f-177e0e529669" xsi:nil="true"/>
+  </documentManagement>
+</p:properties>
 </file>
 
-<file path=customXml/item3.xml><?xml version="1.0" encoding="utf-8"?>
+<file path=customXml/item4.xml><?xml version="1.0" encoding="utf-8"?>
 <ct:contentTypeSchema xmlns:ct="http://schemas.microsoft.com/office/2006/metadata/contentType" xmlns:ma="http://schemas.microsoft.com/office/2006/metadata/properties/metaAttributes" ct:_="" ma:_="" ma:contentTypeName="Documento" ma:contentTypeID="0x010100661A2BE3120D674DA36C11D6006822D4" ma:contentTypeVersion="5" ma:contentTypeDescription="Creare un nuovo documento." ma:contentTypeScope="" ma:versionID="b74c87ac489b73827490412ee3cfe72c">
   <xsd:schema xmlns:xsd="http://www.w3.org/2001/XMLSchema" xmlns:xs="http://www.w3.org/2001/XMLSchema" xmlns:p="http://schemas.microsoft.com/office/2006/metadata/properties" xmlns:ns2="c58f2efd-82a8-4ecf-b395-8c25e928921d" xmlns:ns3="459159c4-d20a-4ff3-9b11-fbd127bd52e5" xmlns:ns4="679261c3-551f-4e86-913f-177e0e529669" targetNamespace="http://schemas.microsoft.com/office/2006/metadata/properties" ma:root="true" ma:fieldsID="e2cc380ee14def62782d85c4be25510e" ns2:_="" ns3:_="" ns4:_="">
     <xsd:import namespace="c58f2efd-82a8-4ecf-b395-8c25e928921d"/>
@@ -22179,22 +23799,15 @@
 </ct:contentTypeSchema>
 </file>
 
-<file path=customXml/item4.xml><?xml version="1.0" encoding="utf-8"?>
-<p:properties xmlns:p="http://schemas.microsoft.com/office/2006/metadata/properties" xmlns:xsi="http://www.w3.org/2001/XMLSchema-instance" xmlns:pc="http://schemas.microsoft.com/office/infopath/2007/PartnerControls">
-  <documentManagement>
-    <SottoCategoria xmlns="679261c3-551f-4e86-913f-177e0e529669">-</SottoCategoria>
-    <Categoria xmlns="c58f2efd-82a8-4ecf-b395-8c25e928921d">Power Point</Categoria>
-    <_dlc_DocId xmlns="459159c4-d20a-4ff3-9b11-fbd127bd52e5">INTRANET-14-158</_dlc_DocId>
-    <_dlc_DocIdUrl xmlns="459159c4-d20a-4ff3-9b11-fbd127bd52e5">
-      <Url>https://intranet.istat.it/Collaborativi/_layouts/15/DocIdRedir.aspx?ID=INTRANET-14-158</Url>
-      <Description>INTRANET-14-158</Description>
-    </_dlc_DocIdUrl>
-    <Ordine xmlns="679261c3-551f-4e86-913f-177e0e529669" xsi:nil="true"/>
-  </documentManagement>
-</p:properties>
+<file path=customXml/itemProps1.xml><?xml version="1.0" encoding="utf-8"?>
+<ds:datastoreItem xmlns:ds="http://schemas.openxmlformats.org/officeDocument/2006/customXml" ds:itemID="{BD9C238D-4D5C-4783-820B-4854DCE45D41}">
+  <ds:schemaRefs>
+    <ds:schemaRef ds:uri="http://schemas.microsoft.com/sharepoint/v3/contenttype/forms"/>
+  </ds:schemaRefs>
+</ds:datastoreItem>
 </file>
 
-<file path=customXml/itemProps1.xml><?xml version="1.0" encoding="utf-8"?>
+<file path=customXml/itemProps2.xml><?xml version="1.0" encoding="utf-8"?>
 <ds:datastoreItem xmlns:ds="http://schemas.openxmlformats.org/officeDocument/2006/customXml" ds:itemID="{D9296C4F-9DE9-4B43-AA80-1FC85656CFFA}">
   <ds:schemaRefs>
     <ds:schemaRef ds:uri="http://schemas.microsoft.com/sharepoint/events"/>
@@ -22202,15 +23815,25 @@
 </ds:datastoreItem>
 </file>
 
-<file path=customXml/itemProps2.xml><?xml version="1.0" encoding="utf-8"?>
-<ds:datastoreItem xmlns:ds="http://schemas.openxmlformats.org/officeDocument/2006/customXml" ds:itemID="{BD9C238D-4D5C-4783-820B-4854DCE45D41}">
+<file path=customXml/itemProps3.xml><?xml version="1.0" encoding="utf-8"?>
+<ds:datastoreItem xmlns:ds="http://schemas.openxmlformats.org/officeDocument/2006/customXml" ds:itemID="{3EF378BC-F4D0-4510-B4EC-07B6EFE18CF8}">
   <ds:schemaRefs>
-    <ds:schemaRef ds:uri="http://schemas.microsoft.com/sharepoint/v3/contenttype/forms"/>
+    <ds:schemaRef ds:uri="http://schemas.microsoft.com/office/2006/metadata/properties"/>
+    <ds:schemaRef ds:uri="http://purl.org/dc/terms/"/>
+    <ds:schemaRef ds:uri="http://schemas.microsoft.com/office/2006/documentManagement/types"/>
+    <ds:schemaRef ds:uri="679261c3-551f-4e86-913f-177e0e529669"/>
+    <ds:schemaRef ds:uri="http://schemas.openxmlformats.org/package/2006/metadata/core-properties"/>
+    <ds:schemaRef ds:uri="459159c4-d20a-4ff3-9b11-fbd127bd52e5"/>
+    <ds:schemaRef ds:uri="http://purl.org/dc/elements/1.1/"/>
+    <ds:schemaRef ds:uri="http://schemas.microsoft.com/office/infopath/2007/PartnerControls"/>
+    <ds:schemaRef ds:uri="c58f2efd-82a8-4ecf-b395-8c25e928921d"/>
+    <ds:schemaRef ds:uri="http://www.w3.org/XML/1998/namespace"/>
+    <ds:schemaRef ds:uri="http://purl.org/dc/dcmitype/"/>
   </ds:schemaRefs>
 </ds:datastoreItem>
 </file>
 
-<file path=customXml/itemProps3.xml><?xml version="1.0" encoding="utf-8"?>
+<file path=customXml/itemProps4.xml><?xml version="1.0" encoding="utf-8"?>
 <ds:datastoreItem xmlns:ds="http://schemas.openxmlformats.org/officeDocument/2006/customXml" ds:itemID="{C44F034E-DE69-4892-9E35-DE49F97F6ECC}">
   <ds:schemaRefs>
     <ds:schemaRef ds:uri="http://schemas.microsoft.com/office/2006/metadata/contentType"/>
@@ -22228,22 +23851,4 @@
     <ds:schemaRef ds:uri="http://schemas.microsoft.com/internal/obd"/>
   </ds:schemaRefs>
 </ds:datastoreItem>
-</file>
-
-<file path=customXml/itemProps4.xml><?xml version="1.0" encoding="utf-8"?>
-<ds:datastoreItem xmlns:ds="http://schemas.openxmlformats.org/officeDocument/2006/customXml" ds:itemID="{3EF378BC-F4D0-4510-B4EC-07B6EFE18CF8}">
-  <ds:schemaRefs>
-    <ds:schemaRef ds:uri="http://schemas.microsoft.com/office/2006/documentManagement/types"/>
-    <ds:schemaRef ds:uri="679261c3-551f-4e86-913f-177e0e529669"/>
-    <ds:schemaRef ds:uri="http://schemas.openxmlformats.org/package/2006/metadata/core-properties"/>
-    <ds:schemaRef ds:uri="http://purl.org/dc/elements/1.1/"/>
-    <ds:schemaRef ds:uri="http://schemas.microsoft.com/office/2006/metadata/properties"/>
-    <ds:schemaRef ds:uri="http://schemas.microsoft.com/office/infopath/2007/PartnerControls"/>
-    <ds:schemaRef ds:uri="459159c4-d20a-4ff3-9b11-fbd127bd52e5"/>
-    <ds:schemaRef ds:uri="http://purl.org/dc/terms/"/>
-    <ds:schemaRef ds:uri="c58f2efd-82a8-4ecf-b395-8c25e928921d"/>
-    <ds:schemaRef ds:uri="http://www.w3.org/XML/1998/namespace"/>
-    <ds:schemaRef ds:uri="http://purl.org/dc/dcmitype/"/>
-  </ds:schemaRefs>
-</ds:datastoreItem>
 </file>
--- a/Presentations/Dati Sintetici di telefonia_V2-FUSION.pptx
+++ b/Presentations/Dati Sintetici di telefonia_V2-FUSION.pptx
@@ -15479,6 +15479,140 @@
           </a:p>
         </p:txBody>
       </p:sp>
+      <p:sp>
+        <p:nvSpPr>
+          <p:cNvPr id="2" name="CasellaDiTesto 1"/>
+          <p:cNvSpPr txBox="1"/>
+          <p:nvPr/>
+        </p:nvSpPr>
+        <p:spPr>
+          <a:xfrm>
+            <a:off x="661737" y="1600200"/>
+            <a:ext cx="6605337" cy="646331"/>
+          </a:xfrm>
+          <a:prstGeom prst="rect">
+            <a:avLst/>
+          </a:prstGeom>
+          <a:noFill/>
+        </p:spPr>
+        <p:txBody>
+          <a:bodyPr wrap="square" rtlCol="0">
+            <a:spAutoFit/>
+          </a:bodyPr>
+          <a:lstStyle/>
+          <a:p>
+            <a:pPr marL="285750" indent="-285750">
+              <a:buClr>
+                <a:srgbClr val="FF0000"/>
+              </a:buClr>
+              <a:buFont typeface="Courier New" panose="02070309020205020404" pitchFamily="49" charset="0"/>
+              <a:buChar char="o"/>
+            </a:pPr>
+            <a:r>
+              <a:rPr lang="it-IT" dirty="0" err="1" smtClean="0">
+                <a:latin typeface="Arial" panose="020B0604020202020204" pitchFamily="34" charset="0"/>
+                <a:cs typeface="Arial" panose="020B0604020202020204" pitchFamily="34" charset="0"/>
+              </a:rPr>
+              <a:t>This</a:t>
+            </a:r>
+            <a:r>
+              <a:rPr lang="it-IT" dirty="0" smtClean="0">
+                <a:latin typeface="Arial" panose="020B0604020202020204" pitchFamily="34" charset="0"/>
+                <a:cs typeface="Arial" panose="020B0604020202020204" pitchFamily="34" charset="0"/>
+              </a:rPr>
+              <a:t> work </a:t>
+            </a:r>
+            <a:r>
+              <a:rPr lang="it-IT" dirty="0" err="1" smtClean="0">
+                <a:latin typeface="Arial" panose="020B0604020202020204" pitchFamily="34" charset="0"/>
+                <a:cs typeface="Arial" panose="020B0604020202020204" pitchFamily="34" charset="0"/>
+              </a:rPr>
+              <a:t>displays</a:t>
+            </a:r>
+            <a:r>
+              <a:rPr lang="it-IT" dirty="0" smtClean="0">
+                <a:latin typeface="Arial" panose="020B0604020202020204" pitchFamily="34" charset="0"/>
+                <a:cs typeface="Arial" panose="020B0604020202020204" pitchFamily="34" charset="0"/>
+              </a:rPr>
+              <a:t> </a:t>
+            </a:r>
+            <a:r>
+              <a:rPr lang="it-IT" dirty="0" err="1" smtClean="0">
+                <a:latin typeface="Arial" panose="020B0604020202020204" pitchFamily="34" charset="0"/>
+                <a:cs typeface="Arial" panose="020B0604020202020204" pitchFamily="34" charset="0"/>
+              </a:rPr>
+              <a:t>how</a:t>
+            </a:r>
+            <a:r>
+              <a:rPr lang="it-IT" dirty="0" smtClean="0">
+                <a:latin typeface="Arial" panose="020B0604020202020204" pitchFamily="34" charset="0"/>
+                <a:cs typeface="Arial" panose="020B0604020202020204" pitchFamily="34" charset="0"/>
+              </a:rPr>
+              <a:t> to </a:t>
+            </a:r>
+            <a:r>
+              <a:rPr lang="it-IT" dirty="0" err="1" smtClean="0">
+                <a:latin typeface="Arial" panose="020B0604020202020204" pitchFamily="34" charset="0"/>
+                <a:cs typeface="Arial" panose="020B0604020202020204" pitchFamily="34" charset="0"/>
+              </a:rPr>
+              <a:t>adopt</a:t>
+            </a:r>
+            <a:r>
+              <a:rPr lang="it-IT" dirty="0" smtClean="0">
+                <a:latin typeface="Arial" panose="020B0604020202020204" pitchFamily="34" charset="0"/>
+                <a:cs typeface="Arial" panose="020B0604020202020204" pitchFamily="34" charset="0"/>
+              </a:rPr>
+              <a:t> a </a:t>
+            </a:r>
+            <a:r>
+              <a:rPr lang="it-IT" dirty="0" err="1" smtClean="0">
+                <a:latin typeface="Arial" panose="020B0604020202020204" pitchFamily="34" charset="0"/>
+                <a:cs typeface="Arial" panose="020B0604020202020204" pitchFamily="34" charset="0"/>
+              </a:rPr>
+              <a:t>robust</a:t>
+            </a:r>
+            <a:r>
+              <a:rPr lang="it-IT" dirty="0" smtClean="0">
+                <a:latin typeface="Arial" panose="020B0604020202020204" pitchFamily="34" charset="0"/>
+                <a:cs typeface="Arial" panose="020B0604020202020204" pitchFamily="34" charset="0"/>
+              </a:rPr>
+              <a:t> and </a:t>
+            </a:r>
+            <a:r>
+              <a:rPr lang="it-IT" dirty="0" err="1" smtClean="0">
+                <a:latin typeface="Arial" panose="020B0604020202020204" pitchFamily="34" charset="0"/>
+                <a:cs typeface="Arial" panose="020B0604020202020204" pitchFamily="34" charset="0"/>
+              </a:rPr>
+              <a:t>flexible</a:t>
+            </a:r>
+            <a:r>
+              <a:rPr lang="it-IT" dirty="0" smtClean="0">
+                <a:latin typeface="Arial" panose="020B0604020202020204" pitchFamily="34" charset="0"/>
+                <a:cs typeface="Arial" panose="020B0604020202020204" pitchFamily="34" charset="0"/>
+              </a:rPr>
+              <a:t> </a:t>
+            </a:r>
+            <a:r>
+              <a:rPr lang="it-IT" b="1" dirty="0" err="1" smtClean="0">
+                <a:latin typeface="Arial" panose="020B0604020202020204" pitchFamily="34" charset="0"/>
+                <a:cs typeface="Arial" panose="020B0604020202020204" pitchFamily="34" charset="0"/>
+              </a:rPr>
+              <a:t>Deep</a:t>
+            </a:r>
+            <a:r>
+              <a:rPr lang="it-IT" b="1" dirty="0" smtClean="0">
+                <a:latin typeface="Arial" panose="020B0604020202020204" pitchFamily="34" charset="0"/>
+                <a:cs typeface="Arial" panose="020B0604020202020204" pitchFamily="34" charset="0"/>
+              </a:rPr>
+              <a:t> Learning Framework</a:t>
+            </a:r>
+            <a:endParaRPr lang="it-IT" b="1" dirty="0">
+              <a:latin typeface="Arial" panose="020B0604020202020204" pitchFamily="34" charset="0"/>
+              <a:cs typeface="Arial" panose="020B0604020202020204" pitchFamily="34" charset="0"/>
+            </a:endParaRPr>
+          </a:p>
+        </p:txBody>
+      </p:sp>
     </p:spTree>
     <p:extLst>
       <p:ext uri="{BB962C8B-B14F-4D97-AF65-F5344CB8AC3E}">
@@ -15604,7 +15738,7 @@
         <p:spPr>
           <a:xfrm>
             <a:off x="613812" y="1492072"/>
-            <a:ext cx="10715991" cy="5632311"/>
+            <a:ext cx="10715991" cy="5909310"/>
           </a:xfrm>
           <a:prstGeom prst="rect">
             <a:avLst/>
@@ -15962,14 +16096,31 @@
             </a:r>
             <a:r>
               <a:rPr lang="it-IT" b="1" dirty="0" smtClean="0"/>
-              <a:t> Evaluation: </a:t>
-            </a:r>
-          </a:p>
-          <a:p>
-            <a:r>
-              <a:rPr lang="en-US" dirty="0"/>
-              <a:t>https://colab.research.google.com/drive/1FFX4ezYjwUbKiXGrqSuVV0iOr2wBakHa?usp=sharing</a:t>
-            </a:r>
+              <a:t> Evaluation </a:t>
+            </a:r>
+            <a:r>
+              <a:rPr lang="it-IT" b="1" smtClean="0"/>
+              <a:t>Colab: </a:t>
+            </a:r>
+            <a:endParaRPr lang="it-IT" b="1" dirty="0" smtClean="0"/>
+          </a:p>
+          <a:p>
+            <a:r>
+              <a:rPr lang="en-US" dirty="0">
+                <a:hlinkClick r:id="rId4"/>
+              </a:rPr>
+              <a:t>https://</a:t>
+            </a:r>
+            <a:r>
+              <a:rPr lang="en-US" dirty="0" smtClean="0">
+                <a:hlinkClick r:id="rId4"/>
+              </a:rPr>
+              <a:t>colab.research.google.com/drive/1FFX4ezYjwUbKiXGrqSuVV0iOr2wBakHa?usp=sharing</a:t>
+            </a:r>
+            <a:endParaRPr lang="en-US" dirty="0" smtClean="0"/>
+          </a:p>
+          <a:p>
+            <a:endParaRPr lang="en-US" dirty="0"/>
           </a:p>
           <a:p>
             <a:endParaRPr lang="it-IT" dirty="0" smtClean="0"/>
@@ -21003,11 +21154,7 @@
             </a:r>
             <a:r>
               <a:rPr lang="en-US" sz="2400" dirty="0" smtClean="0"/>
-              <a:t> (Synthetic Data Gy</a:t>
-            </a:r>
-            <a:r>
-              <a:rPr lang="en-US" sz="2400" dirty="0" smtClean="0"/>
-              <a:t>m) </a:t>
+              <a:t> (Synthetic Data Gym) </a:t>
             </a:r>
             <a:endParaRPr lang="en-US" sz="2400" b="1" dirty="0"/>
           </a:p>
@@ -23533,15 +23680,6 @@
 
 <file path=customXml/item1.xml><?xml version="1.0" encoding="utf-8"?>
 <?mso-contentType ?>
-<FormTemplates xmlns="http://schemas.microsoft.com/sharepoint/v3/contenttype/forms">
-  <Display>DocumentLibraryForm</Display>
-  <Edit>DocumentLibraryForm</Edit>
-  <New>DocumentLibraryForm</New>
-</FormTemplates>
-</file>
-
-<file path=customXml/item2.xml><?xml version="1.0" encoding="utf-8"?>
-<?mso-contentType ?>
 <spe:Receivers xmlns:spe="http://schemas.microsoft.com/sharepoint/events">
   <Receiver>
     <Name>Document ID Generator</Name>
@@ -23590,22 +23728,16 @@
 </spe:Receivers>
 </file>
 
-<file path=customXml/item3.xml><?xml version="1.0" encoding="utf-8"?>
-<p:properties xmlns:p="http://schemas.microsoft.com/office/2006/metadata/properties" xmlns:xsi="http://www.w3.org/2001/XMLSchema-instance" xmlns:pc="http://schemas.microsoft.com/office/infopath/2007/PartnerControls">
-  <documentManagement>
-    <SottoCategoria xmlns="679261c3-551f-4e86-913f-177e0e529669">-</SottoCategoria>
-    <Categoria xmlns="c58f2efd-82a8-4ecf-b395-8c25e928921d">Power Point</Categoria>
-    <_dlc_DocId xmlns="459159c4-d20a-4ff3-9b11-fbd127bd52e5">INTRANET-14-158</_dlc_DocId>
-    <_dlc_DocIdUrl xmlns="459159c4-d20a-4ff3-9b11-fbd127bd52e5">
-      <Url>https://intranet.istat.it/Collaborativi/_layouts/15/DocIdRedir.aspx?ID=INTRANET-14-158</Url>
-      <Description>INTRANET-14-158</Description>
-    </_dlc_DocIdUrl>
-    <Ordine xmlns="679261c3-551f-4e86-913f-177e0e529669" xsi:nil="true"/>
-  </documentManagement>
-</p:properties>
+<file path=customXml/item2.xml><?xml version="1.0" encoding="utf-8"?>
+<?mso-contentType ?>
+<FormTemplates xmlns="http://schemas.microsoft.com/sharepoint/v3/contenttype/forms">
+  <Display>DocumentLibraryForm</Display>
+  <Edit>DocumentLibraryForm</Edit>
+  <New>DocumentLibraryForm</New>
+</FormTemplates>
 </file>
 
-<file path=customXml/item4.xml><?xml version="1.0" encoding="utf-8"?>
+<file path=customXml/item3.xml><?xml version="1.0" encoding="utf-8"?>
 <ct:contentTypeSchema xmlns:ct="http://schemas.microsoft.com/office/2006/metadata/contentType" xmlns:ma="http://schemas.microsoft.com/office/2006/metadata/properties/metaAttributes" ct:_="" ma:_="" ma:contentTypeName="Documento" ma:contentTypeID="0x010100661A2BE3120D674DA36C11D6006822D4" ma:contentTypeVersion="5" ma:contentTypeDescription="Creare un nuovo documento." ma:contentTypeScope="" ma:versionID="b74c87ac489b73827490412ee3cfe72c">
   <xsd:schema xmlns:xsd="http://www.w3.org/2001/XMLSchema" xmlns:xs="http://www.w3.org/2001/XMLSchema" xmlns:p="http://schemas.microsoft.com/office/2006/metadata/properties" xmlns:ns2="c58f2efd-82a8-4ecf-b395-8c25e928921d" xmlns:ns3="459159c4-d20a-4ff3-9b11-fbd127bd52e5" xmlns:ns4="679261c3-551f-4e86-913f-177e0e529669" targetNamespace="http://schemas.microsoft.com/office/2006/metadata/properties" ma:root="true" ma:fieldsID="e2cc380ee14def62782d85c4be25510e" ns2:_="" ns3:_="" ns4:_="">
     <xsd:import namespace="c58f2efd-82a8-4ecf-b395-8c25e928921d"/>
@@ -23799,7 +23931,30 @@
 </ct:contentTypeSchema>
 </file>
 
+<file path=customXml/item4.xml><?xml version="1.0" encoding="utf-8"?>
+<p:properties xmlns:p="http://schemas.microsoft.com/office/2006/metadata/properties" xmlns:xsi="http://www.w3.org/2001/XMLSchema-instance" xmlns:pc="http://schemas.microsoft.com/office/infopath/2007/PartnerControls">
+  <documentManagement>
+    <SottoCategoria xmlns="679261c3-551f-4e86-913f-177e0e529669">-</SottoCategoria>
+    <Categoria xmlns="c58f2efd-82a8-4ecf-b395-8c25e928921d">Power Point</Categoria>
+    <_dlc_DocId xmlns="459159c4-d20a-4ff3-9b11-fbd127bd52e5">INTRANET-14-158</_dlc_DocId>
+    <_dlc_DocIdUrl xmlns="459159c4-d20a-4ff3-9b11-fbd127bd52e5">
+      <Url>https://intranet.istat.it/Collaborativi/_layouts/15/DocIdRedir.aspx?ID=INTRANET-14-158</Url>
+      <Description>INTRANET-14-158</Description>
+    </_dlc_DocIdUrl>
+    <Ordine xmlns="679261c3-551f-4e86-913f-177e0e529669" xsi:nil="true"/>
+  </documentManagement>
+</p:properties>
+</file>
+
 <file path=customXml/itemProps1.xml><?xml version="1.0" encoding="utf-8"?>
+<ds:datastoreItem xmlns:ds="http://schemas.openxmlformats.org/officeDocument/2006/customXml" ds:itemID="{D9296C4F-9DE9-4B43-AA80-1FC85656CFFA}">
+  <ds:schemaRefs>
+    <ds:schemaRef ds:uri="http://schemas.microsoft.com/sharepoint/events"/>
+  </ds:schemaRefs>
+</ds:datastoreItem>
+</file>
+
+<file path=customXml/itemProps2.xml><?xml version="1.0" encoding="utf-8"?>
 <ds:datastoreItem xmlns:ds="http://schemas.openxmlformats.org/officeDocument/2006/customXml" ds:itemID="{BD9C238D-4D5C-4783-820B-4854DCE45D41}">
   <ds:schemaRefs>
     <ds:schemaRef ds:uri="http://schemas.microsoft.com/sharepoint/v3/contenttype/forms"/>
@@ -23807,33 +23962,7 @@
 </ds:datastoreItem>
 </file>
 
-<file path=customXml/itemProps2.xml><?xml version="1.0" encoding="utf-8"?>
-<ds:datastoreItem xmlns:ds="http://schemas.openxmlformats.org/officeDocument/2006/customXml" ds:itemID="{D9296C4F-9DE9-4B43-AA80-1FC85656CFFA}">
-  <ds:schemaRefs>
-    <ds:schemaRef ds:uri="http://schemas.microsoft.com/sharepoint/events"/>
-  </ds:schemaRefs>
-</ds:datastoreItem>
-</file>
-
 <file path=customXml/itemProps3.xml><?xml version="1.0" encoding="utf-8"?>
-<ds:datastoreItem xmlns:ds="http://schemas.openxmlformats.org/officeDocument/2006/customXml" ds:itemID="{3EF378BC-F4D0-4510-B4EC-07B6EFE18CF8}">
-  <ds:schemaRefs>
-    <ds:schemaRef ds:uri="http://schemas.microsoft.com/office/2006/metadata/properties"/>
-    <ds:schemaRef ds:uri="http://purl.org/dc/terms/"/>
-    <ds:schemaRef ds:uri="http://schemas.microsoft.com/office/2006/documentManagement/types"/>
-    <ds:schemaRef ds:uri="679261c3-551f-4e86-913f-177e0e529669"/>
-    <ds:schemaRef ds:uri="http://schemas.openxmlformats.org/package/2006/metadata/core-properties"/>
-    <ds:schemaRef ds:uri="459159c4-d20a-4ff3-9b11-fbd127bd52e5"/>
-    <ds:schemaRef ds:uri="http://purl.org/dc/elements/1.1/"/>
-    <ds:schemaRef ds:uri="http://schemas.microsoft.com/office/infopath/2007/PartnerControls"/>
-    <ds:schemaRef ds:uri="c58f2efd-82a8-4ecf-b395-8c25e928921d"/>
-    <ds:schemaRef ds:uri="http://www.w3.org/XML/1998/namespace"/>
-    <ds:schemaRef ds:uri="http://purl.org/dc/dcmitype/"/>
-  </ds:schemaRefs>
-</ds:datastoreItem>
-</file>
-
-<file path=customXml/itemProps4.xml><?xml version="1.0" encoding="utf-8"?>
 <ds:datastoreItem xmlns:ds="http://schemas.openxmlformats.org/officeDocument/2006/customXml" ds:itemID="{C44F034E-DE69-4892-9E35-DE49F97F6ECC}">
   <ds:schemaRefs>
     <ds:schemaRef ds:uri="http://schemas.microsoft.com/office/2006/metadata/contentType"/>
@@ -23851,4 +23980,22 @@
     <ds:schemaRef ds:uri="http://schemas.microsoft.com/internal/obd"/>
   </ds:schemaRefs>
 </ds:datastoreItem>
+</file>
+
+<file path=customXml/itemProps4.xml><?xml version="1.0" encoding="utf-8"?>
+<ds:datastoreItem xmlns:ds="http://schemas.openxmlformats.org/officeDocument/2006/customXml" ds:itemID="{3EF378BC-F4D0-4510-B4EC-07B6EFE18CF8}">
+  <ds:schemaRefs>
+    <ds:schemaRef ds:uri="http://schemas.microsoft.com/office/2006/metadata/properties"/>
+    <ds:schemaRef ds:uri="http://purl.org/dc/terms/"/>
+    <ds:schemaRef ds:uri="http://schemas.microsoft.com/office/2006/documentManagement/types"/>
+    <ds:schemaRef ds:uri="679261c3-551f-4e86-913f-177e0e529669"/>
+    <ds:schemaRef ds:uri="http://schemas.openxmlformats.org/package/2006/metadata/core-properties"/>
+    <ds:schemaRef ds:uri="459159c4-d20a-4ff3-9b11-fbd127bd52e5"/>
+    <ds:schemaRef ds:uri="http://purl.org/dc/elements/1.1/"/>
+    <ds:schemaRef ds:uri="http://schemas.microsoft.com/office/infopath/2007/PartnerControls"/>
+    <ds:schemaRef ds:uri="c58f2efd-82a8-4ecf-b395-8c25e928921d"/>
+    <ds:schemaRef ds:uri="http://www.w3.org/XML/1998/namespace"/>
+    <ds:schemaRef ds:uri="http://purl.org/dc/dcmitype/"/>
+  </ds:schemaRefs>
+</ds:datastoreItem>
 </file>